--- a/Slides/Lecture03 - Lambdas and LINQ.pptx
+++ b/Slides/Lecture03 - Lambdas and LINQ.pptx
@@ -6,10 +6,10 @@
     <p:sldMasterId id="2147484675" r:id="rId5"/>
   </p:sldMasterIdLst>
   <p:notesMasterIdLst>
-    <p:notesMasterId r:id="rId26"/>
+    <p:notesMasterId r:id="rId29"/>
   </p:notesMasterIdLst>
   <p:handoutMasterIdLst>
-    <p:handoutMasterId r:id="rId27"/>
+    <p:handoutMasterId r:id="rId30"/>
   </p:handoutMasterIdLst>
   <p:sldIdLst>
     <p:sldId id="1663" r:id="rId6"/>
@@ -21,17 +21,20 @@
     <p:sldId id="1699" r:id="rId12"/>
     <p:sldId id="1688" r:id="rId13"/>
     <p:sldId id="1689" r:id="rId14"/>
-    <p:sldId id="1690" r:id="rId15"/>
-    <p:sldId id="1691" r:id="rId16"/>
-    <p:sldId id="1692" r:id="rId17"/>
-    <p:sldId id="1693" r:id="rId18"/>
-    <p:sldId id="1695" r:id="rId19"/>
-    <p:sldId id="1694" r:id="rId20"/>
+    <p:sldId id="1704" r:id="rId15"/>
+    <p:sldId id="1690" r:id="rId16"/>
+    <p:sldId id="1691" r:id="rId17"/>
+    <p:sldId id="1692" r:id="rId18"/>
+    <p:sldId id="1693" r:id="rId19"/>
+    <p:sldId id="1705" r:id="rId20"/>
     <p:sldId id="1702" r:id="rId21"/>
-    <p:sldId id="1696" r:id="rId22"/>
-    <p:sldId id="1697" r:id="rId23"/>
-    <p:sldId id="1700" r:id="rId24"/>
-    <p:sldId id="1701" r:id="rId25"/>
+    <p:sldId id="1703" r:id="rId22"/>
+    <p:sldId id="1695" r:id="rId23"/>
+    <p:sldId id="1694" r:id="rId24"/>
+    <p:sldId id="1706" r:id="rId25"/>
+    <p:sldId id="1696" r:id="rId26"/>
+    <p:sldId id="1701" r:id="rId27"/>
+    <p:sldId id="1697" r:id="rId28"/>
   </p:sldIdLst>
   <p:sldSz cx="12192000" cy="6858000"/>
   <p:notesSz cx="6858000" cy="9144000"/>
@@ -144,17 +147,20 @@
             <p14:sldId id="1699"/>
             <p14:sldId id="1688"/>
             <p14:sldId id="1689"/>
+            <p14:sldId id="1704"/>
             <p14:sldId id="1690"/>
             <p14:sldId id="1691"/>
             <p14:sldId id="1692"/>
             <p14:sldId id="1693"/>
+            <p14:sldId id="1705"/>
+            <p14:sldId id="1702"/>
+            <p14:sldId id="1703"/>
             <p14:sldId id="1695"/>
             <p14:sldId id="1694"/>
-            <p14:sldId id="1702"/>
+            <p14:sldId id="1706"/>
             <p14:sldId id="1696"/>
+            <p14:sldId id="1701"/>
             <p14:sldId id="1697"/>
-            <p14:sldId id="1700"/>
-            <p14:sldId id="1701"/>
           </p14:sldIdLst>
         </p14:section>
       </p14:sectionLst>
@@ -294,7 +300,7 @@
               <a:rPr lang="en-US" smtClean="0">
                 <a:latin typeface="Segoe UI" pitchFamily="34" charset="0"/>
               </a:rPr>
-              <a:t>9/8/2020 9:16 PM</a:t>
+              <a:t>9/8/2020 11:28 PM</a:t>
             </a:fld>
             <a:endParaRPr lang="en-US" dirty="0">
               <a:latin typeface="Segoe UI" pitchFamily="34" charset="0"/>
@@ -572,7 +578,7 @@
           <a:p>
             <a:fld id="{386CE63F-9E7F-4C04-9D0D-FCA25A8E9E86}" type="datetime8">
               <a:rPr lang="en-US" smtClean="0"/>
-              <a:t>9/8/2020 9:15 PM</a:t>
+              <a:t>9/8/2020 11:28 PM</a:t>
             </a:fld>
             <a:endParaRPr lang="en-US" dirty="0"/>
           </a:p>
@@ -939,7 +945,7 @@
           <a:p>
             <a:fld id="{321E5A7B-BB8D-4368-A182-109669521632}" type="datetime8">
               <a:rPr lang="en-US" smtClean="0"/>
-              <a:t>9/8/2020 9:15 PM</a:t>
+              <a:t>9/8/2020 11:28 PM</a:t>
             </a:fld>
             <a:endParaRPr lang="en-US" dirty="0"/>
           </a:p>
@@ -19516,6 +19522,77 @@
       </p:grpSpPr>
       <p:sp>
         <p:nvSpPr>
+          <p:cNvPr id="4" name="Title 3">
+            <a:extLst>
+              <a:ext uri="{FF2B5EF4-FFF2-40B4-BE49-F238E27FC236}">
+                <a16:creationId xmlns:a16="http://schemas.microsoft.com/office/drawing/2014/main" id="{98D9D239-887C-49FA-A821-A61A859CC476}"/>
+              </a:ext>
+            </a:extLst>
+          </p:cNvPr>
+          <p:cNvSpPr>
+            <a:spLocks noGrp="1"/>
+          </p:cNvSpPr>
+          <p:nvPr>
+            <p:ph type="title"/>
+          </p:nvPr>
+        </p:nvSpPr>
+        <p:spPr/>
+        <p:txBody>
+          <a:bodyPr/>
+          <a:lstStyle/>
+          <a:p>
+            <a:r>
+              <a:rPr lang="en-US" dirty="0"/>
+              <a:t>Lambda Expressions</a:t>
+            </a:r>
+            <a:endParaRPr lang="LID4096" dirty="0"/>
+          </a:p>
+        </p:txBody>
+      </p:sp>
+    </p:spTree>
+    <p:extLst>
+      <p:ext uri="{BB962C8B-B14F-4D97-AF65-F5344CB8AC3E}">
+        <p14:creationId xmlns:p14="http://schemas.microsoft.com/office/powerpoint/2010/main" val="3340387075"/>
+      </p:ext>
+    </p:extLst>
+  </p:cSld>
+  <p:clrMapOvr>
+    <a:masterClrMapping/>
+  </p:clrMapOvr>
+  <mc:AlternateContent xmlns:mc="http://schemas.openxmlformats.org/markup-compatibility/2006">
+    <mc:Choice xmlns:p14="http://schemas.microsoft.com/office/powerpoint/2010/main" Requires="p14">
+      <p:transition spd="med" p14:dur="700">
+        <p:fade/>
+      </p:transition>
+    </mc:Choice>
+    <mc:Fallback>
+      <p:transition spd="med">
+        <p:fade/>
+      </p:transition>
+    </mc:Fallback>
+  </mc:AlternateContent>
+</p:sld>
+</file>
+
+<file path=ppt/slides/slide11.xml><?xml version="1.0" encoding="utf-8"?>
+<p:sld xmlns:a="http://schemas.openxmlformats.org/drawingml/2006/main" xmlns:r="http://schemas.openxmlformats.org/officeDocument/2006/relationships" xmlns:p="http://schemas.openxmlformats.org/presentationml/2006/main">
+  <p:cSld>
+    <p:spTree>
+      <p:nvGrpSpPr>
+        <p:cNvPr id="1" name=""/>
+        <p:cNvGrpSpPr/>
+        <p:nvPr/>
+      </p:nvGrpSpPr>
+      <p:grpSpPr>
+        <a:xfrm>
+          <a:off x="0" y="0"/>
+          <a:ext cx="0" cy="0"/>
+          <a:chOff x="0" y="0"/>
+          <a:chExt cx="0" cy="0"/>
+        </a:xfrm>
+      </p:grpSpPr>
+      <p:sp>
+        <p:nvSpPr>
           <p:cNvPr id="3" name="Title 2">
             <a:extLst>
               <a:ext uri="{FF2B5EF4-FFF2-40B4-BE49-F238E27FC236}">
@@ -19537,7 +19614,7 @@
           <a:p>
             <a:r>
               <a:rPr lang="en-US" dirty="0"/>
-              <a:t>Lambda expressions</a:t>
+              <a:t>Lambda Expressions</a:t>
             </a:r>
             <a:endParaRPr lang="LID4096" dirty="0"/>
           </a:p>
@@ -20058,474 +20135,6 @@
     <p:extLst>
       <p:ext uri="{BB962C8B-B14F-4D97-AF65-F5344CB8AC3E}">
         <p14:creationId xmlns:p14="http://schemas.microsoft.com/office/powerpoint/2010/main" val="1395429176"/>
-      </p:ext>
-    </p:extLst>
-  </p:cSld>
-  <p:clrMapOvr>
-    <a:masterClrMapping/>
-  </p:clrMapOvr>
-  <p:transition>
-    <p:fade/>
-  </p:transition>
-</p:sld>
-</file>
-
-<file path=ppt/slides/slide11.xml><?xml version="1.0" encoding="utf-8"?>
-<p:sld xmlns:a="http://schemas.openxmlformats.org/drawingml/2006/main" xmlns:r="http://schemas.openxmlformats.org/officeDocument/2006/relationships" xmlns:p="http://schemas.openxmlformats.org/presentationml/2006/main">
-  <p:cSld>
-    <p:spTree>
-      <p:nvGrpSpPr>
-        <p:cNvPr id="1" name=""/>
-        <p:cNvGrpSpPr/>
-        <p:nvPr/>
-      </p:nvGrpSpPr>
-      <p:grpSpPr>
-        <a:xfrm>
-          <a:off x="0" y="0"/>
-          <a:ext cx="0" cy="0"/>
-          <a:chOff x="0" y="0"/>
-          <a:chExt cx="0" cy="0"/>
-        </a:xfrm>
-      </p:grpSpPr>
-      <p:sp>
-        <p:nvSpPr>
-          <p:cNvPr id="2" name="Title 1">
-            <a:extLst>
-              <a:ext uri="{FF2B5EF4-FFF2-40B4-BE49-F238E27FC236}">
-                <a16:creationId xmlns:a16="http://schemas.microsoft.com/office/drawing/2014/main" id="{0F3492AE-2491-447E-B341-E60BF3924A40}"/>
-              </a:ext>
-            </a:extLst>
-          </p:cNvPr>
-          <p:cNvSpPr>
-            <a:spLocks noGrp="1"/>
-          </p:cNvSpPr>
-          <p:nvPr>
-            <p:ph type="title"/>
-          </p:nvPr>
-        </p:nvSpPr>
-        <p:spPr/>
-        <p:txBody>
-          <a:bodyPr/>
-          <a:lstStyle/>
-          <a:p>
-            <a:r>
-              <a:rPr lang="en-US" dirty="0"/>
-              <a:t>(Local functions)</a:t>
-            </a:r>
-            <a:endParaRPr lang="LID4096" dirty="0"/>
-          </a:p>
-        </p:txBody>
-      </p:sp>
-      <p:sp>
-        <p:nvSpPr>
-          <p:cNvPr id="3" name="Text Placeholder 2">
-            <a:extLst>
-              <a:ext uri="{FF2B5EF4-FFF2-40B4-BE49-F238E27FC236}">
-                <a16:creationId xmlns:a16="http://schemas.microsoft.com/office/drawing/2014/main" id="{2E126819-7E87-42A2-A3E4-FA03B6C9365D}"/>
-              </a:ext>
-            </a:extLst>
-          </p:cNvPr>
-          <p:cNvSpPr>
-            <a:spLocks noGrp="1"/>
-          </p:cNvSpPr>
-          <p:nvPr>
-            <p:ph type="body" sz="quarter" idx="10"/>
-          </p:nvPr>
-        </p:nvSpPr>
-        <p:spPr>
-          <a:xfrm>
-            <a:off x="588263" y="1436688"/>
-            <a:ext cx="11018520" cy="3767185"/>
-          </a:xfrm>
-        </p:spPr>
-        <p:txBody>
-          <a:bodyPr/>
-          <a:lstStyle/>
-          <a:p>
-            <a:r>
-              <a:rPr lang="en-US" sz="3600" b="0" dirty="0">
-                <a:solidFill>
-                  <a:srgbClr val="569CD6"/>
-                </a:solidFill>
-                <a:effectLst/>
-                <a:latin typeface=" Cascadia Code PL"/>
-              </a:rPr>
-              <a:t>static</a:t>
-            </a:r>
-            <a:r>
-              <a:rPr lang="en-US" sz="3600" b="0" dirty="0">
-                <a:solidFill>
-                  <a:srgbClr val="D4D4D4"/>
-                </a:solidFill>
-                <a:effectLst/>
-                <a:latin typeface=" Cascadia Code PL"/>
-              </a:rPr>
-              <a:t> </a:t>
-            </a:r>
-            <a:r>
-              <a:rPr lang="en-US" sz="3600" b="0" dirty="0">
-                <a:solidFill>
-                  <a:srgbClr val="569CD6"/>
-                </a:solidFill>
-                <a:effectLst/>
-                <a:latin typeface=" Cascadia Code PL"/>
-              </a:rPr>
-              <a:t>void</a:t>
-            </a:r>
-            <a:r>
-              <a:rPr lang="en-US" sz="3600" b="0" dirty="0">
-                <a:solidFill>
-                  <a:srgbClr val="D4D4D4"/>
-                </a:solidFill>
-                <a:effectLst/>
-                <a:latin typeface=" Cascadia Code PL"/>
-              </a:rPr>
-              <a:t> </a:t>
-            </a:r>
-            <a:r>
-              <a:rPr lang="en-US" sz="3600" b="0" dirty="0">
-                <a:solidFill>
-                  <a:srgbClr val="DCDCAA"/>
-                </a:solidFill>
-                <a:effectLst/>
-                <a:latin typeface=" Cascadia Code PL"/>
-              </a:rPr>
-              <a:t>Main</a:t>
-            </a:r>
-            <a:r>
-              <a:rPr lang="en-US" sz="3600" b="0" dirty="0">
-                <a:solidFill>
-                  <a:srgbClr val="D4D4D4"/>
-                </a:solidFill>
-                <a:effectLst/>
-                <a:latin typeface=" Cascadia Code PL"/>
-              </a:rPr>
-              <a:t>(</a:t>
-            </a:r>
-            <a:r>
-              <a:rPr lang="en-US" sz="3600" b="0" dirty="0">
-                <a:solidFill>
-                  <a:srgbClr val="569CD6"/>
-                </a:solidFill>
-                <a:effectLst/>
-                <a:latin typeface=" Cascadia Code PL"/>
-              </a:rPr>
-              <a:t>string</a:t>
-            </a:r>
-            <a:r>
-              <a:rPr lang="en-US" sz="3600" b="0" dirty="0">
-                <a:solidFill>
-                  <a:srgbClr val="D4D4D4"/>
-                </a:solidFill>
-                <a:effectLst/>
-                <a:latin typeface=" Cascadia Code PL"/>
-              </a:rPr>
-              <a:t>[] </a:t>
-            </a:r>
-            <a:r>
-              <a:rPr lang="en-US" sz="3600" b="0" dirty="0" err="1">
-                <a:solidFill>
-                  <a:srgbClr val="9CDCFE"/>
-                </a:solidFill>
-                <a:effectLst/>
-                <a:latin typeface=" Cascadia Code PL"/>
-              </a:rPr>
-              <a:t>args</a:t>
-            </a:r>
-            <a:r>
-              <a:rPr lang="en-US" sz="3600" b="0" dirty="0">
-                <a:solidFill>
-                  <a:srgbClr val="D4D4D4"/>
-                </a:solidFill>
-                <a:effectLst/>
-                <a:latin typeface=" Cascadia Code PL"/>
-              </a:rPr>
-              <a:t>)</a:t>
-            </a:r>
-          </a:p>
-          <a:p>
-            <a:r>
-              <a:rPr lang="en-US" sz="3600" b="0" dirty="0">
-                <a:solidFill>
-                  <a:srgbClr val="D4D4D4"/>
-                </a:solidFill>
-                <a:effectLst/>
-                <a:latin typeface=" Cascadia Code PL"/>
-              </a:rPr>
-              <a:t>{</a:t>
-            </a:r>
-          </a:p>
-          <a:p>
-            <a:r>
-              <a:rPr lang="en-US" sz="3600" b="0" dirty="0">
-                <a:solidFill>
-                  <a:srgbClr val="D4D4D4"/>
-                </a:solidFill>
-                <a:effectLst/>
-                <a:latin typeface=" Cascadia Code PL"/>
-              </a:rPr>
-              <a:t>    </a:t>
-            </a:r>
-            <a:r>
-              <a:rPr lang="en-US" sz="3600" b="0" dirty="0">
-                <a:solidFill>
-                  <a:srgbClr val="569CD6"/>
-                </a:solidFill>
-                <a:effectLst/>
-                <a:latin typeface=" Cascadia Code PL"/>
-              </a:rPr>
-              <a:t>int</a:t>
-            </a:r>
-            <a:r>
-              <a:rPr lang="en-US" sz="3600" b="0" dirty="0">
-                <a:solidFill>
-                  <a:srgbClr val="D4D4D4"/>
-                </a:solidFill>
-                <a:effectLst/>
-                <a:latin typeface=" Cascadia Code PL"/>
-              </a:rPr>
-              <a:t> </a:t>
-            </a:r>
-            <a:r>
-              <a:rPr lang="en-US" sz="3600" b="0" dirty="0">
-                <a:solidFill>
-                  <a:srgbClr val="DCDCAA"/>
-                </a:solidFill>
-                <a:effectLst/>
-                <a:latin typeface=" Cascadia Code PL"/>
-              </a:rPr>
-              <a:t>square</a:t>
-            </a:r>
-            <a:r>
-              <a:rPr lang="en-US" sz="3600" b="0" dirty="0">
-                <a:solidFill>
-                  <a:srgbClr val="D4D4D4"/>
-                </a:solidFill>
-                <a:effectLst/>
-                <a:latin typeface=" Cascadia Code PL"/>
-              </a:rPr>
-              <a:t>(</a:t>
-            </a:r>
-            <a:r>
-              <a:rPr lang="en-US" sz="3600" b="0" dirty="0">
-                <a:solidFill>
-                  <a:srgbClr val="569CD6"/>
-                </a:solidFill>
-                <a:effectLst/>
-                <a:latin typeface=" Cascadia Code PL"/>
-              </a:rPr>
-              <a:t>int</a:t>
-            </a:r>
-            <a:r>
-              <a:rPr lang="en-US" sz="3600" b="0" dirty="0">
-                <a:solidFill>
-                  <a:srgbClr val="D4D4D4"/>
-                </a:solidFill>
-                <a:effectLst/>
-                <a:latin typeface=" Cascadia Code PL"/>
-              </a:rPr>
-              <a:t> </a:t>
-            </a:r>
-            <a:r>
-              <a:rPr lang="en-US" sz="3600" b="0" dirty="0">
-                <a:solidFill>
-                  <a:srgbClr val="9CDCFE"/>
-                </a:solidFill>
-                <a:effectLst/>
-                <a:latin typeface=" Cascadia Code PL"/>
-              </a:rPr>
-              <a:t>a</a:t>
-            </a:r>
-            <a:r>
-              <a:rPr lang="en-US" sz="3600" b="0" dirty="0">
-                <a:solidFill>
-                  <a:srgbClr val="D4D4D4"/>
-                </a:solidFill>
-                <a:effectLst/>
-                <a:latin typeface=" Cascadia Code PL"/>
-              </a:rPr>
-              <a:t>) { </a:t>
-            </a:r>
-            <a:r>
-              <a:rPr lang="en-US" sz="3600" b="0" dirty="0">
-                <a:solidFill>
-                  <a:srgbClr val="C586C0"/>
-                </a:solidFill>
-                <a:effectLst/>
-                <a:latin typeface=" Cascadia Code PL"/>
-              </a:rPr>
-              <a:t>return</a:t>
-            </a:r>
-            <a:r>
-              <a:rPr lang="en-US" sz="3600" b="0" dirty="0">
-                <a:solidFill>
-                  <a:srgbClr val="D4D4D4"/>
-                </a:solidFill>
-                <a:effectLst/>
-                <a:latin typeface=" Cascadia Code PL"/>
-              </a:rPr>
-              <a:t> </a:t>
-            </a:r>
-            <a:r>
-              <a:rPr lang="en-US" sz="3600" b="0" dirty="0">
-                <a:solidFill>
-                  <a:srgbClr val="9CDCFE"/>
-                </a:solidFill>
-                <a:effectLst/>
-                <a:latin typeface=" Cascadia Code PL"/>
-              </a:rPr>
-              <a:t>a</a:t>
-            </a:r>
-            <a:r>
-              <a:rPr lang="en-US" sz="3600" b="0" dirty="0">
-                <a:solidFill>
-                  <a:srgbClr val="D4D4D4"/>
-                </a:solidFill>
-                <a:effectLst/>
-                <a:latin typeface=" Cascadia Code PL"/>
-              </a:rPr>
-              <a:t> * </a:t>
-            </a:r>
-            <a:r>
-              <a:rPr lang="en-US" sz="3600" b="0" dirty="0">
-                <a:solidFill>
-                  <a:srgbClr val="9CDCFE"/>
-                </a:solidFill>
-                <a:effectLst/>
-                <a:latin typeface=" Cascadia Code PL"/>
-              </a:rPr>
-              <a:t>a</a:t>
-            </a:r>
-            <a:r>
-              <a:rPr lang="en-US" sz="3600" b="0" dirty="0">
-                <a:solidFill>
-                  <a:srgbClr val="D4D4D4"/>
-                </a:solidFill>
-                <a:effectLst/>
-                <a:latin typeface=" Cascadia Code PL"/>
-              </a:rPr>
-              <a:t>; };</a:t>
-            </a:r>
-          </a:p>
-          <a:p>
-            <a:br>
-              <a:rPr lang="en-US" sz="3600" b="0" dirty="0">
-                <a:solidFill>
-                  <a:srgbClr val="D4D4D4"/>
-                </a:solidFill>
-                <a:effectLst/>
-                <a:latin typeface=" Cascadia Code PL"/>
-              </a:rPr>
-            </a:br>
-            <a:r>
-              <a:rPr lang="en-US" sz="3600" b="0" dirty="0">
-                <a:solidFill>
-                  <a:srgbClr val="D4D4D4"/>
-                </a:solidFill>
-                <a:effectLst/>
-                <a:latin typeface=" Cascadia Code PL"/>
-              </a:rPr>
-              <a:t>    </a:t>
-            </a:r>
-            <a:r>
-              <a:rPr lang="en-US" sz="3600" b="0" dirty="0" err="1">
-                <a:solidFill>
-                  <a:srgbClr val="4EC9B0"/>
-                </a:solidFill>
-                <a:effectLst/>
-                <a:latin typeface=" Cascadia Code PL"/>
-              </a:rPr>
-              <a:t>Console</a:t>
-            </a:r>
-            <a:r>
-              <a:rPr lang="en-US" sz="3600" b="0" dirty="0" err="1">
-                <a:solidFill>
-                  <a:srgbClr val="D4D4D4"/>
-                </a:solidFill>
-                <a:effectLst/>
-                <a:latin typeface=" Cascadia Code PL"/>
-              </a:rPr>
-              <a:t>.</a:t>
-            </a:r>
-            <a:r>
-              <a:rPr lang="en-US" sz="3600" b="0" dirty="0" err="1">
-                <a:solidFill>
-                  <a:srgbClr val="DCDCAA"/>
-                </a:solidFill>
-                <a:effectLst/>
-                <a:latin typeface=" Cascadia Code PL"/>
-              </a:rPr>
-              <a:t>WriteLine</a:t>
-            </a:r>
-            <a:r>
-              <a:rPr lang="en-US" sz="3600" b="0" dirty="0">
-                <a:solidFill>
-                  <a:srgbClr val="D4D4D4"/>
-                </a:solidFill>
-                <a:effectLst/>
-                <a:latin typeface=" Cascadia Code PL"/>
-              </a:rPr>
-              <a:t>(</a:t>
-            </a:r>
-            <a:r>
-              <a:rPr lang="en-US" sz="3600" b="0" dirty="0">
-                <a:solidFill>
-                  <a:srgbClr val="DCDCAA"/>
-                </a:solidFill>
-                <a:effectLst/>
-                <a:latin typeface=" Cascadia Code PL"/>
-              </a:rPr>
-              <a:t>square</a:t>
-            </a:r>
-            <a:r>
-              <a:rPr lang="en-US" sz="3600" b="0" dirty="0">
-                <a:solidFill>
-                  <a:srgbClr val="D4D4D4"/>
-                </a:solidFill>
-                <a:effectLst/>
-                <a:latin typeface=" Cascadia Code PL"/>
-              </a:rPr>
-              <a:t>(</a:t>
-            </a:r>
-            <a:r>
-              <a:rPr lang="en-US" sz="3600" b="0" dirty="0">
-                <a:solidFill>
-                  <a:srgbClr val="B5CEA8"/>
-                </a:solidFill>
-                <a:effectLst/>
-                <a:latin typeface=" Cascadia Code PL"/>
-              </a:rPr>
-              <a:t>16</a:t>
-            </a:r>
-            <a:r>
-              <a:rPr lang="en-US" sz="3600" b="0" dirty="0">
-                <a:solidFill>
-                  <a:srgbClr val="D4D4D4"/>
-                </a:solidFill>
-                <a:effectLst/>
-                <a:latin typeface=" Cascadia Code PL"/>
-              </a:rPr>
-              <a:t>));</a:t>
-            </a:r>
-          </a:p>
-          <a:p>
-            <a:r>
-              <a:rPr lang="en-US" sz="3600" b="0" dirty="0">
-                <a:solidFill>
-                  <a:srgbClr val="D4D4D4"/>
-                </a:solidFill>
-                <a:effectLst/>
-                <a:latin typeface=" Cascadia Code PL"/>
-              </a:rPr>
-              <a:t>}</a:t>
-            </a:r>
-          </a:p>
-        </p:txBody>
-      </p:sp>
-    </p:spTree>
-    <p:extLst>
-      <p:ext uri="{BB962C8B-B14F-4D97-AF65-F5344CB8AC3E}">
-        <p14:creationId xmlns:p14="http://schemas.microsoft.com/office/powerpoint/2010/main" val="2188431783"/>
       </p:ext>
     </p:extLst>
   </p:cSld>
@@ -20577,6 +20186,474 @@
           <a:lstStyle/>
           <a:p>
             <a:r>
+              <a:rPr lang="en-US" dirty="0"/>
+              <a:t>(Local functions)</a:t>
+            </a:r>
+            <a:endParaRPr lang="LID4096" dirty="0"/>
+          </a:p>
+        </p:txBody>
+      </p:sp>
+      <p:sp>
+        <p:nvSpPr>
+          <p:cNvPr id="3" name="Text Placeholder 2">
+            <a:extLst>
+              <a:ext uri="{FF2B5EF4-FFF2-40B4-BE49-F238E27FC236}">
+                <a16:creationId xmlns:a16="http://schemas.microsoft.com/office/drawing/2014/main" id="{2E126819-7E87-42A2-A3E4-FA03B6C9365D}"/>
+              </a:ext>
+            </a:extLst>
+          </p:cNvPr>
+          <p:cNvSpPr>
+            <a:spLocks noGrp="1"/>
+          </p:cNvSpPr>
+          <p:nvPr>
+            <p:ph type="body" sz="quarter" idx="10"/>
+          </p:nvPr>
+        </p:nvSpPr>
+        <p:spPr>
+          <a:xfrm>
+            <a:off x="588263" y="1436688"/>
+            <a:ext cx="11018520" cy="3767185"/>
+          </a:xfrm>
+        </p:spPr>
+        <p:txBody>
+          <a:bodyPr/>
+          <a:lstStyle/>
+          <a:p>
+            <a:r>
+              <a:rPr lang="en-US" sz="3600" b="0" dirty="0">
+                <a:solidFill>
+                  <a:srgbClr val="569CD6"/>
+                </a:solidFill>
+                <a:effectLst/>
+                <a:latin typeface=" Cascadia Code PL"/>
+              </a:rPr>
+              <a:t>static</a:t>
+            </a:r>
+            <a:r>
+              <a:rPr lang="en-US" sz="3600" b="0" dirty="0">
+                <a:solidFill>
+                  <a:srgbClr val="D4D4D4"/>
+                </a:solidFill>
+                <a:effectLst/>
+                <a:latin typeface=" Cascadia Code PL"/>
+              </a:rPr>
+              <a:t> </a:t>
+            </a:r>
+            <a:r>
+              <a:rPr lang="en-US" sz="3600" b="0" dirty="0">
+                <a:solidFill>
+                  <a:srgbClr val="569CD6"/>
+                </a:solidFill>
+                <a:effectLst/>
+                <a:latin typeface=" Cascadia Code PL"/>
+              </a:rPr>
+              <a:t>void</a:t>
+            </a:r>
+            <a:r>
+              <a:rPr lang="en-US" sz="3600" b="0" dirty="0">
+                <a:solidFill>
+                  <a:srgbClr val="D4D4D4"/>
+                </a:solidFill>
+                <a:effectLst/>
+                <a:latin typeface=" Cascadia Code PL"/>
+              </a:rPr>
+              <a:t> </a:t>
+            </a:r>
+            <a:r>
+              <a:rPr lang="en-US" sz="3600" b="0" dirty="0">
+                <a:solidFill>
+                  <a:srgbClr val="DCDCAA"/>
+                </a:solidFill>
+                <a:effectLst/>
+                <a:latin typeface=" Cascadia Code PL"/>
+              </a:rPr>
+              <a:t>Main</a:t>
+            </a:r>
+            <a:r>
+              <a:rPr lang="en-US" sz="3600" b="0" dirty="0">
+                <a:solidFill>
+                  <a:srgbClr val="D4D4D4"/>
+                </a:solidFill>
+                <a:effectLst/>
+                <a:latin typeface=" Cascadia Code PL"/>
+              </a:rPr>
+              <a:t>(</a:t>
+            </a:r>
+            <a:r>
+              <a:rPr lang="en-US" sz="3600" b="0" dirty="0">
+                <a:solidFill>
+                  <a:srgbClr val="569CD6"/>
+                </a:solidFill>
+                <a:effectLst/>
+                <a:latin typeface=" Cascadia Code PL"/>
+              </a:rPr>
+              <a:t>string</a:t>
+            </a:r>
+            <a:r>
+              <a:rPr lang="en-US" sz="3600" b="0" dirty="0">
+                <a:solidFill>
+                  <a:srgbClr val="D4D4D4"/>
+                </a:solidFill>
+                <a:effectLst/>
+                <a:latin typeface=" Cascadia Code PL"/>
+              </a:rPr>
+              <a:t>[] </a:t>
+            </a:r>
+            <a:r>
+              <a:rPr lang="en-US" sz="3600" b="0" dirty="0" err="1">
+                <a:solidFill>
+                  <a:srgbClr val="9CDCFE"/>
+                </a:solidFill>
+                <a:effectLst/>
+                <a:latin typeface=" Cascadia Code PL"/>
+              </a:rPr>
+              <a:t>args</a:t>
+            </a:r>
+            <a:r>
+              <a:rPr lang="en-US" sz="3600" b="0" dirty="0">
+                <a:solidFill>
+                  <a:srgbClr val="D4D4D4"/>
+                </a:solidFill>
+                <a:effectLst/>
+                <a:latin typeface=" Cascadia Code PL"/>
+              </a:rPr>
+              <a:t>)</a:t>
+            </a:r>
+          </a:p>
+          <a:p>
+            <a:r>
+              <a:rPr lang="en-US" sz="3600" b="0" dirty="0">
+                <a:solidFill>
+                  <a:srgbClr val="D4D4D4"/>
+                </a:solidFill>
+                <a:effectLst/>
+                <a:latin typeface=" Cascadia Code PL"/>
+              </a:rPr>
+              <a:t>{</a:t>
+            </a:r>
+          </a:p>
+          <a:p>
+            <a:r>
+              <a:rPr lang="en-US" sz="3600" b="0" dirty="0">
+                <a:solidFill>
+                  <a:srgbClr val="D4D4D4"/>
+                </a:solidFill>
+                <a:effectLst/>
+                <a:latin typeface=" Cascadia Code PL"/>
+              </a:rPr>
+              <a:t>    </a:t>
+            </a:r>
+            <a:r>
+              <a:rPr lang="en-US" sz="3600" b="0" dirty="0">
+                <a:solidFill>
+                  <a:srgbClr val="569CD6"/>
+                </a:solidFill>
+                <a:effectLst/>
+                <a:latin typeface=" Cascadia Code PL"/>
+              </a:rPr>
+              <a:t>int</a:t>
+            </a:r>
+            <a:r>
+              <a:rPr lang="en-US" sz="3600" b="0" dirty="0">
+                <a:solidFill>
+                  <a:srgbClr val="D4D4D4"/>
+                </a:solidFill>
+                <a:effectLst/>
+                <a:latin typeface=" Cascadia Code PL"/>
+              </a:rPr>
+              <a:t> </a:t>
+            </a:r>
+            <a:r>
+              <a:rPr lang="en-US" sz="3600" b="0" dirty="0">
+                <a:solidFill>
+                  <a:srgbClr val="DCDCAA"/>
+                </a:solidFill>
+                <a:effectLst/>
+                <a:latin typeface=" Cascadia Code PL"/>
+              </a:rPr>
+              <a:t>square</a:t>
+            </a:r>
+            <a:r>
+              <a:rPr lang="en-US" sz="3600" b="0" dirty="0">
+                <a:solidFill>
+                  <a:srgbClr val="D4D4D4"/>
+                </a:solidFill>
+                <a:effectLst/>
+                <a:latin typeface=" Cascadia Code PL"/>
+              </a:rPr>
+              <a:t>(</a:t>
+            </a:r>
+            <a:r>
+              <a:rPr lang="en-US" sz="3600" b="0" dirty="0">
+                <a:solidFill>
+                  <a:srgbClr val="569CD6"/>
+                </a:solidFill>
+                <a:effectLst/>
+                <a:latin typeface=" Cascadia Code PL"/>
+              </a:rPr>
+              <a:t>int</a:t>
+            </a:r>
+            <a:r>
+              <a:rPr lang="en-US" sz="3600" b="0" dirty="0">
+                <a:solidFill>
+                  <a:srgbClr val="D4D4D4"/>
+                </a:solidFill>
+                <a:effectLst/>
+                <a:latin typeface=" Cascadia Code PL"/>
+              </a:rPr>
+              <a:t> </a:t>
+            </a:r>
+            <a:r>
+              <a:rPr lang="en-US" sz="3600" b="0" dirty="0">
+                <a:solidFill>
+                  <a:srgbClr val="9CDCFE"/>
+                </a:solidFill>
+                <a:effectLst/>
+                <a:latin typeface=" Cascadia Code PL"/>
+              </a:rPr>
+              <a:t>a</a:t>
+            </a:r>
+            <a:r>
+              <a:rPr lang="en-US" sz="3600" b="0" dirty="0">
+                <a:solidFill>
+                  <a:srgbClr val="D4D4D4"/>
+                </a:solidFill>
+                <a:effectLst/>
+                <a:latin typeface=" Cascadia Code PL"/>
+              </a:rPr>
+              <a:t>) { </a:t>
+            </a:r>
+            <a:r>
+              <a:rPr lang="en-US" sz="3600" b="0" dirty="0">
+                <a:solidFill>
+                  <a:srgbClr val="C586C0"/>
+                </a:solidFill>
+                <a:effectLst/>
+                <a:latin typeface=" Cascadia Code PL"/>
+              </a:rPr>
+              <a:t>return</a:t>
+            </a:r>
+            <a:r>
+              <a:rPr lang="en-US" sz="3600" b="0" dirty="0">
+                <a:solidFill>
+                  <a:srgbClr val="D4D4D4"/>
+                </a:solidFill>
+                <a:effectLst/>
+                <a:latin typeface=" Cascadia Code PL"/>
+              </a:rPr>
+              <a:t> </a:t>
+            </a:r>
+            <a:r>
+              <a:rPr lang="en-US" sz="3600" b="0" dirty="0">
+                <a:solidFill>
+                  <a:srgbClr val="9CDCFE"/>
+                </a:solidFill>
+                <a:effectLst/>
+                <a:latin typeface=" Cascadia Code PL"/>
+              </a:rPr>
+              <a:t>a</a:t>
+            </a:r>
+            <a:r>
+              <a:rPr lang="en-US" sz="3600" b="0" dirty="0">
+                <a:solidFill>
+                  <a:srgbClr val="D4D4D4"/>
+                </a:solidFill>
+                <a:effectLst/>
+                <a:latin typeface=" Cascadia Code PL"/>
+              </a:rPr>
+              <a:t> * </a:t>
+            </a:r>
+            <a:r>
+              <a:rPr lang="en-US" sz="3600" b="0" dirty="0">
+                <a:solidFill>
+                  <a:srgbClr val="9CDCFE"/>
+                </a:solidFill>
+                <a:effectLst/>
+                <a:latin typeface=" Cascadia Code PL"/>
+              </a:rPr>
+              <a:t>a</a:t>
+            </a:r>
+            <a:r>
+              <a:rPr lang="en-US" sz="3600" b="0" dirty="0">
+                <a:solidFill>
+                  <a:srgbClr val="D4D4D4"/>
+                </a:solidFill>
+                <a:effectLst/>
+                <a:latin typeface=" Cascadia Code PL"/>
+              </a:rPr>
+              <a:t>; };</a:t>
+            </a:r>
+          </a:p>
+          <a:p>
+            <a:br>
+              <a:rPr lang="en-US" sz="3600" b="0" dirty="0">
+                <a:solidFill>
+                  <a:srgbClr val="D4D4D4"/>
+                </a:solidFill>
+                <a:effectLst/>
+                <a:latin typeface=" Cascadia Code PL"/>
+              </a:rPr>
+            </a:br>
+            <a:r>
+              <a:rPr lang="en-US" sz="3600" b="0" dirty="0">
+                <a:solidFill>
+                  <a:srgbClr val="D4D4D4"/>
+                </a:solidFill>
+                <a:effectLst/>
+                <a:latin typeface=" Cascadia Code PL"/>
+              </a:rPr>
+              <a:t>    </a:t>
+            </a:r>
+            <a:r>
+              <a:rPr lang="en-US" sz="3600" b="0" dirty="0" err="1">
+                <a:solidFill>
+                  <a:srgbClr val="4EC9B0"/>
+                </a:solidFill>
+                <a:effectLst/>
+                <a:latin typeface=" Cascadia Code PL"/>
+              </a:rPr>
+              <a:t>Console</a:t>
+            </a:r>
+            <a:r>
+              <a:rPr lang="en-US" sz="3600" b="0" dirty="0" err="1">
+                <a:solidFill>
+                  <a:srgbClr val="D4D4D4"/>
+                </a:solidFill>
+                <a:effectLst/>
+                <a:latin typeface=" Cascadia Code PL"/>
+              </a:rPr>
+              <a:t>.</a:t>
+            </a:r>
+            <a:r>
+              <a:rPr lang="en-US" sz="3600" b="0" dirty="0" err="1">
+                <a:solidFill>
+                  <a:srgbClr val="DCDCAA"/>
+                </a:solidFill>
+                <a:effectLst/>
+                <a:latin typeface=" Cascadia Code PL"/>
+              </a:rPr>
+              <a:t>WriteLine</a:t>
+            </a:r>
+            <a:r>
+              <a:rPr lang="en-US" sz="3600" b="0" dirty="0">
+                <a:solidFill>
+                  <a:srgbClr val="D4D4D4"/>
+                </a:solidFill>
+                <a:effectLst/>
+                <a:latin typeface=" Cascadia Code PL"/>
+              </a:rPr>
+              <a:t>(</a:t>
+            </a:r>
+            <a:r>
+              <a:rPr lang="en-US" sz="3600" b="0" dirty="0">
+                <a:solidFill>
+                  <a:srgbClr val="DCDCAA"/>
+                </a:solidFill>
+                <a:effectLst/>
+                <a:latin typeface=" Cascadia Code PL"/>
+              </a:rPr>
+              <a:t>square</a:t>
+            </a:r>
+            <a:r>
+              <a:rPr lang="en-US" sz="3600" b="0" dirty="0">
+                <a:solidFill>
+                  <a:srgbClr val="D4D4D4"/>
+                </a:solidFill>
+                <a:effectLst/>
+                <a:latin typeface=" Cascadia Code PL"/>
+              </a:rPr>
+              <a:t>(</a:t>
+            </a:r>
+            <a:r>
+              <a:rPr lang="en-US" sz="3600" b="0" dirty="0">
+                <a:solidFill>
+                  <a:srgbClr val="B5CEA8"/>
+                </a:solidFill>
+                <a:effectLst/>
+                <a:latin typeface=" Cascadia Code PL"/>
+              </a:rPr>
+              <a:t>16</a:t>
+            </a:r>
+            <a:r>
+              <a:rPr lang="en-US" sz="3600" b="0" dirty="0">
+                <a:solidFill>
+                  <a:srgbClr val="D4D4D4"/>
+                </a:solidFill>
+                <a:effectLst/>
+                <a:latin typeface=" Cascadia Code PL"/>
+              </a:rPr>
+              <a:t>));</a:t>
+            </a:r>
+          </a:p>
+          <a:p>
+            <a:r>
+              <a:rPr lang="en-US" sz="3600" b="0" dirty="0">
+                <a:solidFill>
+                  <a:srgbClr val="D4D4D4"/>
+                </a:solidFill>
+                <a:effectLst/>
+                <a:latin typeface=" Cascadia Code PL"/>
+              </a:rPr>
+              <a:t>}</a:t>
+            </a:r>
+          </a:p>
+        </p:txBody>
+      </p:sp>
+    </p:spTree>
+    <p:extLst>
+      <p:ext uri="{BB962C8B-B14F-4D97-AF65-F5344CB8AC3E}">
+        <p14:creationId xmlns:p14="http://schemas.microsoft.com/office/powerpoint/2010/main" val="2188431783"/>
+      </p:ext>
+    </p:extLst>
+  </p:cSld>
+  <p:clrMapOvr>
+    <a:masterClrMapping/>
+  </p:clrMapOvr>
+  <p:transition>
+    <p:fade/>
+  </p:transition>
+</p:sld>
+</file>
+
+<file path=ppt/slides/slide13.xml><?xml version="1.0" encoding="utf-8"?>
+<p:sld xmlns:a="http://schemas.openxmlformats.org/drawingml/2006/main" xmlns:r="http://schemas.openxmlformats.org/officeDocument/2006/relationships" xmlns:p="http://schemas.openxmlformats.org/presentationml/2006/main">
+  <p:cSld>
+    <p:spTree>
+      <p:nvGrpSpPr>
+        <p:cNvPr id="1" name=""/>
+        <p:cNvGrpSpPr/>
+        <p:nvPr/>
+      </p:nvGrpSpPr>
+      <p:grpSpPr>
+        <a:xfrm>
+          <a:off x="0" y="0"/>
+          <a:ext cx="0" cy="0"/>
+          <a:chOff x="0" y="0"/>
+          <a:chExt cx="0" cy="0"/>
+        </a:xfrm>
+      </p:grpSpPr>
+      <p:sp>
+        <p:nvSpPr>
+          <p:cNvPr id="2" name="Title 1">
+            <a:extLst>
+              <a:ext uri="{FF2B5EF4-FFF2-40B4-BE49-F238E27FC236}">
+                <a16:creationId xmlns:a16="http://schemas.microsoft.com/office/drawing/2014/main" id="{0F3492AE-2491-447E-B341-E60BF3924A40}"/>
+              </a:ext>
+            </a:extLst>
+          </p:cNvPr>
+          <p:cNvSpPr>
+            <a:spLocks noGrp="1"/>
+          </p:cNvSpPr>
+          <p:nvPr>
+            <p:ph type="title"/>
+          </p:nvPr>
+        </p:nvSpPr>
+        <p:spPr/>
+        <p:txBody>
+          <a:bodyPr/>
+          <a:lstStyle/>
+          <a:p>
+            <a:r>
               <a:rPr lang="da-DK" dirty="0">
                 <a:solidFill>
                   <a:schemeClr val="tx1"/>
@@ -20833,7 +20910,7 @@
 </p:sld>
 </file>
 
-<file path=ppt/slides/slide13.xml><?xml version="1.0" encoding="utf-8"?>
+<file path=ppt/slides/slide14.xml><?xml version="1.0" encoding="utf-8"?>
 <p:sld xmlns:a="http://schemas.openxmlformats.org/drawingml/2006/main" xmlns:r="http://schemas.openxmlformats.org/officeDocument/2006/relationships" xmlns:p="http://schemas.openxmlformats.org/presentationml/2006/main">
   <p:cSld>
     <p:spTree>
@@ -21498,1205 +21575,6 @@
 </p:sld>
 </file>
 
-<file path=ppt/slides/slide14.xml><?xml version="1.0" encoding="utf-8"?>
-<p:sld xmlns:a="http://schemas.openxmlformats.org/drawingml/2006/main" xmlns:r="http://schemas.openxmlformats.org/officeDocument/2006/relationships" xmlns:p="http://schemas.openxmlformats.org/presentationml/2006/main">
-  <p:cSld>
-    <p:spTree>
-      <p:nvGrpSpPr>
-        <p:cNvPr id="1" name=""/>
-        <p:cNvGrpSpPr/>
-        <p:nvPr/>
-      </p:nvGrpSpPr>
-      <p:grpSpPr>
-        <a:xfrm>
-          <a:off x="0" y="0"/>
-          <a:ext cx="0" cy="0"/>
-          <a:chOff x="0" y="0"/>
-          <a:chExt cx="0" cy="0"/>
-        </a:xfrm>
-      </p:grpSpPr>
-      <p:sp>
-        <p:nvSpPr>
-          <p:cNvPr id="2" name="Title 1">
-            <a:extLst>
-              <a:ext uri="{FF2B5EF4-FFF2-40B4-BE49-F238E27FC236}">
-                <a16:creationId xmlns:a16="http://schemas.microsoft.com/office/drawing/2014/main" id="{E110ED43-9514-4468-B298-66B2CC314908}"/>
-              </a:ext>
-            </a:extLst>
-          </p:cNvPr>
-          <p:cNvSpPr>
-            <a:spLocks noGrp="1"/>
-          </p:cNvSpPr>
-          <p:nvPr>
-            <p:ph type="title"/>
-          </p:nvPr>
-        </p:nvSpPr>
-        <p:spPr/>
-        <p:txBody>
-          <a:bodyPr/>
-          <a:lstStyle/>
-          <a:p>
-            <a:r>
-              <a:rPr lang="da-DK" dirty="0"/>
-              <a:t>Extension methods 1/2</a:t>
-            </a:r>
-            <a:endParaRPr lang="LID4096" dirty="0"/>
-          </a:p>
-        </p:txBody>
-      </p:sp>
-      <p:sp>
-        <p:nvSpPr>
-          <p:cNvPr id="3" name="Text Placeholder 2">
-            <a:extLst>
-              <a:ext uri="{FF2B5EF4-FFF2-40B4-BE49-F238E27FC236}">
-                <a16:creationId xmlns:a16="http://schemas.microsoft.com/office/drawing/2014/main" id="{170F43C1-9E00-4F8E-85FA-EC2886EAB80C}"/>
-              </a:ext>
-            </a:extLst>
-          </p:cNvPr>
-          <p:cNvSpPr>
-            <a:spLocks noGrp="1"/>
-          </p:cNvSpPr>
-          <p:nvPr>
-            <p:ph type="body" sz="quarter" idx="10"/>
-          </p:nvPr>
-        </p:nvSpPr>
-        <p:spPr>
-          <a:xfrm>
-            <a:off x="588263" y="1436688"/>
-            <a:ext cx="11018520" cy="4376583"/>
-          </a:xfrm>
-        </p:spPr>
-        <p:txBody>
-          <a:bodyPr/>
-          <a:lstStyle/>
-          <a:p>
-            <a:r>
-              <a:rPr lang="da-DK" sz="1800" b="0" dirty="0">
-                <a:solidFill>
-                  <a:srgbClr val="9CDCFE"/>
-                </a:solidFill>
-                <a:effectLst/>
-                <a:latin typeface=" Cascadia Code PL"/>
-              </a:rPr>
-              <a:t>IEnumerable</a:t>
-            </a:r>
-            <a:r>
-              <a:rPr lang="da-DK" sz="1800" b="0" dirty="0">
-                <a:solidFill>
-                  <a:srgbClr val="D4D4D4"/>
-                </a:solidFill>
-                <a:effectLst/>
-                <a:latin typeface=" Cascadia Code PL"/>
-              </a:rPr>
-              <a:t>&lt;</a:t>
-            </a:r>
-            <a:r>
-              <a:rPr lang="da-DK" sz="1800" b="0" dirty="0">
-                <a:solidFill>
-                  <a:srgbClr val="4EC9B0"/>
-                </a:solidFill>
-                <a:effectLst/>
-                <a:latin typeface=" Cascadia Code PL"/>
-              </a:rPr>
-              <a:t>City</a:t>
-            </a:r>
-            <a:r>
-              <a:rPr lang="da-DK" sz="1800" b="0" dirty="0">
-                <a:solidFill>
-                  <a:srgbClr val="D4D4D4"/>
-                </a:solidFill>
-                <a:effectLst/>
-                <a:latin typeface=" Cascadia Code PL"/>
-              </a:rPr>
-              <a:t>&gt; </a:t>
-            </a:r>
-            <a:r>
-              <a:rPr lang="da-DK" sz="1800" b="0" dirty="0">
-                <a:solidFill>
-                  <a:srgbClr val="9CDCFE"/>
-                </a:solidFill>
-                <a:effectLst/>
-                <a:latin typeface=" Cascadia Code PL"/>
-              </a:rPr>
-              <a:t>cities</a:t>
-            </a:r>
-            <a:r>
-              <a:rPr lang="da-DK" sz="1800" b="0" dirty="0">
-                <a:solidFill>
-                  <a:srgbClr val="D4D4D4"/>
-                </a:solidFill>
-                <a:effectLst/>
-                <a:latin typeface=" Cascadia Code PL"/>
-              </a:rPr>
-              <a:t> = </a:t>
-            </a:r>
-            <a:r>
-              <a:rPr lang="da-DK" sz="1800" b="0" dirty="0">
-                <a:solidFill>
-                  <a:srgbClr val="569CD6"/>
-                </a:solidFill>
-                <a:effectLst/>
-                <a:latin typeface=" Cascadia Code PL"/>
-              </a:rPr>
-              <a:t>new</a:t>
-            </a:r>
-            <a:r>
-              <a:rPr lang="da-DK" sz="1800" b="0" dirty="0">
-                <a:solidFill>
-                  <a:srgbClr val="D4D4D4"/>
-                </a:solidFill>
-                <a:effectLst/>
-                <a:latin typeface=" Cascadia Code PL"/>
-              </a:rPr>
-              <a:t>[]</a:t>
-            </a:r>
-          </a:p>
-          <a:p>
-            <a:r>
-              <a:rPr lang="da-DK" sz="1800" b="0" dirty="0">
-                <a:solidFill>
-                  <a:srgbClr val="D4D4D4"/>
-                </a:solidFill>
-                <a:effectLst/>
-                <a:latin typeface=" Cascadia Code PL"/>
-              </a:rPr>
-              <a:t>{</a:t>
-            </a:r>
-          </a:p>
-          <a:p>
-            <a:r>
-              <a:rPr lang="da-DK" sz="1800" b="0" dirty="0">
-                <a:solidFill>
-                  <a:srgbClr val="D4D4D4"/>
-                </a:solidFill>
-                <a:effectLst/>
-                <a:latin typeface=" Cascadia Code PL"/>
-              </a:rPr>
-              <a:t>    </a:t>
-            </a:r>
-            <a:r>
-              <a:rPr lang="da-DK" sz="1800" b="0" dirty="0">
-                <a:solidFill>
-                  <a:srgbClr val="569CD6"/>
-                </a:solidFill>
-                <a:effectLst/>
-                <a:latin typeface=" Cascadia Code PL"/>
-              </a:rPr>
-              <a:t>new</a:t>
-            </a:r>
-            <a:r>
-              <a:rPr lang="da-DK" sz="1800" b="0" dirty="0">
-                <a:solidFill>
-                  <a:srgbClr val="D4D4D4"/>
-                </a:solidFill>
-                <a:effectLst/>
-                <a:latin typeface=" Cascadia Code PL"/>
-              </a:rPr>
-              <a:t> </a:t>
-            </a:r>
-            <a:r>
-              <a:rPr lang="da-DK" sz="1800" b="0" dirty="0">
-                <a:solidFill>
-                  <a:srgbClr val="4EC9B0"/>
-                </a:solidFill>
-                <a:effectLst/>
-                <a:latin typeface=" Cascadia Code PL"/>
-              </a:rPr>
-              <a:t>City</a:t>
-            </a:r>
-            <a:r>
-              <a:rPr lang="da-DK" sz="1800" b="0" dirty="0">
-                <a:solidFill>
-                  <a:srgbClr val="D4D4D4"/>
-                </a:solidFill>
-                <a:effectLst/>
-                <a:latin typeface=" Cascadia Code PL"/>
-              </a:rPr>
-              <a:t> { </a:t>
-            </a:r>
-            <a:r>
-              <a:rPr lang="da-DK" sz="1800" b="0" dirty="0">
-                <a:solidFill>
-                  <a:srgbClr val="9CDCFE"/>
-                </a:solidFill>
-                <a:effectLst/>
-                <a:latin typeface=" Cascadia Code PL"/>
-              </a:rPr>
-              <a:t>Id</a:t>
-            </a:r>
-            <a:r>
-              <a:rPr lang="da-DK" sz="1800" b="0" dirty="0">
-                <a:solidFill>
-                  <a:srgbClr val="D4D4D4"/>
-                </a:solidFill>
-                <a:effectLst/>
-                <a:latin typeface=" Cascadia Code PL"/>
-              </a:rPr>
-              <a:t> = </a:t>
-            </a:r>
-            <a:r>
-              <a:rPr lang="da-DK" sz="1800" b="0" dirty="0">
-                <a:solidFill>
-                  <a:srgbClr val="B5CEA8"/>
-                </a:solidFill>
-                <a:effectLst/>
-                <a:latin typeface=" Cascadia Code PL"/>
-              </a:rPr>
-              <a:t>1</a:t>
-            </a:r>
-            <a:r>
-              <a:rPr lang="da-DK" sz="1800" b="0" dirty="0">
-                <a:solidFill>
-                  <a:srgbClr val="D4D4D4"/>
-                </a:solidFill>
-                <a:effectLst/>
-                <a:latin typeface=" Cascadia Code PL"/>
-              </a:rPr>
-              <a:t>, </a:t>
-            </a:r>
-            <a:r>
-              <a:rPr lang="da-DK" sz="1800" b="0" dirty="0">
-                <a:solidFill>
-                  <a:srgbClr val="9CDCFE"/>
-                </a:solidFill>
-                <a:effectLst/>
-                <a:latin typeface=" Cascadia Code PL"/>
-              </a:rPr>
-              <a:t>Name</a:t>
-            </a:r>
-            <a:r>
-              <a:rPr lang="da-DK" sz="1800" b="0" dirty="0">
-                <a:solidFill>
-                  <a:srgbClr val="D4D4D4"/>
-                </a:solidFill>
-                <a:effectLst/>
-                <a:latin typeface=" Cascadia Code PL"/>
-              </a:rPr>
-              <a:t> = </a:t>
-            </a:r>
-            <a:r>
-              <a:rPr lang="da-DK" sz="1800" b="0" dirty="0">
-                <a:solidFill>
-                  <a:srgbClr val="CE9178"/>
-                </a:solidFill>
-                <a:effectLst/>
-                <a:latin typeface=" Cascadia Code PL"/>
-              </a:rPr>
-              <a:t>"Berlin"</a:t>
-            </a:r>
-            <a:r>
-              <a:rPr lang="da-DK" sz="1800" b="0" dirty="0">
-                <a:solidFill>
-                  <a:srgbClr val="D4D4D4"/>
-                </a:solidFill>
-                <a:effectLst/>
-                <a:latin typeface=" Cascadia Code PL"/>
-              </a:rPr>
-              <a:t> },</a:t>
-            </a:r>
-          </a:p>
-          <a:p>
-            <a:r>
-              <a:rPr lang="da-DK" sz="1800" b="0" dirty="0">
-                <a:solidFill>
-                  <a:srgbClr val="D4D4D4"/>
-                </a:solidFill>
-                <a:effectLst/>
-                <a:latin typeface=" Cascadia Code PL"/>
-              </a:rPr>
-              <a:t>    </a:t>
-            </a:r>
-            <a:r>
-              <a:rPr lang="da-DK" sz="1800" b="0" dirty="0">
-                <a:solidFill>
-                  <a:srgbClr val="569CD6"/>
-                </a:solidFill>
-                <a:effectLst/>
-                <a:latin typeface=" Cascadia Code PL"/>
-              </a:rPr>
-              <a:t>new</a:t>
-            </a:r>
-            <a:r>
-              <a:rPr lang="da-DK" sz="1800" b="0" dirty="0">
-                <a:solidFill>
-                  <a:srgbClr val="D4D4D4"/>
-                </a:solidFill>
-                <a:effectLst/>
-                <a:latin typeface=" Cascadia Code PL"/>
-              </a:rPr>
-              <a:t> </a:t>
-            </a:r>
-            <a:r>
-              <a:rPr lang="da-DK" sz="1800" b="0" dirty="0">
-                <a:solidFill>
-                  <a:srgbClr val="4EC9B0"/>
-                </a:solidFill>
-                <a:effectLst/>
-                <a:latin typeface=" Cascadia Code PL"/>
-              </a:rPr>
-              <a:t>City</a:t>
-            </a:r>
-            <a:r>
-              <a:rPr lang="da-DK" sz="1800" b="0" dirty="0">
-                <a:solidFill>
-                  <a:srgbClr val="D4D4D4"/>
-                </a:solidFill>
-                <a:effectLst/>
-                <a:latin typeface=" Cascadia Code PL"/>
-              </a:rPr>
-              <a:t> { </a:t>
-            </a:r>
-            <a:r>
-              <a:rPr lang="da-DK" sz="1800" b="0" dirty="0">
-                <a:solidFill>
-                  <a:srgbClr val="9CDCFE"/>
-                </a:solidFill>
-                <a:effectLst/>
-                <a:latin typeface=" Cascadia Code PL"/>
-              </a:rPr>
-              <a:t>Id</a:t>
-            </a:r>
-            <a:r>
-              <a:rPr lang="da-DK" sz="1800" b="0" dirty="0">
-                <a:solidFill>
-                  <a:srgbClr val="D4D4D4"/>
-                </a:solidFill>
-                <a:effectLst/>
-                <a:latin typeface=" Cascadia Code PL"/>
-              </a:rPr>
-              <a:t> = </a:t>
-            </a:r>
-            <a:r>
-              <a:rPr lang="da-DK" sz="1800" b="0" dirty="0">
-                <a:solidFill>
-                  <a:srgbClr val="B5CEA8"/>
-                </a:solidFill>
-                <a:effectLst/>
-                <a:latin typeface=" Cascadia Code PL"/>
-              </a:rPr>
-              <a:t>2</a:t>
-            </a:r>
-            <a:r>
-              <a:rPr lang="da-DK" sz="1800" b="0" dirty="0">
-                <a:solidFill>
-                  <a:srgbClr val="D4D4D4"/>
-                </a:solidFill>
-                <a:effectLst/>
-                <a:latin typeface=" Cascadia Code PL"/>
-              </a:rPr>
-              <a:t>, </a:t>
-            </a:r>
-            <a:r>
-              <a:rPr lang="da-DK" sz="1800" b="0" dirty="0">
-                <a:solidFill>
-                  <a:srgbClr val="9CDCFE"/>
-                </a:solidFill>
-                <a:effectLst/>
-                <a:latin typeface=" Cascadia Code PL"/>
-              </a:rPr>
-              <a:t>Name</a:t>
-            </a:r>
-            <a:r>
-              <a:rPr lang="da-DK" sz="1800" b="0" dirty="0">
-                <a:solidFill>
-                  <a:srgbClr val="D4D4D4"/>
-                </a:solidFill>
-                <a:effectLst/>
-                <a:latin typeface=" Cascadia Code PL"/>
-              </a:rPr>
-              <a:t> = </a:t>
-            </a:r>
-            <a:r>
-              <a:rPr lang="da-DK" sz="1800" b="0" dirty="0">
-                <a:solidFill>
-                  <a:srgbClr val="CE9178"/>
-                </a:solidFill>
-                <a:effectLst/>
-                <a:latin typeface=" Cascadia Code PL"/>
-              </a:rPr>
-              <a:t>"Hamburg"</a:t>
-            </a:r>
-            <a:r>
-              <a:rPr lang="da-DK" sz="1800" b="0" dirty="0">
-                <a:solidFill>
-                  <a:srgbClr val="D4D4D4"/>
-                </a:solidFill>
-                <a:effectLst/>
-                <a:latin typeface=" Cascadia Code PL"/>
-              </a:rPr>
-              <a:t> },</a:t>
-            </a:r>
-          </a:p>
-          <a:p>
-            <a:r>
-              <a:rPr lang="da-DK" sz="1800" b="0" dirty="0">
-                <a:solidFill>
-                  <a:srgbClr val="D4D4D4"/>
-                </a:solidFill>
-                <a:effectLst/>
-                <a:latin typeface=" Cascadia Code PL"/>
-              </a:rPr>
-              <a:t>    </a:t>
-            </a:r>
-            <a:r>
-              <a:rPr lang="da-DK" sz="1800" b="0" dirty="0">
-                <a:solidFill>
-                  <a:srgbClr val="569CD6"/>
-                </a:solidFill>
-                <a:effectLst/>
-                <a:latin typeface=" Cascadia Code PL"/>
-              </a:rPr>
-              <a:t>new</a:t>
-            </a:r>
-            <a:r>
-              <a:rPr lang="da-DK" sz="1800" b="0" dirty="0">
-                <a:solidFill>
-                  <a:srgbClr val="D4D4D4"/>
-                </a:solidFill>
-                <a:effectLst/>
-                <a:latin typeface=" Cascadia Code PL"/>
-              </a:rPr>
-              <a:t> </a:t>
-            </a:r>
-            <a:r>
-              <a:rPr lang="da-DK" sz="1800" b="0" dirty="0">
-                <a:solidFill>
-                  <a:srgbClr val="4EC9B0"/>
-                </a:solidFill>
-                <a:effectLst/>
-                <a:latin typeface=" Cascadia Code PL"/>
-              </a:rPr>
-              <a:t>City</a:t>
-            </a:r>
-            <a:r>
-              <a:rPr lang="da-DK" sz="1800" b="0" dirty="0">
-                <a:solidFill>
-                  <a:srgbClr val="D4D4D4"/>
-                </a:solidFill>
-                <a:effectLst/>
-                <a:latin typeface=" Cascadia Code PL"/>
-              </a:rPr>
-              <a:t> { </a:t>
-            </a:r>
-            <a:r>
-              <a:rPr lang="da-DK" sz="1800" b="0" dirty="0">
-                <a:solidFill>
-                  <a:srgbClr val="9CDCFE"/>
-                </a:solidFill>
-                <a:effectLst/>
-                <a:latin typeface=" Cascadia Code PL"/>
-              </a:rPr>
-              <a:t>Id</a:t>
-            </a:r>
-            <a:r>
-              <a:rPr lang="da-DK" sz="1800" b="0" dirty="0">
-                <a:solidFill>
-                  <a:srgbClr val="D4D4D4"/>
-                </a:solidFill>
-                <a:effectLst/>
-                <a:latin typeface=" Cascadia Code PL"/>
-              </a:rPr>
-              <a:t> = </a:t>
-            </a:r>
-            <a:r>
-              <a:rPr lang="da-DK" sz="1800" b="0" dirty="0">
-                <a:solidFill>
-                  <a:srgbClr val="B5CEA8"/>
-                </a:solidFill>
-                <a:effectLst/>
-                <a:latin typeface=" Cascadia Code PL"/>
-              </a:rPr>
-              <a:t>3</a:t>
-            </a:r>
-            <a:r>
-              <a:rPr lang="da-DK" sz="1800" b="0" dirty="0">
-                <a:solidFill>
-                  <a:srgbClr val="D4D4D4"/>
-                </a:solidFill>
-                <a:effectLst/>
-                <a:latin typeface=" Cascadia Code PL"/>
-              </a:rPr>
-              <a:t>, </a:t>
-            </a:r>
-            <a:r>
-              <a:rPr lang="da-DK" sz="1800" b="0" dirty="0">
-                <a:solidFill>
-                  <a:srgbClr val="9CDCFE"/>
-                </a:solidFill>
-                <a:effectLst/>
-                <a:latin typeface=" Cascadia Code PL"/>
-              </a:rPr>
-              <a:t>Name</a:t>
-            </a:r>
-            <a:r>
-              <a:rPr lang="da-DK" sz="1800" b="0" dirty="0">
-                <a:solidFill>
-                  <a:srgbClr val="D4D4D4"/>
-                </a:solidFill>
-                <a:effectLst/>
-                <a:latin typeface=" Cascadia Code PL"/>
-              </a:rPr>
-              <a:t> = </a:t>
-            </a:r>
-            <a:r>
-              <a:rPr lang="da-DK" sz="1800" b="0" dirty="0">
-                <a:solidFill>
-                  <a:srgbClr val="CE9178"/>
-                </a:solidFill>
-                <a:effectLst/>
-                <a:latin typeface=" Cascadia Code PL"/>
-              </a:rPr>
-              <a:t>"Frankfurt"</a:t>
-            </a:r>
-            <a:r>
-              <a:rPr lang="da-DK" sz="1800" b="0" dirty="0">
-                <a:solidFill>
-                  <a:srgbClr val="D4D4D4"/>
-                </a:solidFill>
-                <a:effectLst/>
-                <a:latin typeface=" Cascadia Code PL"/>
-              </a:rPr>
-              <a:t> }</a:t>
-            </a:r>
-          </a:p>
-          <a:p>
-            <a:r>
-              <a:rPr lang="da-DK" sz="1800" b="0" dirty="0">
-                <a:solidFill>
-                  <a:srgbClr val="D4D4D4"/>
-                </a:solidFill>
-                <a:effectLst/>
-                <a:latin typeface=" Cascadia Code PL"/>
-              </a:rPr>
-              <a:t>};</a:t>
-            </a:r>
-          </a:p>
-          <a:p>
-            <a:br>
-              <a:rPr lang="da-DK" sz="1800" b="0" dirty="0">
-                <a:solidFill>
-                  <a:srgbClr val="D4D4D4"/>
-                </a:solidFill>
-                <a:effectLst/>
-                <a:latin typeface=" Cascadia Code PL"/>
-              </a:rPr>
-            </a:br>
-            <a:r>
-              <a:rPr lang="da-DK" sz="1800" b="0" dirty="0">
-                <a:solidFill>
-                  <a:srgbClr val="569CD6"/>
-                </a:solidFill>
-                <a:effectLst/>
-                <a:latin typeface=" Cascadia Code PL"/>
-              </a:rPr>
-              <a:t>var</a:t>
-            </a:r>
-            <a:r>
-              <a:rPr lang="da-DK" sz="1800" b="0" dirty="0">
-                <a:solidFill>
-                  <a:srgbClr val="D4D4D4"/>
-                </a:solidFill>
-                <a:effectLst/>
-                <a:latin typeface=" Cascadia Code PL"/>
-              </a:rPr>
-              <a:t> </a:t>
-            </a:r>
-            <a:r>
-              <a:rPr lang="da-DK" sz="1800" b="0" dirty="0">
-                <a:solidFill>
-                  <a:srgbClr val="9CDCFE"/>
-                </a:solidFill>
-                <a:effectLst/>
-                <a:latin typeface=" Cascadia Code PL"/>
-              </a:rPr>
-              <a:t>count</a:t>
-            </a:r>
-            <a:r>
-              <a:rPr lang="da-DK" sz="1800" b="0" dirty="0">
-                <a:solidFill>
-                  <a:srgbClr val="D4D4D4"/>
-                </a:solidFill>
-                <a:effectLst/>
-                <a:latin typeface=" Cascadia Code PL"/>
-              </a:rPr>
-              <a:t> = </a:t>
-            </a:r>
-            <a:r>
-              <a:rPr lang="da-DK" sz="1800" b="0" dirty="0">
-                <a:solidFill>
-                  <a:srgbClr val="9CDCFE"/>
-                </a:solidFill>
-                <a:effectLst/>
-                <a:latin typeface=" Cascadia Code PL"/>
-              </a:rPr>
-              <a:t>cities</a:t>
-            </a:r>
-            <a:r>
-              <a:rPr lang="da-DK" sz="1800" b="0" dirty="0">
-                <a:solidFill>
-                  <a:srgbClr val="D4D4D4"/>
-                </a:solidFill>
-                <a:effectLst/>
-                <a:latin typeface=" Cascadia Code PL"/>
-              </a:rPr>
-              <a:t>.</a:t>
-            </a:r>
-            <a:r>
-              <a:rPr lang="da-DK" sz="1800" b="0" dirty="0">
-                <a:solidFill>
-                  <a:srgbClr val="9CDCFE"/>
-                </a:solidFill>
-                <a:effectLst/>
-                <a:latin typeface=" Cascadia Code PL"/>
-              </a:rPr>
-              <a:t>Count</a:t>
-            </a:r>
-            <a:r>
-              <a:rPr lang="da-DK" sz="1800" b="0" dirty="0">
-                <a:solidFill>
-                  <a:srgbClr val="D4D4D4"/>
-                </a:solidFill>
-                <a:effectLst/>
-                <a:latin typeface=" Cascadia Code PL"/>
-              </a:rPr>
-              <a:t>();</a:t>
-            </a:r>
-          </a:p>
-          <a:p>
-            <a:br>
-              <a:rPr lang="da-DK" sz="1800" b="0" dirty="0">
-                <a:solidFill>
-                  <a:srgbClr val="D4D4D4"/>
-                </a:solidFill>
-                <a:effectLst/>
-                <a:latin typeface=" Cascadia Code PL"/>
-              </a:rPr>
-            </a:br>
-            <a:r>
-              <a:rPr lang="da-DK" sz="1800" b="0" dirty="0">
-                <a:solidFill>
-                  <a:srgbClr val="569CD6"/>
-                </a:solidFill>
-                <a:effectLst/>
-                <a:latin typeface=" Cascadia Code PL"/>
-              </a:rPr>
-              <a:t>var</a:t>
-            </a:r>
-            <a:r>
-              <a:rPr lang="da-DK" sz="1800" b="0" dirty="0">
-                <a:solidFill>
-                  <a:srgbClr val="D4D4D4"/>
-                </a:solidFill>
-                <a:effectLst/>
-                <a:latin typeface=" Cascadia Code PL"/>
-              </a:rPr>
-              <a:t> </a:t>
-            </a:r>
-            <a:r>
-              <a:rPr lang="da-DK" sz="1800" b="0" dirty="0">
-                <a:solidFill>
-                  <a:srgbClr val="9CDCFE"/>
-                </a:solidFill>
-                <a:effectLst/>
-                <a:latin typeface=" Cascadia Code PL"/>
-              </a:rPr>
-              <a:t>sorted</a:t>
-            </a:r>
-            <a:r>
-              <a:rPr lang="da-DK" sz="1800" b="0" dirty="0">
-                <a:solidFill>
-                  <a:srgbClr val="D4D4D4"/>
-                </a:solidFill>
-                <a:effectLst/>
-                <a:latin typeface=" Cascadia Code PL"/>
-              </a:rPr>
-              <a:t> = </a:t>
-            </a:r>
-            <a:r>
-              <a:rPr lang="da-DK" sz="1800" b="0" dirty="0">
-                <a:solidFill>
-                  <a:srgbClr val="9CDCFE"/>
-                </a:solidFill>
-                <a:effectLst/>
-                <a:latin typeface=" Cascadia Code PL"/>
-              </a:rPr>
-              <a:t>cities</a:t>
-            </a:r>
-            <a:r>
-              <a:rPr lang="da-DK" sz="1800" b="0" dirty="0">
-                <a:solidFill>
-                  <a:srgbClr val="D4D4D4"/>
-                </a:solidFill>
-                <a:effectLst/>
-                <a:latin typeface=" Cascadia Code PL"/>
-              </a:rPr>
-              <a:t>.</a:t>
-            </a:r>
-            <a:r>
-              <a:rPr lang="da-DK" sz="1800" b="0" dirty="0">
-                <a:solidFill>
-                  <a:srgbClr val="9CDCFE"/>
-                </a:solidFill>
-                <a:effectLst/>
-                <a:latin typeface=" Cascadia Code PL"/>
-              </a:rPr>
-              <a:t>OrderBy</a:t>
-            </a:r>
-            <a:r>
-              <a:rPr lang="da-DK" sz="1800" b="0" dirty="0">
-                <a:solidFill>
-                  <a:srgbClr val="D4D4D4"/>
-                </a:solidFill>
-                <a:effectLst/>
-                <a:latin typeface=" Cascadia Code PL"/>
-              </a:rPr>
-              <a:t>(</a:t>
-            </a:r>
-            <a:r>
-              <a:rPr lang="da-DK" sz="1800" b="0" dirty="0">
-                <a:solidFill>
-                  <a:srgbClr val="9CDCFE"/>
-                </a:solidFill>
-                <a:effectLst/>
-                <a:latin typeface=" Cascadia Code PL"/>
-              </a:rPr>
-              <a:t>c</a:t>
-            </a:r>
-            <a:r>
-              <a:rPr lang="da-DK" sz="1800" b="0" dirty="0">
-                <a:solidFill>
-                  <a:srgbClr val="D4D4D4"/>
-                </a:solidFill>
-                <a:effectLst/>
-                <a:latin typeface=" Cascadia Code PL"/>
-              </a:rPr>
-              <a:t> =&gt; </a:t>
-            </a:r>
-            <a:r>
-              <a:rPr lang="da-DK" sz="1800" b="0" dirty="0">
-                <a:solidFill>
-                  <a:srgbClr val="9CDCFE"/>
-                </a:solidFill>
-                <a:effectLst/>
-                <a:latin typeface=" Cascadia Code PL"/>
-              </a:rPr>
-              <a:t>c</a:t>
-            </a:r>
-            <a:r>
-              <a:rPr lang="da-DK" sz="1800" b="0" dirty="0">
-                <a:solidFill>
-                  <a:srgbClr val="D4D4D4"/>
-                </a:solidFill>
-                <a:effectLst/>
-                <a:latin typeface=" Cascadia Code PL"/>
-              </a:rPr>
-              <a:t>.</a:t>
-            </a:r>
-            <a:r>
-              <a:rPr lang="da-DK" sz="1800" b="0" dirty="0">
-                <a:solidFill>
-                  <a:srgbClr val="9CDCFE"/>
-                </a:solidFill>
-                <a:effectLst/>
-                <a:latin typeface=" Cascadia Code PL"/>
-              </a:rPr>
-              <a:t>Name</a:t>
-            </a:r>
-            <a:r>
-              <a:rPr lang="da-DK" sz="1800" b="0" dirty="0">
-                <a:solidFill>
-                  <a:srgbClr val="D4D4D4"/>
-                </a:solidFill>
-                <a:effectLst/>
-                <a:latin typeface=" Cascadia Code PL"/>
-              </a:rPr>
-              <a:t>);</a:t>
-            </a:r>
-          </a:p>
-          <a:p>
-            <a:br>
-              <a:rPr lang="da-DK" sz="1800" b="0" dirty="0">
-                <a:solidFill>
-                  <a:srgbClr val="D4D4D4"/>
-                </a:solidFill>
-                <a:effectLst/>
-                <a:latin typeface=" Cascadia Code PL"/>
-              </a:rPr>
-            </a:br>
-            <a:r>
-              <a:rPr lang="da-DK" sz="1800" b="0" dirty="0">
-                <a:solidFill>
-                  <a:srgbClr val="569CD6"/>
-                </a:solidFill>
-                <a:effectLst/>
-                <a:latin typeface=" Cascadia Code PL"/>
-              </a:rPr>
-              <a:t>var</a:t>
-            </a:r>
-            <a:r>
-              <a:rPr lang="da-DK" sz="1800" b="0" dirty="0">
-                <a:solidFill>
-                  <a:srgbClr val="D4D4D4"/>
-                </a:solidFill>
-                <a:effectLst/>
-                <a:latin typeface=" Cascadia Code PL"/>
-              </a:rPr>
-              <a:t> </a:t>
-            </a:r>
-            <a:r>
-              <a:rPr lang="da-DK" sz="1800" b="0" dirty="0">
-                <a:solidFill>
-                  <a:srgbClr val="9CDCFE"/>
-                </a:solidFill>
-                <a:effectLst/>
-                <a:latin typeface=" Cascadia Code PL"/>
-              </a:rPr>
-              <a:t>filtered</a:t>
-            </a:r>
-            <a:r>
-              <a:rPr lang="da-DK" sz="1800" b="0" dirty="0">
-                <a:solidFill>
-                  <a:srgbClr val="D4D4D4"/>
-                </a:solidFill>
-                <a:effectLst/>
-                <a:latin typeface=" Cascadia Code PL"/>
-              </a:rPr>
-              <a:t> = </a:t>
-            </a:r>
-            <a:r>
-              <a:rPr lang="da-DK" sz="1800" b="0" dirty="0">
-                <a:solidFill>
-                  <a:srgbClr val="9CDCFE"/>
-                </a:solidFill>
-                <a:effectLst/>
-                <a:latin typeface=" Cascadia Code PL"/>
-              </a:rPr>
-              <a:t>cities</a:t>
-            </a:r>
-            <a:r>
-              <a:rPr lang="da-DK" sz="1800" b="0" dirty="0">
-                <a:solidFill>
-                  <a:srgbClr val="D4D4D4"/>
-                </a:solidFill>
-                <a:effectLst/>
-                <a:latin typeface=" Cascadia Code PL"/>
-              </a:rPr>
-              <a:t>.</a:t>
-            </a:r>
-            <a:r>
-              <a:rPr lang="da-DK" sz="1800" b="0" dirty="0">
-                <a:solidFill>
-                  <a:srgbClr val="9CDCFE"/>
-                </a:solidFill>
-                <a:effectLst/>
-                <a:latin typeface=" Cascadia Code PL"/>
-              </a:rPr>
-              <a:t>Where</a:t>
-            </a:r>
-            <a:r>
-              <a:rPr lang="da-DK" sz="1800" b="0" dirty="0">
-                <a:solidFill>
-                  <a:srgbClr val="D4D4D4"/>
-                </a:solidFill>
-                <a:effectLst/>
-                <a:latin typeface=" Cascadia Code PL"/>
-              </a:rPr>
-              <a:t>(</a:t>
-            </a:r>
-            <a:r>
-              <a:rPr lang="da-DK" sz="1800" b="0" dirty="0">
-                <a:solidFill>
-                  <a:srgbClr val="9CDCFE"/>
-                </a:solidFill>
-                <a:effectLst/>
-                <a:latin typeface=" Cascadia Code PL"/>
-              </a:rPr>
-              <a:t>c</a:t>
-            </a:r>
-            <a:r>
-              <a:rPr lang="da-DK" sz="1800" b="0" dirty="0">
-                <a:solidFill>
-                  <a:srgbClr val="D4D4D4"/>
-                </a:solidFill>
-                <a:effectLst/>
-                <a:latin typeface=" Cascadia Code PL"/>
-              </a:rPr>
-              <a:t> =&gt; </a:t>
-            </a:r>
-            <a:r>
-              <a:rPr lang="da-DK" sz="1800" b="0" dirty="0">
-                <a:solidFill>
-                  <a:srgbClr val="9CDCFE"/>
-                </a:solidFill>
-                <a:effectLst/>
-                <a:latin typeface=" Cascadia Code PL"/>
-              </a:rPr>
-              <a:t>c</a:t>
-            </a:r>
-            <a:r>
-              <a:rPr lang="da-DK" sz="1800" b="0" dirty="0">
-                <a:solidFill>
-                  <a:srgbClr val="D4D4D4"/>
-                </a:solidFill>
-                <a:effectLst/>
-                <a:latin typeface=" Cascadia Code PL"/>
-              </a:rPr>
-              <a:t>.</a:t>
-            </a:r>
-            <a:r>
-              <a:rPr lang="da-DK" sz="1800" b="0" dirty="0">
-                <a:solidFill>
-                  <a:srgbClr val="9CDCFE"/>
-                </a:solidFill>
-                <a:effectLst/>
-                <a:latin typeface=" Cascadia Code PL"/>
-              </a:rPr>
-              <a:t>Name</a:t>
-            </a:r>
-            <a:r>
-              <a:rPr lang="da-DK" sz="1800" b="0" dirty="0">
-                <a:solidFill>
-                  <a:srgbClr val="D4D4D4"/>
-                </a:solidFill>
-                <a:effectLst/>
-                <a:latin typeface=" Cascadia Code PL"/>
-              </a:rPr>
-              <a:t>.</a:t>
-            </a:r>
-            <a:r>
-              <a:rPr lang="da-DK" sz="1800" b="0" dirty="0">
-                <a:solidFill>
-                  <a:srgbClr val="9CDCFE"/>
-                </a:solidFill>
-                <a:effectLst/>
-                <a:latin typeface=" Cascadia Code PL"/>
-              </a:rPr>
-              <a:t>Contains</a:t>
-            </a:r>
-            <a:r>
-              <a:rPr lang="da-DK" sz="1800" b="0" dirty="0">
-                <a:solidFill>
-                  <a:srgbClr val="D4D4D4"/>
-                </a:solidFill>
-                <a:effectLst/>
-                <a:latin typeface=" Cascadia Code PL"/>
-              </a:rPr>
-              <a:t>(</a:t>
-            </a:r>
-            <a:r>
-              <a:rPr lang="da-DK" sz="1800" b="0" dirty="0">
-                <a:solidFill>
-                  <a:srgbClr val="CE9178"/>
-                </a:solidFill>
-                <a:effectLst/>
-                <a:latin typeface=" Cascadia Code PL"/>
-              </a:rPr>
-              <a:t>"i"</a:t>
-            </a:r>
-            <a:r>
-              <a:rPr lang="da-DK" sz="1800" b="0" dirty="0">
-                <a:solidFill>
-                  <a:srgbClr val="D4D4D4"/>
-                </a:solidFill>
-                <a:effectLst/>
-                <a:latin typeface=" Cascadia Code PL"/>
-              </a:rPr>
-              <a:t>));</a:t>
-            </a:r>
-          </a:p>
-          <a:p>
-            <a:br>
-              <a:rPr lang="da-DK" sz="1800" b="0" dirty="0">
-                <a:solidFill>
-                  <a:srgbClr val="D4D4D4"/>
-                </a:solidFill>
-                <a:effectLst/>
-                <a:latin typeface=" Cascadia Code PL"/>
-              </a:rPr>
-            </a:br>
-            <a:r>
-              <a:rPr lang="da-DK" sz="1800" b="0" dirty="0">
-                <a:solidFill>
-                  <a:srgbClr val="569CD6"/>
-                </a:solidFill>
-                <a:effectLst/>
-                <a:latin typeface=" Cascadia Code PL"/>
-              </a:rPr>
-              <a:t>var</a:t>
-            </a:r>
-            <a:r>
-              <a:rPr lang="da-DK" sz="1800" b="0" dirty="0">
-                <a:solidFill>
-                  <a:srgbClr val="D4D4D4"/>
-                </a:solidFill>
-                <a:effectLst/>
-                <a:latin typeface=" Cascadia Code PL"/>
-              </a:rPr>
-              <a:t> </a:t>
-            </a:r>
-            <a:r>
-              <a:rPr lang="da-DK" sz="1800" b="0" dirty="0">
-                <a:solidFill>
-                  <a:srgbClr val="9CDCFE"/>
-                </a:solidFill>
-                <a:effectLst/>
-                <a:latin typeface=" Cascadia Code PL"/>
-              </a:rPr>
-              <a:t>pick</a:t>
-            </a:r>
-            <a:r>
-              <a:rPr lang="da-DK" sz="1800" b="0" dirty="0">
-                <a:solidFill>
-                  <a:srgbClr val="D4D4D4"/>
-                </a:solidFill>
-                <a:effectLst/>
-                <a:latin typeface=" Cascadia Code PL"/>
-              </a:rPr>
-              <a:t> = </a:t>
-            </a:r>
-            <a:r>
-              <a:rPr lang="da-DK" sz="1800" b="0" dirty="0">
-                <a:solidFill>
-                  <a:srgbClr val="9CDCFE"/>
-                </a:solidFill>
-                <a:effectLst/>
-                <a:latin typeface=" Cascadia Code PL"/>
-              </a:rPr>
-              <a:t>cities</a:t>
-            </a:r>
-            <a:r>
-              <a:rPr lang="da-DK" sz="1800" b="0" dirty="0">
-                <a:solidFill>
-                  <a:srgbClr val="D4D4D4"/>
-                </a:solidFill>
-                <a:effectLst/>
-                <a:latin typeface=" Cascadia Code PL"/>
-              </a:rPr>
-              <a:t>.</a:t>
-            </a:r>
-            <a:r>
-              <a:rPr lang="da-DK" sz="1800" b="0" dirty="0">
-                <a:solidFill>
-                  <a:srgbClr val="9CDCFE"/>
-                </a:solidFill>
-                <a:effectLst/>
-                <a:latin typeface=" Cascadia Code PL"/>
-              </a:rPr>
-              <a:t>FirstOrDefault</a:t>
-            </a:r>
-            <a:r>
-              <a:rPr lang="da-DK" sz="1800" b="0" dirty="0">
-                <a:solidFill>
-                  <a:srgbClr val="D4D4D4"/>
-                </a:solidFill>
-                <a:effectLst/>
-                <a:latin typeface=" Cascadia Code PL"/>
-              </a:rPr>
-              <a:t>(</a:t>
-            </a:r>
-            <a:r>
-              <a:rPr lang="da-DK" sz="1800" b="0" dirty="0">
-                <a:solidFill>
-                  <a:srgbClr val="9CDCFE"/>
-                </a:solidFill>
-                <a:effectLst/>
-                <a:latin typeface=" Cascadia Code PL"/>
-              </a:rPr>
-              <a:t>c</a:t>
-            </a:r>
-            <a:r>
-              <a:rPr lang="da-DK" sz="1800" b="0" dirty="0">
-                <a:solidFill>
-                  <a:srgbClr val="D4D4D4"/>
-                </a:solidFill>
-                <a:effectLst/>
-                <a:latin typeface=" Cascadia Code PL"/>
-              </a:rPr>
-              <a:t> =&gt; </a:t>
-            </a:r>
-            <a:r>
-              <a:rPr lang="da-DK" sz="1800" b="0" dirty="0">
-                <a:solidFill>
-                  <a:srgbClr val="9CDCFE"/>
-                </a:solidFill>
-                <a:effectLst/>
-                <a:latin typeface=" Cascadia Code PL"/>
-              </a:rPr>
-              <a:t>c</a:t>
-            </a:r>
-            <a:r>
-              <a:rPr lang="da-DK" sz="1800" b="0" dirty="0">
-                <a:solidFill>
-                  <a:srgbClr val="D4D4D4"/>
-                </a:solidFill>
-                <a:effectLst/>
-                <a:latin typeface=" Cascadia Code PL"/>
-              </a:rPr>
-              <a:t>.</a:t>
-            </a:r>
-            <a:r>
-              <a:rPr lang="da-DK" sz="1800" b="0" dirty="0">
-                <a:solidFill>
-                  <a:srgbClr val="9CDCFE"/>
-                </a:solidFill>
-                <a:effectLst/>
-                <a:latin typeface=" Cascadia Code PL"/>
-              </a:rPr>
-              <a:t>Id</a:t>
-            </a:r>
-            <a:r>
-              <a:rPr lang="da-DK" sz="1800" b="0" dirty="0">
-                <a:solidFill>
-                  <a:srgbClr val="D4D4D4"/>
-                </a:solidFill>
-                <a:effectLst/>
-                <a:latin typeface=" Cascadia Code PL"/>
-              </a:rPr>
-              <a:t> == </a:t>
-            </a:r>
-            <a:r>
-              <a:rPr lang="da-DK" sz="1800" b="0" dirty="0">
-                <a:solidFill>
-                  <a:srgbClr val="B5CEA8"/>
-                </a:solidFill>
-                <a:effectLst/>
-                <a:latin typeface=" Cascadia Code PL"/>
-              </a:rPr>
-              <a:t>2</a:t>
-            </a:r>
-            <a:r>
-              <a:rPr lang="da-DK" sz="1800" b="0" dirty="0">
-                <a:solidFill>
-                  <a:srgbClr val="D4D4D4"/>
-                </a:solidFill>
-                <a:effectLst/>
-                <a:latin typeface=" Cascadia Code PL"/>
-              </a:rPr>
-              <a:t>);</a:t>
-            </a:r>
-            <a:endParaRPr lang="LID4096" dirty="0">
-              <a:latin typeface="Cascadia Code" panose="020B0609020000020004" pitchFamily="49" charset="0"/>
-              <a:cs typeface="Cascadia Code" panose="020B0609020000020004" pitchFamily="49" charset="0"/>
-            </a:endParaRPr>
-          </a:p>
-        </p:txBody>
-      </p:sp>
-    </p:spTree>
-    <p:extLst>
-      <p:ext uri="{BB962C8B-B14F-4D97-AF65-F5344CB8AC3E}">
-        <p14:creationId xmlns:p14="http://schemas.microsoft.com/office/powerpoint/2010/main" val="4265748151"/>
-      </p:ext>
-    </p:extLst>
-  </p:cSld>
-  <p:clrMapOvr>
-    <a:masterClrMapping/>
-  </p:clrMapOvr>
-  <p:transition>
-    <p:fade/>
-  </p:transition>
-</p:sld>
-</file>
-
 <file path=ppt/slides/slide15.xml><?xml version="1.0" encoding="utf-8"?>
 <p:sld xmlns:a="http://schemas.openxmlformats.org/drawingml/2006/main" xmlns:r="http://schemas.openxmlformats.org/officeDocument/2006/relationships" xmlns:p="http://schemas.openxmlformats.org/presentationml/2006/main">
   <p:cSld>
@@ -22716,10 +21594,10 @@
       </p:grpSpPr>
       <p:sp>
         <p:nvSpPr>
-          <p:cNvPr id="2" name="Title 1">
+          <p:cNvPr id="4" name="Title 3">
             <a:extLst>
               <a:ext uri="{FF2B5EF4-FFF2-40B4-BE49-F238E27FC236}">
-                <a16:creationId xmlns:a16="http://schemas.microsoft.com/office/drawing/2014/main" id="{6428BDAE-8492-42EC-A155-83C6E28C6931}"/>
+                <a16:creationId xmlns:a16="http://schemas.microsoft.com/office/drawing/2014/main" id="{98D9D239-887C-49FA-A821-A61A859CC476}"/>
               </a:ext>
             </a:extLst>
           </p:cNvPr>
@@ -22736,601 +21614,35 @@
           <a:lstStyle/>
           <a:p>
             <a:r>
-              <a:rPr lang="da-DK" dirty="0"/>
-              <a:t>Extension methods 2/2</a:t>
+              <a:rPr lang="en-US" dirty="0"/>
+              <a:t>Extension Methods</a:t>
             </a:r>
             <a:endParaRPr lang="LID4096" dirty="0"/>
-          </a:p>
-        </p:txBody>
-      </p:sp>
-      <p:sp>
-        <p:nvSpPr>
-          <p:cNvPr id="3" name="Text Placeholder 2">
-            <a:extLst>
-              <a:ext uri="{FF2B5EF4-FFF2-40B4-BE49-F238E27FC236}">
-                <a16:creationId xmlns:a16="http://schemas.microsoft.com/office/drawing/2014/main" id="{E3704F21-D137-4380-B6DD-FB15E28FFE75}"/>
-              </a:ext>
-            </a:extLst>
-          </p:cNvPr>
-          <p:cNvSpPr>
-            <a:spLocks noGrp="1"/>
-          </p:cNvSpPr>
-          <p:nvPr>
-            <p:ph type="body" sz="quarter" idx="10"/>
-          </p:nvPr>
-        </p:nvSpPr>
-        <p:spPr>
-          <a:xfrm>
-            <a:off x="588263" y="1436688"/>
-            <a:ext cx="11018520" cy="4358116"/>
-          </a:xfrm>
-        </p:spPr>
-        <p:txBody>
-          <a:bodyPr/>
-          <a:lstStyle/>
-          <a:p>
-            <a:endParaRPr lang="da-DK" sz="2400" b="0" dirty="0">
-              <a:solidFill>
-                <a:srgbClr val="569CD6"/>
-              </a:solidFill>
-              <a:effectLst/>
-              <a:latin typeface=" Cascadia Code PL"/>
-            </a:endParaRPr>
-          </a:p>
-          <a:p>
-            <a:r>
-              <a:rPr lang="da-DK" sz="2400" b="0" dirty="0">
-                <a:solidFill>
-                  <a:srgbClr val="569CD6"/>
-                </a:solidFill>
-                <a:effectLst/>
-                <a:latin typeface=" Cascadia Code PL"/>
-              </a:rPr>
-              <a:t>public</a:t>
-            </a:r>
-            <a:r>
-              <a:rPr lang="da-DK" sz="2400" b="0" dirty="0">
-                <a:solidFill>
-                  <a:srgbClr val="D4D4D4"/>
-                </a:solidFill>
-                <a:effectLst/>
-                <a:latin typeface=" Cascadia Code PL"/>
-              </a:rPr>
-              <a:t> </a:t>
-            </a:r>
-            <a:r>
-              <a:rPr lang="da-DK" sz="2400" b="0" dirty="0">
-                <a:solidFill>
-                  <a:srgbClr val="569CD6"/>
-                </a:solidFill>
-                <a:effectLst/>
-                <a:latin typeface=" Cascadia Code PL"/>
-              </a:rPr>
-              <a:t>static</a:t>
-            </a:r>
-            <a:r>
-              <a:rPr lang="da-DK" sz="2400" b="0" dirty="0">
-                <a:solidFill>
-                  <a:srgbClr val="D4D4D4"/>
-                </a:solidFill>
-                <a:effectLst/>
-                <a:latin typeface=" Cascadia Code PL"/>
-              </a:rPr>
-              <a:t> </a:t>
-            </a:r>
-            <a:r>
-              <a:rPr lang="da-DK" sz="2400" b="0" dirty="0">
-                <a:solidFill>
-                  <a:srgbClr val="569CD6"/>
-                </a:solidFill>
-                <a:effectLst/>
-                <a:latin typeface=" Cascadia Code PL"/>
-              </a:rPr>
-              <a:t>class</a:t>
-            </a:r>
-            <a:r>
-              <a:rPr lang="da-DK" sz="2400" b="0" dirty="0">
-                <a:solidFill>
-                  <a:srgbClr val="D4D4D4"/>
-                </a:solidFill>
-                <a:effectLst/>
-                <a:latin typeface=" Cascadia Code PL"/>
-              </a:rPr>
-              <a:t> </a:t>
-            </a:r>
-            <a:r>
-              <a:rPr lang="da-DK" sz="2400" b="0" dirty="0">
-                <a:solidFill>
-                  <a:srgbClr val="4EC9B0"/>
-                </a:solidFill>
-                <a:effectLst/>
-                <a:latin typeface=" Cascadia Code PL"/>
-              </a:rPr>
-              <a:t>Extensions</a:t>
-            </a:r>
-            <a:endParaRPr lang="da-DK" sz="2400" b="0" dirty="0">
-              <a:solidFill>
-                <a:srgbClr val="D4D4D4"/>
-              </a:solidFill>
-              <a:effectLst/>
-              <a:latin typeface=" Cascadia Code PL"/>
-            </a:endParaRPr>
-          </a:p>
-          <a:p>
-            <a:r>
-              <a:rPr lang="da-DK" sz="2400" b="0" dirty="0">
-                <a:solidFill>
-                  <a:srgbClr val="D4D4D4"/>
-                </a:solidFill>
-                <a:effectLst/>
-                <a:latin typeface=" Cascadia Code PL"/>
-              </a:rPr>
-              <a:t>{</a:t>
-            </a:r>
-          </a:p>
-          <a:p>
-            <a:r>
-              <a:rPr lang="da-DK" sz="2400" b="0" dirty="0">
-                <a:solidFill>
-                  <a:srgbClr val="D4D4D4"/>
-                </a:solidFill>
-                <a:effectLst/>
-                <a:latin typeface=" Cascadia Code PL"/>
-              </a:rPr>
-              <a:t>    </a:t>
-            </a:r>
-            <a:r>
-              <a:rPr lang="da-DK" sz="2400" b="0" dirty="0">
-                <a:solidFill>
-                  <a:srgbClr val="569CD6"/>
-                </a:solidFill>
-                <a:effectLst/>
-                <a:latin typeface=" Cascadia Code PL"/>
-              </a:rPr>
-              <a:t>public</a:t>
-            </a:r>
-            <a:r>
-              <a:rPr lang="da-DK" sz="2400" b="0" dirty="0">
-                <a:solidFill>
-                  <a:srgbClr val="D4D4D4"/>
-                </a:solidFill>
-                <a:effectLst/>
-                <a:latin typeface=" Cascadia Code PL"/>
-              </a:rPr>
-              <a:t> </a:t>
-            </a:r>
-            <a:r>
-              <a:rPr lang="da-DK" sz="2400" b="0" dirty="0">
-                <a:solidFill>
-                  <a:srgbClr val="569CD6"/>
-                </a:solidFill>
-                <a:effectLst/>
-                <a:latin typeface=" Cascadia Code PL"/>
-              </a:rPr>
-              <a:t>static</a:t>
-            </a:r>
-            <a:r>
-              <a:rPr lang="da-DK" sz="2400" b="0" dirty="0">
-                <a:solidFill>
-                  <a:srgbClr val="D4D4D4"/>
-                </a:solidFill>
-                <a:effectLst/>
-                <a:latin typeface=" Cascadia Code PL"/>
-              </a:rPr>
-              <a:t> </a:t>
-            </a:r>
-            <a:r>
-              <a:rPr lang="da-DK" sz="2400" b="0" dirty="0">
-                <a:solidFill>
-                  <a:srgbClr val="569CD6"/>
-                </a:solidFill>
-                <a:effectLst/>
-                <a:latin typeface=" Cascadia Code PL"/>
-              </a:rPr>
-              <a:t>int</a:t>
-            </a:r>
-            <a:r>
-              <a:rPr lang="da-DK" sz="2400" b="0" dirty="0">
-                <a:solidFill>
-                  <a:srgbClr val="D4D4D4"/>
-                </a:solidFill>
-                <a:effectLst/>
-                <a:latin typeface=" Cascadia Code PL"/>
-              </a:rPr>
-              <a:t> </a:t>
-            </a:r>
-            <a:r>
-              <a:rPr lang="da-DK" sz="2400" b="0" dirty="0">
-                <a:solidFill>
-                  <a:srgbClr val="DCDCAA"/>
-                </a:solidFill>
-                <a:effectLst/>
-                <a:latin typeface=" Cascadia Code PL"/>
-              </a:rPr>
-              <a:t>WordCount</a:t>
-            </a:r>
-            <a:r>
-              <a:rPr lang="da-DK" sz="2400" b="0" dirty="0">
-                <a:solidFill>
-                  <a:srgbClr val="D4D4D4"/>
-                </a:solidFill>
-                <a:effectLst/>
-                <a:latin typeface=" Cascadia Code PL"/>
-              </a:rPr>
-              <a:t>(</a:t>
-            </a:r>
-            <a:r>
-              <a:rPr lang="da-DK" sz="2400" b="0" dirty="0">
-                <a:solidFill>
-                  <a:srgbClr val="569CD6"/>
-                </a:solidFill>
-                <a:effectLst/>
-                <a:latin typeface=" Cascadia Code PL"/>
-              </a:rPr>
-              <a:t>this</a:t>
-            </a:r>
-            <a:r>
-              <a:rPr lang="da-DK" sz="2400" b="0" dirty="0">
-                <a:solidFill>
-                  <a:srgbClr val="D4D4D4"/>
-                </a:solidFill>
-                <a:effectLst/>
-                <a:latin typeface=" Cascadia Code PL"/>
-              </a:rPr>
-              <a:t> </a:t>
-            </a:r>
-            <a:r>
-              <a:rPr lang="da-DK" sz="2400" b="0" dirty="0">
-                <a:solidFill>
-                  <a:srgbClr val="569CD6"/>
-                </a:solidFill>
-                <a:effectLst/>
-                <a:latin typeface=" Cascadia Code PL"/>
-              </a:rPr>
-              <a:t>string</a:t>
-            </a:r>
-            <a:r>
-              <a:rPr lang="da-DK" sz="2400" b="0" dirty="0">
-                <a:solidFill>
-                  <a:srgbClr val="D4D4D4"/>
-                </a:solidFill>
-                <a:effectLst/>
-                <a:latin typeface=" Cascadia Code PL"/>
-              </a:rPr>
-              <a:t> </a:t>
-            </a:r>
-            <a:r>
-              <a:rPr lang="da-DK" sz="2400" b="0" dirty="0">
-                <a:solidFill>
-                  <a:srgbClr val="9CDCFE"/>
-                </a:solidFill>
-                <a:effectLst/>
-                <a:latin typeface=" Cascadia Code PL"/>
-              </a:rPr>
-              <a:t>str</a:t>
-            </a:r>
-            <a:r>
-              <a:rPr lang="da-DK" sz="2400" b="0" dirty="0">
-                <a:solidFill>
-                  <a:srgbClr val="D4D4D4"/>
-                </a:solidFill>
-                <a:effectLst/>
-                <a:latin typeface=" Cascadia Code PL"/>
-              </a:rPr>
-              <a:t>)</a:t>
-            </a:r>
-          </a:p>
-          <a:p>
-            <a:r>
-              <a:rPr lang="da-DK" sz="2400" b="0" dirty="0">
-                <a:solidFill>
-                  <a:srgbClr val="D4D4D4"/>
-                </a:solidFill>
-                <a:effectLst/>
-                <a:latin typeface=" Cascadia Code PL"/>
-              </a:rPr>
-              <a:t>    {</a:t>
-            </a:r>
-          </a:p>
-          <a:p>
-            <a:r>
-              <a:rPr lang="da-DK" sz="2400" b="0" dirty="0">
-                <a:solidFill>
-                  <a:srgbClr val="D4D4D4"/>
-                </a:solidFill>
-                <a:effectLst/>
-                <a:latin typeface=" Cascadia Code PL"/>
-              </a:rPr>
-              <a:t>        </a:t>
-            </a:r>
-            <a:r>
-              <a:rPr lang="da-DK" sz="2400" b="0" dirty="0">
-                <a:solidFill>
-                  <a:srgbClr val="C586C0"/>
-                </a:solidFill>
-                <a:effectLst/>
-                <a:latin typeface=" Cascadia Code PL"/>
-              </a:rPr>
-              <a:t>return</a:t>
-            </a:r>
-            <a:r>
-              <a:rPr lang="da-DK" sz="2400" b="0" dirty="0">
-                <a:solidFill>
-                  <a:srgbClr val="D4D4D4"/>
-                </a:solidFill>
-                <a:effectLst/>
-                <a:latin typeface=" Cascadia Code PL"/>
-              </a:rPr>
-              <a:t> </a:t>
-            </a:r>
-            <a:r>
-              <a:rPr lang="da-DK" sz="2400" b="0" dirty="0">
-                <a:solidFill>
-                  <a:srgbClr val="9CDCFE"/>
-                </a:solidFill>
-                <a:effectLst/>
-                <a:latin typeface=" Cascadia Code PL"/>
-              </a:rPr>
-              <a:t>str</a:t>
-            </a:r>
-            <a:r>
-              <a:rPr lang="da-DK" sz="2400" b="0" dirty="0">
-                <a:solidFill>
-                  <a:srgbClr val="D4D4D4"/>
-                </a:solidFill>
-                <a:effectLst/>
-                <a:latin typeface=" Cascadia Code PL"/>
-              </a:rPr>
-              <a:t>.</a:t>
-            </a:r>
-            <a:r>
-              <a:rPr lang="da-DK" sz="2400" b="0" dirty="0">
-                <a:solidFill>
-                  <a:srgbClr val="DCDCAA"/>
-                </a:solidFill>
-                <a:effectLst/>
-                <a:latin typeface=" Cascadia Code PL"/>
-              </a:rPr>
-              <a:t>Split</a:t>
-            </a:r>
-            <a:r>
-              <a:rPr lang="da-DK" sz="2400" b="0" dirty="0">
-                <a:solidFill>
-                  <a:srgbClr val="D4D4D4"/>
-                </a:solidFill>
-                <a:effectLst/>
-                <a:latin typeface=" Cascadia Code PL"/>
-              </a:rPr>
-              <a:t>(</a:t>
-            </a:r>
-          </a:p>
-          <a:p>
-            <a:r>
-              <a:rPr lang="da-DK" sz="2400" b="0" dirty="0">
-                <a:solidFill>
-                  <a:srgbClr val="D4D4D4"/>
-                </a:solidFill>
-                <a:effectLst/>
-                <a:latin typeface=" Cascadia Code PL"/>
-              </a:rPr>
-              <a:t>            </a:t>
-            </a:r>
-            <a:r>
-              <a:rPr lang="da-DK" sz="2400" b="0" dirty="0">
-                <a:solidFill>
-                  <a:srgbClr val="569CD6"/>
-                </a:solidFill>
-                <a:effectLst/>
-                <a:latin typeface=" Cascadia Code PL"/>
-              </a:rPr>
-              <a:t>new</a:t>
-            </a:r>
-            <a:r>
-              <a:rPr lang="da-DK" sz="2400" b="0" dirty="0">
-                <a:solidFill>
-                  <a:srgbClr val="D4D4D4"/>
-                </a:solidFill>
-                <a:effectLst/>
-                <a:latin typeface=" Cascadia Code PL"/>
-              </a:rPr>
-              <a:t> </a:t>
-            </a:r>
-            <a:r>
-              <a:rPr lang="da-DK" sz="2400" b="0" dirty="0">
-                <a:solidFill>
-                  <a:srgbClr val="569CD6"/>
-                </a:solidFill>
-                <a:effectLst/>
-                <a:latin typeface=" Cascadia Code PL"/>
-              </a:rPr>
-              <a:t>char</a:t>
-            </a:r>
-            <a:r>
-              <a:rPr lang="da-DK" sz="2400" b="0" dirty="0">
-                <a:solidFill>
-                  <a:srgbClr val="D4D4D4"/>
-                </a:solidFill>
-                <a:effectLst/>
-                <a:latin typeface=" Cascadia Code PL"/>
-              </a:rPr>
-              <a:t>[] { </a:t>
-            </a:r>
-            <a:r>
-              <a:rPr lang="da-DK" sz="2400" b="0" dirty="0">
-                <a:solidFill>
-                  <a:srgbClr val="CE9178"/>
-                </a:solidFill>
-                <a:effectLst/>
-                <a:latin typeface=" Cascadia Code PL"/>
-              </a:rPr>
-              <a:t>' '</a:t>
-            </a:r>
-            <a:r>
-              <a:rPr lang="da-DK" sz="2400" b="0" dirty="0">
-                <a:solidFill>
-                  <a:srgbClr val="D4D4D4"/>
-                </a:solidFill>
-                <a:effectLst/>
-                <a:latin typeface=" Cascadia Code PL"/>
-              </a:rPr>
-              <a:t>, </a:t>
-            </a:r>
-            <a:r>
-              <a:rPr lang="da-DK" sz="2400" b="0" dirty="0">
-                <a:solidFill>
-                  <a:srgbClr val="CE9178"/>
-                </a:solidFill>
-                <a:effectLst/>
-                <a:latin typeface=" Cascadia Code PL"/>
-              </a:rPr>
-              <a:t>'.'</a:t>
-            </a:r>
-            <a:r>
-              <a:rPr lang="da-DK" sz="2400" b="0" dirty="0">
-                <a:solidFill>
-                  <a:srgbClr val="D4D4D4"/>
-                </a:solidFill>
-                <a:effectLst/>
-                <a:latin typeface=" Cascadia Code PL"/>
-              </a:rPr>
-              <a:t>, </a:t>
-            </a:r>
-            <a:r>
-              <a:rPr lang="da-DK" sz="2400" b="0" dirty="0">
-                <a:solidFill>
-                  <a:srgbClr val="CE9178"/>
-                </a:solidFill>
-                <a:effectLst/>
-                <a:latin typeface=" Cascadia Code PL"/>
-              </a:rPr>
-              <a:t>'?'</a:t>
-            </a:r>
-            <a:r>
-              <a:rPr lang="da-DK" sz="2400" b="0" dirty="0">
-                <a:solidFill>
-                  <a:srgbClr val="D4D4D4"/>
-                </a:solidFill>
-                <a:effectLst/>
-                <a:latin typeface=" Cascadia Code PL"/>
-              </a:rPr>
-              <a:t> }, </a:t>
-            </a:r>
-          </a:p>
-          <a:p>
-            <a:r>
-              <a:rPr lang="da-DK" sz="2400" b="0" dirty="0">
-                <a:solidFill>
-                  <a:srgbClr val="D4D4D4"/>
-                </a:solidFill>
-                <a:effectLst/>
-                <a:latin typeface=" Cascadia Code PL"/>
-              </a:rPr>
-              <a:t>            </a:t>
-            </a:r>
-            <a:r>
-              <a:rPr lang="da-DK" sz="2400" b="0" dirty="0">
-                <a:solidFill>
-                  <a:srgbClr val="4EC9B0"/>
-                </a:solidFill>
-                <a:effectLst/>
-                <a:latin typeface=" Cascadia Code PL"/>
-              </a:rPr>
-              <a:t>StringSplitOptions</a:t>
-            </a:r>
-            <a:r>
-              <a:rPr lang="da-DK" sz="2400" b="0" dirty="0">
-                <a:solidFill>
-                  <a:srgbClr val="D4D4D4"/>
-                </a:solidFill>
-                <a:effectLst/>
-                <a:latin typeface=" Cascadia Code PL"/>
-              </a:rPr>
-              <a:t>.</a:t>
-            </a:r>
-            <a:r>
-              <a:rPr lang="da-DK" sz="2400" b="0" dirty="0">
-                <a:solidFill>
-                  <a:srgbClr val="4FC1FF"/>
-                </a:solidFill>
-                <a:effectLst/>
-                <a:latin typeface=" Cascadia Code PL"/>
-              </a:rPr>
-              <a:t>RemoveEmptyEntries</a:t>
-            </a:r>
-            <a:r>
-              <a:rPr lang="da-DK" sz="2400" b="0" dirty="0">
-                <a:solidFill>
-                  <a:srgbClr val="D4D4D4"/>
-                </a:solidFill>
-                <a:effectLst/>
-                <a:latin typeface=" Cascadia Code PL"/>
-              </a:rPr>
-              <a:t>).</a:t>
-            </a:r>
-            <a:r>
-              <a:rPr lang="da-DK" sz="2400" b="0" dirty="0">
-                <a:solidFill>
-                  <a:srgbClr val="9CDCFE"/>
-                </a:solidFill>
-                <a:effectLst/>
-                <a:latin typeface=" Cascadia Code PL"/>
-              </a:rPr>
-              <a:t>Length</a:t>
-            </a:r>
-            <a:r>
-              <a:rPr lang="da-DK" sz="2400" b="0" dirty="0">
-                <a:solidFill>
-                  <a:srgbClr val="D4D4D4"/>
-                </a:solidFill>
-                <a:effectLst/>
-                <a:latin typeface=" Cascadia Code PL"/>
-              </a:rPr>
-              <a:t>;</a:t>
-            </a:r>
-          </a:p>
-          <a:p>
-            <a:r>
-              <a:rPr lang="da-DK" sz="2400" b="0" dirty="0">
-                <a:solidFill>
-                  <a:srgbClr val="D4D4D4"/>
-                </a:solidFill>
-                <a:effectLst/>
-                <a:latin typeface=" Cascadia Code PL"/>
-              </a:rPr>
-              <a:t>    }</a:t>
-            </a:r>
-          </a:p>
-          <a:p>
-            <a:r>
-              <a:rPr lang="da-DK" sz="2400" b="0" dirty="0">
-                <a:solidFill>
-                  <a:srgbClr val="D4D4D4"/>
-                </a:solidFill>
-                <a:effectLst/>
-                <a:latin typeface=" Cascadia Code PL"/>
-              </a:rPr>
-              <a:t>}</a:t>
-            </a:r>
-            <a:endParaRPr lang="LID4096" sz="3600" dirty="0">
-              <a:latin typeface="Cascadia Code" panose="020B0609020000020004" pitchFamily="49" charset="0"/>
-              <a:cs typeface="Cascadia Code" panose="020B0609020000020004" pitchFamily="49" charset="0"/>
-            </a:endParaRPr>
           </a:p>
         </p:txBody>
       </p:sp>
     </p:spTree>
     <p:extLst>
       <p:ext uri="{BB962C8B-B14F-4D97-AF65-F5344CB8AC3E}">
-        <p14:creationId xmlns:p14="http://schemas.microsoft.com/office/powerpoint/2010/main" val="710744184"/>
+        <p14:creationId xmlns:p14="http://schemas.microsoft.com/office/powerpoint/2010/main" val="979134311"/>
       </p:ext>
     </p:extLst>
   </p:cSld>
   <p:clrMapOvr>
     <a:masterClrMapping/>
   </p:clrMapOvr>
-  <p:transition>
-    <p:fade/>
-  </p:transition>
+  <mc:AlternateContent xmlns:mc="http://schemas.openxmlformats.org/markup-compatibility/2006">
+    <mc:Choice xmlns:p14="http://schemas.microsoft.com/office/powerpoint/2010/main" Requires="p14">
+      <p:transition spd="med" p14:dur="700">
+        <p:fade/>
+      </p:transition>
+    </mc:Choice>
+    <mc:Fallback>
+      <p:transition spd="med">
+        <p:fade/>
+      </p:transition>
+    </mc:Fallback>
+  </mc:AlternateContent>
 </p:sld>
 </file>
 
@@ -23374,7 +21686,7 @@
           <a:p>
             <a:r>
               <a:rPr lang="en-US" dirty="0"/>
-              <a:t>Data</a:t>
+              <a:t>Data: Collection Initializer</a:t>
             </a:r>
             <a:endParaRPr lang="LID4096" dirty="0"/>
           </a:p>
@@ -23399,15 +21711,24 @@
         <p:spPr>
           <a:xfrm>
             <a:off x="588263" y="1436688"/>
-            <a:ext cx="11018520" cy="3533275"/>
+            <a:ext cx="11018520" cy="4038029"/>
           </a:xfrm>
         </p:spPr>
         <p:txBody>
           <a:bodyPr/>
           <a:lstStyle/>
           <a:p>
-            <a:r>
-              <a:rPr lang="da-DK" sz="2800" b="0" dirty="0">
+            <a:endParaRPr lang="en-US" sz="3200" b="0" dirty="0">
+              <a:solidFill>
+                <a:srgbClr val="9CDCFE"/>
+              </a:solidFill>
+              <a:effectLst/>
+              <a:latin typeface=" Cascadia Code PL"/>
+            </a:endParaRPr>
+          </a:p>
+          <a:p>
+            <a:r>
+              <a:rPr lang="en-US" sz="3200" b="0" dirty="0" err="1">
                 <a:solidFill>
                   <a:srgbClr val="9CDCFE"/>
                 </a:solidFill>
@@ -23417,7 +21738,7 @@
               <a:t>IEnumerable</a:t>
             </a:r>
             <a:r>
-              <a:rPr lang="da-DK" sz="2800" b="0" dirty="0">
+              <a:rPr lang="en-US" sz="3200" b="0" dirty="0">
                 <a:solidFill>
                   <a:srgbClr val="D4D4D4"/>
                 </a:solidFill>
@@ -23427,7 +21748,7 @@
               <a:t>&lt;</a:t>
             </a:r>
             <a:r>
-              <a:rPr lang="da-DK" sz="2800" b="0" dirty="0">
+              <a:rPr lang="en-US" sz="3200" b="0" dirty="0">
                 <a:solidFill>
                   <a:srgbClr val="4EC9B0"/>
                 </a:solidFill>
@@ -23437,7 +21758,7 @@
               <a:t>City</a:t>
             </a:r>
             <a:r>
-              <a:rPr lang="da-DK" sz="2800" b="0" dirty="0">
+              <a:rPr lang="en-US" sz="3200" b="0" dirty="0">
                 <a:solidFill>
                   <a:srgbClr val="D4D4D4"/>
                 </a:solidFill>
@@ -23447,7 +21768,7 @@
               <a:t>&gt; </a:t>
             </a:r>
             <a:r>
-              <a:rPr lang="da-DK" sz="2800" b="0" dirty="0">
+              <a:rPr lang="en-US" sz="3200" b="0" dirty="0">
                 <a:solidFill>
                   <a:srgbClr val="9CDCFE"/>
                 </a:solidFill>
@@ -23457,7 +21778,7 @@
               <a:t>cities</a:t>
             </a:r>
             <a:r>
-              <a:rPr lang="da-DK" sz="2800" b="0" dirty="0">
+              <a:rPr lang="en-US" sz="3200" b="0" dirty="0">
                 <a:solidFill>
                   <a:srgbClr val="D4D4D4"/>
                 </a:solidFill>
@@ -23467,7 +21788,7 @@
               <a:t> = </a:t>
             </a:r>
             <a:r>
-              <a:rPr lang="da-DK" sz="2800" b="0" dirty="0">
+              <a:rPr lang="en-US" sz="3200" b="0" dirty="0">
                 <a:solidFill>
                   <a:srgbClr val="569CD6"/>
                 </a:solidFill>
@@ -23477,7 +21798,7 @@
               <a:t>new</a:t>
             </a:r>
             <a:r>
-              <a:rPr lang="da-DK" sz="2800" b="0" dirty="0">
+              <a:rPr lang="en-US" sz="3200" b="0" dirty="0">
                 <a:solidFill>
                   <a:srgbClr val="D4D4D4"/>
                 </a:solidFill>
@@ -23489,7 +21810,7 @@
           </a:p>
           <a:p>
             <a:r>
-              <a:rPr lang="da-DK" sz="2800" b="0" dirty="0">
+              <a:rPr lang="en-US" sz="3200" b="0" dirty="0">
                 <a:solidFill>
                   <a:srgbClr val="D4D4D4"/>
                 </a:solidFill>
@@ -23501,7 +21822,89 @@
           </a:p>
           <a:p>
             <a:r>
-              <a:rPr lang="da-DK" sz="2800" b="0" dirty="0">
+              <a:rPr lang="en-US" sz="3200" b="0" dirty="0">
+                <a:solidFill>
+                  <a:srgbClr val="569CD6"/>
+                </a:solidFill>
+                <a:effectLst/>
+                <a:latin typeface=" Cascadia Code PL"/>
+              </a:rPr>
+              <a:t>    new</a:t>
+            </a:r>
+            <a:r>
+              <a:rPr lang="en-US" sz="3200" b="0" dirty="0">
+                <a:solidFill>
+                  <a:srgbClr val="D4D4D4"/>
+                </a:solidFill>
+                <a:effectLst/>
+                <a:latin typeface=" Cascadia Code PL"/>
+              </a:rPr>
+              <a:t> </a:t>
+            </a:r>
+            <a:r>
+              <a:rPr lang="en-US" sz="3200" b="0" dirty="0">
+                <a:solidFill>
+                  <a:srgbClr val="4EC9B0"/>
+                </a:solidFill>
+                <a:effectLst/>
+                <a:latin typeface=" Cascadia Code PL"/>
+              </a:rPr>
+              <a:t>City</a:t>
+            </a:r>
+            <a:r>
+              <a:rPr lang="en-US" sz="3200" b="0" dirty="0">
+                <a:solidFill>
+                  <a:srgbClr val="D4D4D4"/>
+                </a:solidFill>
+                <a:effectLst/>
+                <a:latin typeface=" Cascadia Code PL"/>
+              </a:rPr>
+              <a:t>(</a:t>
+            </a:r>
+            <a:r>
+              <a:rPr lang="en-US" sz="3200" b="0" dirty="0">
+                <a:solidFill>
+                  <a:srgbClr val="B5CEA8"/>
+                </a:solidFill>
+                <a:effectLst/>
+                <a:latin typeface=" Cascadia Code PL"/>
+              </a:rPr>
+              <a:t>1</a:t>
+            </a:r>
+            <a:r>
+              <a:rPr lang="en-US" sz="3200" b="0" dirty="0">
+                <a:solidFill>
+                  <a:srgbClr val="D4D4D4"/>
+                </a:solidFill>
+                <a:effectLst/>
+                <a:latin typeface=" Cascadia Code PL"/>
+              </a:rPr>
+              <a:t>, </a:t>
+            </a:r>
+            <a:r>
+              <a:rPr lang="en-US" sz="3200" b="0" dirty="0">
+                <a:solidFill>
+                  <a:srgbClr val="CE9178"/>
+                </a:solidFill>
+                <a:effectLst/>
+                <a:latin typeface=" Cascadia Code PL"/>
+              </a:rPr>
+              <a:t>"Berlin"</a:t>
+            </a:r>
+            <a:r>
+              <a:rPr lang="en-US" sz="3200" b="0" dirty="0">
+                <a:solidFill>
+                  <a:srgbClr val="D4D4D4"/>
+                </a:solidFill>
+                <a:effectLst/>
+                <a:latin typeface=" Cascadia Code PL"/>
+              </a:rPr>
+              <a:t>),</a:t>
+            </a:r>
+          </a:p>
+          <a:p>
+            <a:r>
+              <a:rPr lang="en-US" sz="3200" b="0" dirty="0">
                 <a:solidFill>
                   <a:srgbClr val="D4D4D4"/>
                 </a:solidFill>
@@ -23511,7 +21914,7 @@
               <a:t>    </a:t>
             </a:r>
             <a:r>
-              <a:rPr lang="da-DK" sz="2800" b="0" dirty="0">
+              <a:rPr lang="en-US" sz="3200" b="0" dirty="0">
                 <a:solidFill>
                   <a:srgbClr val="569CD6"/>
                 </a:solidFill>
@@ -23521,7 +21924,7 @@
               <a:t>new</a:t>
             </a:r>
             <a:r>
-              <a:rPr lang="da-DK" sz="2800" b="0" dirty="0">
+              <a:rPr lang="en-US" sz="3200" b="0" dirty="0">
                 <a:solidFill>
                   <a:srgbClr val="D4D4D4"/>
                 </a:solidFill>
@@ -23531,7 +21934,7 @@
               <a:t> </a:t>
             </a:r>
             <a:r>
-              <a:rPr lang="da-DK" sz="2800" b="0" dirty="0">
+              <a:rPr lang="en-US" sz="3200" b="0" dirty="0">
                 <a:solidFill>
                   <a:srgbClr val="4EC9B0"/>
                 </a:solidFill>
@@ -23541,47 +21944,27 @@
               <a:t>City</a:t>
             </a:r>
             <a:r>
-              <a:rPr lang="da-DK" sz="2800" b="0" dirty="0">
-                <a:solidFill>
-                  <a:srgbClr val="D4D4D4"/>
-                </a:solidFill>
-                <a:effectLst/>
-                <a:latin typeface=" Cascadia Code PL"/>
-              </a:rPr>
-              <a:t> { </a:t>
-            </a:r>
-            <a:r>
-              <a:rPr lang="da-DK" sz="2800" b="0" dirty="0">
-                <a:solidFill>
-                  <a:srgbClr val="9CDCFE"/>
-                </a:solidFill>
-                <a:effectLst/>
-                <a:latin typeface=" Cascadia Code PL"/>
-              </a:rPr>
-              <a:t>Id</a:t>
-            </a:r>
-            <a:r>
-              <a:rPr lang="da-DK" sz="2800" b="0" dirty="0">
-                <a:solidFill>
-                  <a:srgbClr val="D4D4D4"/>
-                </a:solidFill>
-                <a:effectLst/>
-                <a:latin typeface=" Cascadia Code PL"/>
-              </a:rPr>
-              <a:t> = </a:t>
-            </a:r>
-            <a:r>
-              <a:rPr lang="da-DK" sz="2800" b="0" dirty="0">
+              <a:rPr lang="en-US" sz="3200" b="0" dirty="0">
+                <a:solidFill>
+                  <a:srgbClr val="D4D4D4"/>
+                </a:solidFill>
+                <a:effectLst/>
+                <a:latin typeface=" Cascadia Code PL"/>
+              </a:rPr>
+              <a:t>(</a:t>
+            </a:r>
+            <a:r>
+              <a:rPr lang="en-US" sz="3200" b="0" dirty="0">
                 <a:solidFill>
                   <a:srgbClr val="B5CEA8"/>
                 </a:solidFill>
                 <a:effectLst/>
                 <a:latin typeface=" Cascadia Code PL"/>
               </a:rPr>
-              <a:t>1</a:t>
-            </a:r>
-            <a:r>
-              <a:rPr lang="da-DK" sz="2800" b="0" dirty="0">
+              <a:t>2</a:t>
+            </a:r>
+            <a:r>
+              <a:rPr lang="en-US" sz="3200" b="0" dirty="0">
                 <a:solidFill>
                   <a:srgbClr val="D4D4D4"/>
                 </a:solidFill>
@@ -23591,49 +21974,29 @@
               <a:t>, </a:t>
             </a:r>
             <a:r>
-              <a:rPr lang="da-DK" sz="2800" b="0" dirty="0">
-                <a:solidFill>
-                  <a:srgbClr val="9CDCFE"/>
-                </a:solidFill>
-                <a:effectLst/>
-                <a:latin typeface=" Cascadia Code PL"/>
-              </a:rPr>
-              <a:t>Name</a:t>
-            </a:r>
-            <a:r>
-              <a:rPr lang="da-DK" sz="2800" b="0" dirty="0">
-                <a:solidFill>
-                  <a:srgbClr val="D4D4D4"/>
-                </a:solidFill>
-                <a:effectLst/>
-                <a:latin typeface=" Cascadia Code PL"/>
-              </a:rPr>
-              <a:t> = </a:t>
-            </a:r>
-            <a:r>
-              <a:rPr lang="da-DK" sz="2800" b="0" dirty="0">
+              <a:rPr lang="en-US" sz="3200" b="0" dirty="0">
                 <a:solidFill>
                   <a:srgbClr val="CE9178"/>
                 </a:solidFill>
                 <a:effectLst/>
                 <a:latin typeface=" Cascadia Code PL"/>
               </a:rPr>
-              <a:t>"Berlin"</a:t>
-            </a:r>
-            <a:r>
-              <a:rPr lang="da-DK" sz="2800" b="0" dirty="0">
-                <a:solidFill>
-                  <a:srgbClr val="D4D4D4"/>
-                </a:solidFill>
-                <a:effectLst/>
-                <a:latin typeface=" Cascadia Code PL"/>
-              </a:rPr>
-              <a:t> },</a:t>
-            </a:r>
-          </a:p>
-          <a:p>
-            <a:r>
-              <a:rPr lang="da-DK" sz="2800" b="0" dirty="0">
+              <a:t>"Hamburg"</a:t>
+            </a:r>
+            <a:r>
+              <a:rPr lang="en-US" sz="3200" b="0" dirty="0">
+                <a:solidFill>
+                  <a:srgbClr val="D4D4D4"/>
+                </a:solidFill>
+                <a:effectLst/>
+                <a:latin typeface=" Cascadia Code PL"/>
+              </a:rPr>
+              <a:t>),</a:t>
+            </a:r>
+          </a:p>
+          <a:p>
+            <a:r>
+              <a:rPr lang="en-US" sz="3200" b="0" dirty="0">
                 <a:solidFill>
                   <a:srgbClr val="D4D4D4"/>
                 </a:solidFill>
@@ -23643,7 +22006,7 @@
               <a:t>    </a:t>
             </a:r>
             <a:r>
-              <a:rPr lang="da-DK" sz="2800" b="0" dirty="0">
+              <a:rPr lang="en-US" sz="3200" b="0" dirty="0">
                 <a:solidFill>
                   <a:srgbClr val="569CD6"/>
                 </a:solidFill>
@@ -23653,7 +22016,7 @@
               <a:t>new</a:t>
             </a:r>
             <a:r>
-              <a:rPr lang="da-DK" sz="2800" b="0" dirty="0">
+              <a:rPr lang="en-US" sz="3200" b="0" dirty="0">
                 <a:solidFill>
                   <a:srgbClr val="D4D4D4"/>
                 </a:solidFill>
@@ -23663,7 +22026,7 @@
               <a:t> </a:t>
             </a:r>
             <a:r>
-              <a:rPr lang="da-DK" sz="2800" b="0" dirty="0">
+              <a:rPr lang="en-US" sz="3200" b="0" dirty="0">
                 <a:solidFill>
                   <a:srgbClr val="4EC9B0"/>
                 </a:solidFill>
@@ -23673,47 +22036,27 @@
               <a:t>City</a:t>
             </a:r>
             <a:r>
-              <a:rPr lang="da-DK" sz="2800" b="0" dirty="0">
-                <a:solidFill>
-                  <a:srgbClr val="D4D4D4"/>
-                </a:solidFill>
-                <a:effectLst/>
-                <a:latin typeface=" Cascadia Code PL"/>
-              </a:rPr>
-              <a:t> { </a:t>
-            </a:r>
-            <a:r>
-              <a:rPr lang="da-DK" sz="2800" b="0" dirty="0">
-                <a:solidFill>
-                  <a:srgbClr val="9CDCFE"/>
-                </a:solidFill>
-                <a:effectLst/>
-                <a:latin typeface=" Cascadia Code PL"/>
-              </a:rPr>
-              <a:t>Id</a:t>
-            </a:r>
-            <a:r>
-              <a:rPr lang="da-DK" sz="2800" b="0" dirty="0">
-                <a:solidFill>
-                  <a:srgbClr val="D4D4D4"/>
-                </a:solidFill>
-                <a:effectLst/>
-                <a:latin typeface=" Cascadia Code PL"/>
-              </a:rPr>
-              <a:t> = </a:t>
-            </a:r>
-            <a:r>
-              <a:rPr lang="da-DK" sz="2800" b="0" dirty="0">
+              <a:rPr lang="en-US" sz="3200" b="0" dirty="0">
+                <a:solidFill>
+                  <a:srgbClr val="D4D4D4"/>
+                </a:solidFill>
+                <a:effectLst/>
+                <a:latin typeface=" Cascadia Code PL"/>
+              </a:rPr>
+              <a:t>(</a:t>
+            </a:r>
+            <a:r>
+              <a:rPr lang="en-US" sz="3200" b="0" dirty="0">
                 <a:solidFill>
                   <a:srgbClr val="B5CEA8"/>
                 </a:solidFill>
                 <a:effectLst/>
                 <a:latin typeface=" Cascadia Code PL"/>
               </a:rPr>
-              <a:t>2</a:t>
-            </a:r>
-            <a:r>
-              <a:rPr lang="da-DK" sz="2800" b="0" dirty="0">
+              <a:t>3</a:t>
+            </a:r>
+            <a:r>
+              <a:rPr lang="en-US" sz="3200" b="0" dirty="0">
                 <a:solidFill>
                   <a:srgbClr val="D4D4D4"/>
                 </a:solidFill>
@@ -23723,181 +22066,29 @@
               <a:t>, </a:t>
             </a:r>
             <a:r>
-              <a:rPr lang="da-DK" sz="2800" b="0" dirty="0">
-                <a:solidFill>
-                  <a:srgbClr val="9CDCFE"/>
-                </a:solidFill>
-                <a:effectLst/>
-                <a:latin typeface=" Cascadia Code PL"/>
-              </a:rPr>
-              <a:t>Name</a:t>
-            </a:r>
-            <a:r>
-              <a:rPr lang="da-DK" sz="2800" b="0" dirty="0">
-                <a:solidFill>
-                  <a:srgbClr val="D4D4D4"/>
-                </a:solidFill>
-                <a:effectLst/>
-                <a:latin typeface=" Cascadia Code PL"/>
-              </a:rPr>
-              <a:t> = </a:t>
-            </a:r>
-            <a:r>
-              <a:rPr lang="da-DK" sz="2800" b="0" dirty="0">
+              <a:rPr lang="en-US" sz="3200" b="0" dirty="0">
                 <a:solidFill>
                   <a:srgbClr val="CE9178"/>
                 </a:solidFill>
                 <a:effectLst/>
                 <a:latin typeface=" Cascadia Code PL"/>
               </a:rPr>
-              <a:t>"Hamburg"</a:t>
-            </a:r>
-            <a:r>
-              <a:rPr lang="da-DK" sz="2800" b="0" dirty="0">
-                <a:solidFill>
-                  <a:srgbClr val="D4D4D4"/>
-                </a:solidFill>
-                <a:effectLst/>
-                <a:latin typeface=" Cascadia Code PL"/>
-              </a:rPr>
-              <a:t> },</a:t>
-            </a:r>
-          </a:p>
-          <a:p>
-            <a:r>
-              <a:rPr lang="da-DK" sz="2800" b="0" dirty="0">
-                <a:solidFill>
-                  <a:srgbClr val="D4D4D4"/>
-                </a:solidFill>
-                <a:effectLst/>
-                <a:latin typeface=" Cascadia Code PL"/>
-              </a:rPr>
-              <a:t>    </a:t>
-            </a:r>
-            <a:r>
-              <a:rPr lang="da-DK" sz="2800" b="0" dirty="0">
-                <a:solidFill>
-                  <a:srgbClr val="569CD6"/>
-                </a:solidFill>
-                <a:effectLst/>
-                <a:latin typeface=" Cascadia Code PL"/>
-              </a:rPr>
-              <a:t>new</a:t>
-            </a:r>
-            <a:r>
-              <a:rPr lang="da-DK" sz="2800" b="0" dirty="0">
-                <a:solidFill>
-                  <a:srgbClr val="D4D4D4"/>
-                </a:solidFill>
-                <a:effectLst/>
-                <a:latin typeface=" Cascadia Code PL"/>
-              </a:rPr>
-              <a:t> </a:t>
-            </a:r>
-            <a:r>
-              <a:rPr lang="da-DK" sz="2800" b="0" dirty="0">
-                <a:solidFill>
-                  <a:srgbClr val="4EC9B0"/>
-                </a:solidFill>
-                <a:effectLst/>
-                <a:latin typeface=" Cascadia Code PL"/>
-              </a:rPr>
-              <a:t>City</a:t>
-            </a:r>
-            <a:r>
-              <a:rPr lang="da-DK" sz="2800" b="0" dirty="0">
-                <a:solidFill>
-                  <a:srgbClr val="D4D4D4"/>
-                </a:solidFill>
-                <a:effectLst/>
-                <a:latin typeface=" Cascadia Code PL"/>
-              </a:rPr>
-              <a:t> { </a:t>
-            </a:r>
-            <a:r>
-              <a:rPr lang="da-DK" sz="2800" b="0" dirty="0">
-                <a:solidFill>
-                  <a:srgbClr val="9CDCFE"/>
-                </a:solidFill>
-                <a:effectLst/>
-                <a:latin typeface=" Cascadia Code PL"/>
-              </a:rPr>
-              <a:t>Id</a:t>
-            </a:r>
-            <a:r>
-              <a:rPr lang="da-DK" sz="2800" b="0" dirty="0">
-                <a:solidFill>
-                  <a:srgbClr val="D4D4D4"/>
-                </a:solidFill>
-                <a:effectLst/>
-                <a:latin typeface=" Cascadia Code PL"/>
-              </a:rPr>
-              <a:t> = </a:t>
-            </a:r>
-            <a:r>
-              <a:rPr lang="da-DK" sz="2800" b="0" dirty="0">
-                <a:solidFill>
-                  <a:srgbClr val="B5CEA8"/>
-                </a:solidFill>
-                <a:effectLst/>
-                <a:latin typeface=" Cascadia Code PL"/>
-              </a:rPr>
-              <a:t>3</a:t>
-            </a:r>
-            <a:r>
-              <a:rPr lang="da-DK" sz="2800" b="0" dirty="0">
-                <a:solidFill>
-                  <a:srgbClr val="D4D4D4"/>
-                </a:solidFill>
-                <a:effectLst/>
-                <a:latin typeface=" Cascadia Code PL"/>
-              </a:rPr>
-              <a:t>, </a:t>
-            </a:r>
-            <a:r>
-              <a:rPr lang="da-DK" sz="2800" b="0" dirty="0">
-                <a:solidFill>
-                  <a:srgbClr val="9CDCFE"/>
-                </a:solidFill>
-                <a:effectLst/>
-                <a:latin typeface=" Cascadia Code PL"/>
-              </a:rPr>
-              <a:t>Name</a:t>
-            </a:r>
-            <a:r>
-              <a:rPr lang="da-DK" sz="2800" b="0" dirty="0">
-                <a:solidFill>
-                  <a:srgbClr val="D4D4D4"/>
-                </a:solidFill>
-                <a:effectLst/>
-                <a:latin typeface=" Cascadia Code PL"/>
-              </a:rPr>
-              <a:t> = </a:t>
-            </a:r>
-            <a:r>
-              <a:rPr lang="da-DK" sz="2800" b="0" dirty="0">
-                <a:solidFill>
-                  <a:srgbClr val="CE9178"/>
-                </a:solidFill>
-                <a:effectLst/>
-                <a:latin typeface=" Cascadia Code PL"/>
-              </a:rPr>
               <a:t>"Frankfurt"</a:t>
             </a:r>
             <a:r>
-              <a:rPr lang="da-DK" sz="2800" b="0" dirty="0">
-                <a:solidFill>
-                  <a:srgbClr val="D4D4D4"/>
-                </a:solidFill>
-                <a:effectLst/>
-                <a:latin typeface=" Cascadia Code PL"/>
-              </a:rPr>
-              <a:t> }</a:t>
-            </a:r>
-          </a:p>
-          <a:p>
-            <a:r>
-              <a:rPr lang="da-DK" sz="2800" b="0" dirty="0">
+              <a:rPr lang="en-US" sz="3200" b="0" dirty="0">
+                <a:solidFill>
+                  <a:srgbClr val="D4D4D4"/>
+                </a:solidFill>
+                <a:effectLst/>
+                <a:latin typeface=" Cascadia Code PL"/>
+              </a:rPr>
+              <a:t>)</a:t>
+            </a:r>
+          </a:p>
+          <a:p>
+            <a:r>
+              <a:rPr lang="en-US" sz="3200" b="0" dirty="0">
                 <a:solidFill>
                   <a:srgbClr val="D4D4D4"/>
                 </a:solidFill>
@@ -23906,9 +22097,6 @@
               </a:rPr>
               <a:t>};</a:t>
             </a:r>
-          </a:p>
-          <a:p>
-            <a:endParaRPr lang="LID4096" dirty="0"/>
           </a:p>
         </p:txBody>
       </p:sp>
@@ -23950,7 +22138,7 @@
           <p:cNvPr id="2" name="Title 1">
             <a:extLst>
               <a:ext uri="{FF2B5EF4-FFF2-40B4-BE49-F238E27FC236}">
-                <a16:creationId xmlns:a16="http://schemas.microsoft.com/office/drawing/2014/main" id="{C1D5BCB6-8654-42B2-B5CC-52CC7F1BAB6A}"/>
+                <a16:creationId xmlns:a16="http://schemas.microsoft.com/office/drawing/2014/main" id="{90136E95-7FEB-4503-B318-DEB95C229193}"/>
               </a:ext>
             </a:extLst>
           </p:cNvPr>
@@ -23968,7 +22156,7 @@
           <a:p>
             <a:r>
               <a:rPr lang="en-US" dirty="0"/>
-              <a:t>LINQ</a:t>
+              <a:t>Data: Collection + Object Initializer</a:t>
             </a:r>
             <a:endParaRPr lang="LID4096" dirty="0"/>
           </a:p>
@@ -23979,7 +22167,7 @@
           <p:cNvPr id="3" name="Text Placeholder 2">
             <a:extLst>
               <a:ext uri="{FF2B5EF4-FFF2-40B4-BE49-F238E27FC236}">
-                <a16:creationId xmlns:a16="http://schemas.microsoft.com/office/drawing/2014/main" id="{EEA7FA73-6402-4B52-A041-A628085E981A}"/>
+                <a16:creationId xmlns:a16="http://schemas.microsoft.com/office/drawing/2014/main" id="{B8787907-8EBF-4B85-9BB6-490104EF6FA8}"/>
               </a:ext>
             </a:extLst>
           </p:cNvPr>
@@ -23993,42 +22181,138 @@
         <p:spPr>
           <a:xfrm>
             <a:off x="588263" y="1436688"/>
-            <a:ext cx="11018520" cy="3447098"/>
+            <a:ext cx="11018520" cy="4628960"/>
           </a:xfrm>
         </p:spPr>
         <p:txBody>
           <a:bodyPr/>
           <a:lstStyle/>
           <a:p>
-            <a:endParaRPr lang="en-US" sz="3200" b="0" dirty="0">
+            <a:endParaRPr lang="da-DK" sz="3200" b="0" dirty="0">
               <a:solidFill>
-                <a:srgbClr val="569CD6"/>
+                <a:srgbClr val="9CDCFE"/>
               </a:solidFill>
               <a:effectLst/>
               <a:latin typeface=" Cascadia Code PL"/>
             </a:endParaRPr>
           </a:p>
           <a:p>
-            <a:endParaRPr lang="en-US" sz="3200" dirty="0">
-              <a:solidFill>
-                <a:srgbClr val="569CD6"/>
-              </a:solidFill>
-              <a:latin typeface=" Cascadia Code PL"/>
-            </a:endParaRPr>
-          </a:p>
-          <a:p>
-            <a:r>
-              <a:rPr lang="en-US" sz="3200" b="0" dirty="0">
+            <a:r>
+              <a:rPr lang="da-DK" sz="3200" b="0" dirty="0">
+                <a:solidFill>
+                  <a:srgbClr val="9CDCFE"/>
+                </a:solidFill>
+                <a:effectLst/>
+                <a:latin typeface=" Cascadia Code PL"/>
+              </a:rPr>
+              <a:t>IEnumerable</a:t>
+            </a:r>
+            <a:r>
+              <a:rPr lang="da-DK" sz="3200" b="0" dirty="0">
+                <a:solidFill>
+                  <a:srgbClr val="D4D4D4"/>
+                </a:solidFill>
+                <a:effectLst/>
+                <a:latin typeface=" Cascadia Code PL"/>
+              </a:rPr>
+              <a:t>&lt;</a:t>
+            </a:r>
+            <a:r>
+              <a:rPr lang="da-DK" sz="3200" b="0" dirty="0">
+                <a:solidFill>
+                  <a:srgbClr val="4EC9B0"/>
+                </a:solidFill>
+                <a:effectLst/>
+                <a:latin typeface=" Cascadia Code PL"/>
+              </a:rPr>
+              <a:t>City</a:t>
+            </a:r>
+            <a:r>
+              <a:rPr lang="da-DK" sz="3200" b="0" dirty="0">
+                <a:solidFill>
+                  <a:srgbClr val="D4D4D4"/>
+                </a:solidFill>
+                <a:effectLst/>
+                <a:latin typeface=" Cascadia Code PL"/>
+              </a:rPr>
+              <a:t>&gt; </a:t>
+            </a:r>
+            <a:r>
+              <a:rPr lang="da-DK" sz="3200" b="0" dirty="0">
+                <a:solidFill>
+                  <a:srgbClr val="9CDCFE"/>
+                </a:solidFill>
+                <a:effectLst/>
+                <a:latin typeface=" Cascadia Code PL"/>
+              </a:rPr>
+              <a:t>cities</a:t>
+            </a:r>
+            <a:r>
+              <a:rPr lang="da-DK" sz="3200" b="0" dirty="0">
+                <a:solidFill>
+                  <a:srgbClr val="D4D4D4"/>
+                </a:solidFill>
+                <a:effectLst/>
+                <a:latin typeface=" Cascadia Code PL"/>
+              </a:rPr>
+              <a:t> = </a:t>
+            </a:r>
+            <a:r>
+              <a:rPr lang="da-DK" sz="3200" b="0" dirty="0">
                 <a:solidFill>
                   <a:srgbClr val="569CD6"/>
                 </a:solidFill>
                 <a:effectLst/>
                 <a:latin typeface=" Cascadia Code PL"/>
               </a:rPr>
-              <a:t>var</a:t>
-            </a:r>
-            <a:r>
-              <a:rPr lang="en-US" sz="3200" b="0" dirty="0">
+              <a:t>new</a:t>
+            </a:r>
+            <a:r>
+              <a:rPr lang="da-DK" sz="3200" b="0" dirty="0">
+                <a:solidFill>
+                  <a:srgbClr val="D4D4D4"/>
+                </a:solidFill>
+                <a:effectLst/>
+                <a:latin typeface=" Cascadia Code PL"/>
+              </a:rPr>
+              <a:t>[]</a:t>
+            </a:r>
+          </a:p>
+          <a:p>
+            <a:r>
+              <a:rPr lang="da-DK" sz="3200" b="0" dirty="0">
+                <a:solidFill>
+                  <a:srgbClr val="D4D4D4"/>
+                </a:solidFill>
+                <a:effectLst/>
+                <a:latin typeface=" Cascadia Code PL"/>
+              </a:rPr>
+              <a:t>{</a:t>
+            </a:r>
+          </a:p>
+          <a:p>
+            <a:r>
+              <a:rPr lang="da-DK" sz="3200" b="0" dirty="0">
+                <a:solidFill>
+                  <a:srgbClr val="D4D4D4"/>
+                </a:solidFill>
+                <a:effectLst/>
+                <a:latin typeface=" Cascadia Code PL"/>
+              </a:rPr>
+              <a:t>    </a:t>
+            </a:r>
+            <a:r>
+              <a:rPr lang="da-DK" sz="3200" b="0" dirty="0">
+                <a:solidFill>
+                  <a:srgbClr val="569CD6"/>
+                </a:solidFill>
+                <a:effectLst/>
+                <a:latin typeface=" Cascadia Code PL"/>
+              </a:rPr>
+              <a:t>new</a:t>
+            </a:r>
+            <a:r>
+              <a:rPr lang="da-DK" sz="3200" b="0" dirty="0">
                 <a:solidFill>
                   <a:srgbClr val="D4D4D4"/>
                 </a:solidFill>
@@ -24038,17 +22322,37 @@
               <a:t> </a:t>
             </a:r>
             <a:r>
-              <a:rPr lang="en-US" sz="3200" b="0" dirty="0">
+              <a:rPr lang="da-DK" sz="3200" b="0" dirty="0">
+                <a:solidFill>
+                  <a:srgbClr val="4EC9B0"/>
+                </a:solidFill>
+                <a:effectLst/>
+                <a:latin typeface=" Cascadia Code PL"/>
+              </a:rPr>
+              <a:t>City</a:t>
+            </a:r>
+            <a:r>
+              <a:rPr lang="da-DK" sz="3200" b="0" dirty="0">
+                <a:solidFill>
+                  <a:srgbClr val="D4D4D4"/>
+                </a:solidFill>
+                <a:effectLst/>
+                <a:latin typeface=" Cascadia Code PL"/>
+              </a:rPr>
+              <a:t> { </a:t>
+            </a:r>
+            <a:r>
+              <a:rPr lang="da-DK" sz="3200" b="0" dirty="0">
                 <a:solidFill>
                   <a:srgbClr val="9CDCFE"/>
                 </a:solidFill>
                 <a:effectLst/>
                 <a:latin typeface=" Cascadia Code PL"/>
               </a:rPr>
-              <a:t>sorted</a:t>
-            </a:r>
-            <a:r>
-              <a:rPr lang="en-US" sz="3200" b="0" dirty="0">
+              <a:t>Id</a:t>
+            </a:r>
+            <a:r>
+              <a:rPr lang="da-DK" sz="3200" b="0" dirty="0">
                 <a:solidFill>
                   <a:srgbClr val="D4D4D4"/>
                 </a:solidFill>
@@ -24058,17 +22362,89 @@
               <a:t> = </a:t>
             </a:r>
             <a:r>
-              <a:rPr lang="en-US" sz="3200" b="0" dirty="0">
+              <a:rPr lang="da-DK" sz="3200" b="0" dirty="0">
+                <a:solidFill>
+                  <a:srgbClr val="B5CEA8"/>
+                </a:solidFill>
+                <a:effectLst/>
+                <a:latin typeface=" Cascadia Code PL"/>
+              </a:rPr>
+              <a:t>1</a:t>
+            </a:r>
+            <a:r>
+              <a:rPr lang="da-DK" sz="3200" b="0" dirty="0">
+                <a:solidFill>
+                  <a:srgbClr val="D4D4D4"/>
+                </a:solidFill>
+                <a:effectLst/>
+                <a:latin typeface=" Cascadia Code PL"/>
+              </a:rPr>
+              <a:t>, </a:t>
+            </a:r>
+            <a:r>
+              <a:rPr lang="da-DK" sz="3200" b="0" dirty="0">
+                <a:solidFill>
+                  <a:srgbClr val="9CDCFE"/>
+                </a:solidFill>
+                <a:effectLst/>
+                <a:latin typeface=" Cascadia Code PL"/>
+              </a:rPr>
+              <a:t>Name</a:t>
+            </a:r>
+            <a:r>
+              <a:rPr lang="da-DK" sz="3200" b="0" dirty="0">
+                <a:solidFill>
+                  <a:srgbClr val="D4D4D4"/>
+                </a:solidFill>
+                <a:effectLst/>
+                <a:latin typeface=" Cascadia Code PL"/>
+              </a:rPr>
+              <a:t> = </a:t>
+            </a:r>
+            <a:r>
+              <a:rPr lang="da-DK" sz="3200" b="0" dirty="0">
+                <a:solidFill>
+                  <a:srgbClr val="CE9178"/>
+                </a:solidFill>
+                <a:effectLst/>
+                <a:latin typeface=" Cascadia Code PL"/>
+              </a:rPr>
+              <a:t>"Berlin"</a:t>
+            </a:r>
+            <a:r>
+              <a:rPr lang="da-DK" sz="3200" b="0" dirty="0">
+                <a:solidFill>
+                  <a:srgbClr val="D4D4D4"/>
+                </a:solidFill>
+                <a:effectLst/>
+                <a:latin typeface=" Cascadia Code PL"/>
+              </a:rPr>
+              <a:t> },</a:t>
+            </a:r>
+          </a:p>
+          <a:p>
+            <a:r>
+              <a:rPr lang="da-DK" sz="3200" b="0" dirty="0">
+                <a:solidFill>
+                  <a:srgbClr val="D4D4D4"/>
+                </a:solidFill>
+                <a:effectLst/>
+                <a:latin typeface=" Cascadia Code PL"/>
+              </a:rPr>
+              <a:t>    </a:t>
+            </a:r>
+            <a:r>
+              <a:rPr lang="da-DK" sz="3200" b="0" dirty="0">
                 <a:solidFill>
                   <a:srgbClr val="569CD6"/>
                 </a:solidFill>
                 <a:effectLst/>
                 <a:latin typeface=" Cascadia Code PL"/>
               </a:rPr>
-              <a:t>from</a:t>
-            </a:r>
-            <a:r>
-              <a:rPr lang="en-US" sz="3200" b="0" dirty="0">
+              <a:t>new</a:t>
+            </a:r>
+            <a:r>
+              <a:rPr lang="da-DK" sz="3200" b="0" dirty="0">
                 <a:solidFill>
                   <a:srgbClr val="D4D4D4"/>
                 </a:solidFill>
@@ -24078,17 +22454,129 @@
               <a:t> </a:t>
             </a:r>
             <a:r>
-              <a:rPr lang="en-US" sz="3200" b="0" dirty="0">
+              <a:rPr lang="da-DK" sz="3200" b="0" dirty="0">
+                <a:solidFill>
+                  <a:srgbClr val="4EC9B0"/>
+                </a:solidFill>
+                <a:effectLst/>
+                <a:latin typeface=" Cascadia Code PL"/>
+              </a:rPr>
+              <a:t>City</a:t>
+            </a:r>
+            <a:r>
+              <a:rPr lang="da-DK" sz="3200" b="0" dirty="0">
+                <a:solidFill>
+                  <a:srgbClr val="D4D4D4"/>
+                </a:solidFill>
+                <a:effectLst/>
+                <a:latin typeface=" Cascadia Code PL"/>
+              </a:rPr>
+              <a:t> { </a:t>
+            </a:r>
+            <a:r>
+              <a:rPr lang="da-DK" sz="3200" b="0" dirty="0">
                 <a:solidFill>
                   <a:srgbClr val="9CDCFE"/>
                 </a:solidFill>
                 <a:effectLst/>
                 <a:latin typeface=" Cascadia Code PL"/>
               </a:rPr>
-              <a:t>c</a:t>
-            </a:r>
-            <a:r>
-              <a:rPr lang="en-US" sz="3200" b="0" dirty="0">
+              <a:t>Id</a:t>
+            </a:r>
+            <a:r>
+              <a:rPr lang="da-DK" sz="3200" b="0" dirty="0">
+                <a:solidFill>
+                  <a:srgbClr val="D4D4D4"/>
+                </a:solidFill>
+                <a:effectLst/>
+                <a:latin typeface=" Cascadia Code PL"/>
+              </a:rPr>
+              <a:t> = </a:t>
+            </a:r>
+            <a:r>
+              <a:rPr lang="da-DK" sz="3200" b="0" dirty="0">
+                <a:solidFill>
+                  <a:srgbClr val="B5CEA8"/>
+                </a:solidFill>
+                <a:effectLst/>
+                <a:latin typeface=" Cascadia Code PL"/>
+              </a:rPr>
+              <a:t>2</a:t>
+            </a:r>
+            <a:r>
+              <a:rPr lang="da-DK" sz="3200" b="0" dirty="0">
+                <a:solidFill>
+                  <a:srgbClr val="D4D4D4"/>
+                </a:solidFill>
+                <a:effectLst/>
+                <a:latin typeface=" Cascadia Code PL"/>
+              </a:rPr>
+              <a:t>, </a:t>
+            </a:r>
+            <a:r>
+              <a:rPr lang="da-DK" sz="3200" b="0" dirty="0">
+                <a:solidFill>
+                  <a:srgbClr val="9CDCFE"/>
+                </a:solidFill>
+                <a:effectLst/>
+                <a:latin typeface=" Cascadia Code PL"/>
+              </a:rPr>
+              <a:t>Name</a:t>
+            </a:r>
+            <a:r>
+              <a:rPr lang="da-DK" sz="3200" b="0" dirty="0">
+                <a:solidFill>
+                  <a:srgbClr val="D4D4D4"/>
+                </a:solidFill>
+                <a:effectLst/>
+                <a:latin typeface=" Cascadia Code PL"/>
+              </a:rPr>
+              <a:t> = </a:t>
+            </a:r>
+            <a:r>
+              <a:rPr lang="da-DK" sz="3200" b="0" dirty="0">
+                <a:solidFill>
+                  <a:srgbClr val="CE9178"/>
+                </a:solidFill>
+                <a:effectLst/>
+                <a:latin typeface=" Cascadia Code PL"/>
+              </a:rPr>
+              <a:t>"Hamburg"</a:t>
+            </a:r>
+            <a:r>
+              <a:rPr lang="da-DK" sz="3200" b="0" dirty="0">
+                <a:solidFill>
+                  <a:srgbClr val="D4D4D4"/>
+                </a:solidFill>
+                <a:effectLst/>
+                <a:latin typeface=" Cascadia Code PL"/>
+              </a:rPr>
+              <a:t> },</a:t>
+            </a:r>
+          </a:p>
+          <a:p>
+            <a:r>
+              <a:rPr lang="da-DK" sz="3200" b="0" dirty="0">
+                <a:solidFill>
+                  <a:srgbClr val="D4D4D4"/>
+                </a:solidFill>
+                <a:effectLst/>
+                <a:latin typeface=" Cascadia Code PL"/>
+              </a:rPr>
+              <a:t>    </a:t>
+            </a:r>
+            <a:r>
+              <a:rPr lang="da-DK" sz="3200" b="0" dirty="0">
+                <a:solidFill>
+                  <a:srgbClr val="569CD6"/>
+                </a:solidFill>
+                <a:effectLst/>
+                <a:latin typeface=" Cascadia Code PL"/>
+              </a:rPr>
+              <a:t>new</a:t>
+            </a:r>
+            <a:r>
+              <a:rPr lang="da-DK" sz="3200" b="0" dirty="0">
                 <a:solidFill>
                   <a:srgbClr val="D4D4D4"/>
                 </a:solidFill>
@@ -24098,382 +22586,127 @@
               <a:t> </a:t>
             </a:r>
             <a:r>
-              <a:rPr lang="en-US" sz="3200" b="0" dirty="0">
-                <a:solidFill>
-                  <a:srgbClr val="569CD6"/>
-                </a:solidFill>
-                <a:effectLst/>
-                <a:latin typeface=" Cascadia Code PL"/>
-              </a:rPr>
-              <a:t>in</a:t>
-            </a:r>
-            <a:r>
-              <a:rPr lang="en-US" sz="3200" b="0" dirty="0">
-                <a:solidFill>
-                  <a:srgbClr val="D4D4D4"/>
-                </a:solidFill>
-                <a:effectLst/>
-                <a:latin typeface=" Cascadia Code PL"/>
-              </a:rPr>
-              <a:t> </a:t>
-            </a:r>
-            <a:r>
-              <a:rPr lang="en-US" sz="3200" b="0" dirty="0">
+              <a:rPr lang="da-DK" sz="3200" b="0" dirty="0">
+                <a:solidFill>
+                  <a:srgbClr val="4EC9B0"/>
+                </a:solidFill>
+                <a:effectLst/>
+                <a:latin typeface=" Cascadia Code PL"/>
+              </a:rPr>
+              <a:t>City</a:t>
+            </a:r>
+            <a:r>
+              <a:rPr lang="da-DK" sz="3200" b="0" dirty="0">
+                <a:solidFill>
+                  <a:srgbClr val="D4D4D4"/>
+                </a:solidFill>
+                <a:effectLst/>
+                <a:latin typeface=" Cascadia Code PL"/>
+              </a:rPr>
+              <a:t> { </a:t>
+            </a:r>
+            <a:r>
+              <a:rPr lang="da-DK" sz="3200" b="0" dirty="0">
                 <a:solidFill>
                   <a:srgbClr val="9CDCFE"/>
                 </a:solidFill>
                 <a:effectLst/>
                 <a:latin typeface=" Cascadia Code PL"/>
               </a:rPr>
-              <a:t>cities</a:t>
-            </a:r>
-            <a:endParaRPr lang="en-US" sz="3200" b="0" dirty="0">
-              <a:solidFill>
-                <a:srgbClr val="D4D4D4"/>
-              </a:solidFill>
-              <a:effectLst/>
-              <a:latin typeface=" Cascadia Code PL"/>
-            </a:endParaRPr>
-          </a:p>
-          <a:p>
-            <a:r>
-              <a:rPr lang="en-US" sz="3200" b="0" dirty="0">
-                <a:solidFill>
-                  <a:srgbClr val="D4D4D4"/>
-                </a:solidFill>
-                <a:effectLst/>
-                <a:latin typeface=" Cascadia Code PL"/>
-              </a:rPr>
-              <a:t>             </a:t>
-            </a:r>
-            <a:r>
-              <a:rPr lang="en-US" sz="3200" b="0" dirty="0">
-                <a:solidFill>
-                  <a:srgbClr val="569CD6"/>
-                </a:solidFill>
-                <a:effectLst/>
-                <a:latin typeface=" Cascadia Code PL"/>
-              </a:rPr>
-              <a:t>where</a:t>
-            </a:r>
-            <a:r>
-              <a:rPr lang="en-US" sz="3200" b="0" dirty="0">
-                <a:solidFill>
-                  <a:srgbClr val="D4D4D4"/>
-                </a:solidFill>
-                <a:effectLst/>
-                <a:latin typeface=" Cascadia Code PL"/>
-              </a:rPr>
-              <a:t> </a:t>
-            </a:r>
-            <a:r>
-              <a:rPr lang="en-US" sz="3200" b="0" dirty="0" err="1">
+              <a:t>Id</a:t>
+            </a:r>
+            <a:r>
+              <a:rPr lang="da-DK" sz="3200" b="0" dirty="0">
+                <a:solidFill>
+                  <a:srgbClr val="D4D4D4"/>
+                </a:solidFill>
+                <a:effectLst/>
+                <a:latin typeface=" Cascadia Code PL"/>
+              </a:rPr>
+              <a:t> = </a:t>
+            </a:r>
+            <a:r>
+              <a:rPr lang="da-DK" sz="3200" b="0" dirty="0">
+                <a:solidFill>
+                  <a:srgbClr val="B5CEA8"/>
+                </a:solidFill>
+                <a:effectLst/>
+                <a:latin typeface=" Cascadia Code PL"/>
+              </a:rPr>
+              <a:t>3</a:t>
+            </a:r>
+            <a:r>
+              <a:rPr lang="da-DK" sz="3200" b="0" dirty="0">
+                <a:solidFill>
+                  <a:srgbClr val="D4D4D4"/>
+                </a:solidFill>
+                <a:effectLst/>
+                <a:latin typeface=" Cascadia Code PL"/>
+              </a:rPr>
+              <a:t>, </a:t>
+            </a:r>
+            <a:r>
+              <a:rPr lang="da-DK" sz="3200" b="0" dirty="0">
                 <a:solidFill>
                   <a:srgbClr val="9CDCFE"/>
                 </a:solidFill>
                 <a:effectLst/>
                 <a:latin typeface=" Cascadia Code PL"/>
               </a:rPr>
-              <a:t>c</a:t>
-            </a:r>
-            <a:r>
-              <a:rPr lang="en-US" sz="3200" b="0" dirty="0" err="1">
-                <a:solidFill>
-                  <a:srgbClr val="D4D4D4"/>
-                </a:solidFill>
-                <a:effectLst/>
-                <a:latin typeface=" Cascadia Code PL"/>
-              </a:rPr>
-              <a:t>.</a:t>
-            </a:r>
-            <a:r>
-              <a:rPr lang="en-US" sz="3200" b="0" dirty="0" err="1">
-                <a:solidFill>
-                  <a:srgbClr val="9CDCFE"/>
-                </a:solidFill>
-                <a:effectLst/>
-                <a:latin typeface=" Cascadia Code PL"/>
-              </a:rPr>
               <a:t>Name</a:t>
             </a:r>
             <a:r>
-              <a:rPr lang="en-US" sz="3200" b="0" dirty="0" err="1">
-                <a:solidFill>
-                  <a:srgbClr val="D4D4D4"/>
-                </a:solidFill>
-                <a:effectLst/>
-                <a:latin typeface=" Cascadia Code PL"/>
-              </a:rPr>
-              <a:t>.</a:t>
-            </a:r>
-            <a:r>
-              <a:rPr lang="en-US" sz="3200" b="0" dirty="0" err="1">
-                <a:solidFill>
-                  <a:srgbClr val="9CDCFE"/>
-                </a:solidFill>
-                <a:effectLst/>
-                <a:latin typeface=" Cascadia Code PL"/>
-              </a:rPr>
-              <a:t>Contains</a:t>
-            </a:r>
-            <a:r>
-              <a:rPr lang="en-US" sz="3200" b="0" dirty="0">
-                <a:solidFill>
-                  <a:srgbClr val="D4D4D4"/>
-                </a:solidFill>
-                <a:effectLst/>
-                <a:latin typeface=" Cascadia Code PL"/>
-              </a:rPr>
-              <a:t>(</a:t>
-            </a:r>
-            <a:r>
-              <a:rPr lang="en-US" sz="3200" b="0" dirty="0">
+              <a:rPr lang="da-DK" sz="3200" b="0" dirty="0">
+                <a:solidFill>
+                  <a:srgbClr val="D4D4D4"/>
+                </a:solidFill>
+                <a:effectLst/>
+                <a:latin typeface=" Cascadia Code PL"/>
+              </a:rPr>
+              <a:t> = </a:t>
+            </a:r>
+            <a:r>
+              <a:rPr lang="da-DK" sz="3200" b="0" dirty="0">
                 <a:solidFill>
                   <a:srgbClr val="CE9178"/>
                 </a:solidFill>
                 <a:effectLst/>
                 <a:latin typeface=" Cascadia Code PL"/>
               </a:rPr>
-              <a:t>"</a:t>
-            </a:r>
-            <a:r>
-              <a:rPr lang="en-US" sz="3200" b="0" dirty="0" err="1">
-                <a:solidFill>
-                  <a:srgbClr val="CE9178"/>
-                </a:solidFill>
-                <a:effectLst/>
-                <a:latin typeface=" Cascadia Code PL"/>
-              </a:rPr>
-              <a:t>i</a:t>
-            </a:r>
-            <a:r>
-              <a:rPr lang="en-US" sz="3200" b="0" dirty="0">
-                <a:solidFill>
-                  <a:srgbClr val="CE9178"/>
-                </a:solidFill>
-                <a:effectLst/>
-                <a:latin typeface=" Cascadia Code PL"/>
-              </a:rPr>
-              <a:t>"</a:t>
-            </a:r>
-            <a:r>
-              <a:rPr lang="en-US" sz="3200" b="0" dirty="0">
-                <a:solidFill>
-                  <a:srgbClr val="D4D4D4"/>
-                </a:solidFill>
-                <a:effectLst/>
-                <a:latin typeface=" Cascadia Code PL"/>
-              </a:rPr>
-              <a:t>)</a:t>
-            </a:r>
-          </a:p>
-          <a:p>
-            <a:r>
-              <a:rPr lang="en-US" sz="3200" b="0" dirty="0">
-                <a:solidFill>
-                  <a:srgbClr val="D4D4D4"/>
-                </a:solidFill>
-                <a:effectLst/>
-                <a:latin typeface=" Cascadia Code PL"/>
-              </a:rPr>
-              <a:t>             </a:t>
-            </a:r>
-            <a:r>
-              <a:rPr lang="en-US" sz="3200" b="0" dirty="0" err="1">
-                <a:solidFill>
-                  <a:srgbClr val="569CD6"/>
-                </a:solidFill>
-                <a:effectLst/>
-                <a:latin typeface=" Cascadia Code PL"/>
-              </a:rPr>
-              <a:t>orderby</a:t>
-            </a:r>
-            <a:r>
-              <a:rPr lang="en-US" sz="3200" b="0" dirty="0">
-                <a:solidFill>
-                  <a:srgbClr val="D4D4D4"/>
-                </a:solidFill>
-                <a:effectLst/>
-                <a:latin typeface=" Cascadia Code PL"/>
-              </a:rPr>
-              <a:t> </a:t>
-            </a:r>
-            <a:r>
-              <a:rPr lang="en-US" sz="3200" b="0" dirty="0" err="1">
-                <a:solidFill>
-                  <a:srgbClr val="9CDCFE"/>
-                </a:solidFill>
-                <a:effectLst/>
-                <a:latin typeface=" Cascadia Code PL"/>
-              </a:rPr>
-              <a:t>c</a:t>
-            </a:r>
-            <a:r>
-              <a:rPr lang="en-US" sz="3200" b="0" dirty="0" err="1">
-                <a:solidFill>
-                  <a:srgbClr val="D4D4D4"/>
-                </a:solidFill>
-                <a:effectLst/>
-                <a:latin typeface=" Cascadia Code PL"/>
-              </a:rPr>
-              <a:t>.</a:t>
-            </a:r>
-            <a:r>
-              <a:rPr lang="en-US" sz="3200" b="0" dirty="0" err="1">
-                <a:solidFill>
-                  <a:srgbClr val="9CDCFE"/>
-                </a:solidFill>
-                <a:effectLst/>
-                <a:latin typeface=" Cascadia Code PL"/>
-              </a:rPr>
-              <a:t>Name</a:t>
-            </a:r>
-            <a:r>
-              <a:rPr lang="en-US" sz="3200" b="0" dirty="0">
-                <a:solidFill>
-                  <a:srgbClr val="D4D4D4"/>
-                </a:solidFill>
-                <a:effectLst/>
-                <a:latin typeface=" Cascadia Code PL"/>
-              </a:rPr>
-              <a:t> </a:t>
-            </a:r>
-            <a:r>
-              <a:rPr lang="en-US" sz="3200" b="0" dirty="0">
-                <a:solidFill>
-                  <a:srgbClr val="569CD6"/>
-                </a:solidFill>
-                <a:effectLst/>
-                <a:latin typeface=" Cascadia Code PL"/>
-              </a:rPr>
-              <a:t>descending</a:t>
-            </a:r>
-            <a:endParaRPr lang="en-US" sz="3200" b="0" dirty="0">
-              <a:solidFill>
-                <a:srgbClr val="D4D4D4"/>
-              </a:solidFill>
-              <a:effectLst/>
-              <a:latin typeface=" Cascadia Code PL"/>
-            </a:endParaRPr>
-          </a:p>
-          <a:p>
-            <a:r>
-              <a:rPr lang="en-US" sz="3200" b="0" dirty="0">
-                <a:solidFill>
-                  <a:srgbClr val="D4D4D4"/>
-                </a:solidFill>
-                <a:effectLst/>
-                <a:latin typeface=" Cascadia Code PL"/>
-              </a:rPr>
-              <a:t>             </a:t>
-            </a:r>
-            <a:r>
-              <a:rPr lang="en-US" sz="3200" b="0" dirty="0">
-                <a:solidFill>
-                  <a:srgbClr val="569CD6"/>
-                </a:solidFill>
-                <a:effectLst/>
-                <a:latin typeface=" Cascadia Code PL"/>
-              </a:rPr>
-              <a:t>select</a:t>
-            </a:r>
-            <a:r>
-              <a:rPr lang="en-US" sz="3200" b="0" dirty="0">
-                <a:solidFill>
-                  <a:srgbClr val="D4D4D4"/>
-                </a:solidFill>
-                <a:effectLst/>
-                <a:latin typeface=" Cascadia Code PL"/>
-              </a:rPr>
-              <a:t> </a:t>
-            </a:r>
-            <a:r>
-              <a:rPr lang="en-US" sz="3200" b="0" dirty="0">
-                <a:solidFill>
-                  <a:srgbClr val="569CD6"/>
-                </a:solidFill>
-                <a:effectLst/>
-                <a:latin typeface=" Cascadia Code PL"/>
-              </a:rPr>
-              <a:t>new</a:t>
-            </a:r>
-            <a:r>
-              <a:rPr lang="en-US" sz="3200" b="0" dirty="0">
-                <a:solidFill>
-                  <a:srgbClr val="D4D4D4"/>
-                </a:solidFill>
-                <a:effectLst/>
-                <a:latin typeface=" Cascadia Code PL"/>
-              </a:rPr>
-              <a:t> { </a:t>
-            </a:r>
-            <a:r>
-              <a:rPr lang="en-US" sz="3200" b="0" dirty="0">
-                <a:solidFill>
-                  <a:srgbClr val="9CDCFE"/>
-                </a:solidFill>
-                <a:effectLst/>
-                <a:latin typeface=" Cascadia Code PL"/>
-              </a:rPr>
-              <a:t>Name</a:t>
-            </a:r>
-            <a:r>
-              <a:rPr lang="en-US" sz="3200" b="0" dirty="0">
-                <a:solidFill>
-                  <a:srgbClr val="D4D4D4"/>
-                </a:solidFill>
-                <a:effectLst/>
-                <a:latin typeface=" Cascadia Code PL"/>
-              </a:rPr>
-              <a:t> = </a:t>
-            </a:r>
-            <a:r>
-              <a:rPr lang="en-US" sz="3200" b="0" dirty="0" err="1">
-                <a:solidFill>
-                  <a:srgbClr val="9CDCFE"/>
-                </a:solidFill>
-                <a:effectLst/>
-                <a:latin typeface=" Cascadia Code PL"/>
-              </a:rPr>
-              <a:t>c</a:t>
-            </a:r>
-            <a:r>
-              <a:rPr lang="en-US" sz="3200" b="0" dirty="0" err="1">
-                <a:solidFill>
-                  <a:srgbClr val="D4D4D4"/>
-                </a:solidFill>
-                <a:effectLst/>
-                <a:latin typeface=" Cascadia Code PL"/>
-              </a:rPr>
-              <a:t>.</a:t>
-            </a:r>
-            <a:r>
-              <a:rPr lang="en-US" sz="3200" b="0" dirty="0" err="1">
-                <a:solidFill>
-                  <a:srgbClr val="9CDCFE"/>
-                </a:solidFill>
-                <a:effectLst/>
-                <a:latin typeface=" Cascadia Code PL"/>
-              </a:rPr>
-              <a:t>Name</a:t>
-            </a:r>
-            <a:r>
-              <a:rPr lang="en-US" sz="3200" b="0" dirty="0">
-                <a:solidFill>
-                  <a:srgbClr val="D4D4D4"/>
-                </a:solidFill>
-                <a:effectLst/>
-                <a:latin typeface=" Cascadia Code PL"/>
-              </a:rPr>
-              <a:t> };</a:t>
-            </a:r>
+              <a:t>"Frankfurt"</a:t>
+            </a:r>
+            <a:r>
+              <a:rPr lang="da-DK" sz="3200" b="0" dirty="0">
+                <a:solidFill>
+                  <a:srgbClr val="D4D4D4"/>
+                </a:solidFill>
+                <a:effectLst/>
+                <a:latin typeface=" Cascadia Code PL"/>
+              </a:rPr>
+              <a:t> }</a:t>
+            </a:r>
+          </a:p>
+          <a:p>
+            <a:r>
+              <a:rPr lang="da-DK" sz="3200" b="0" dirty="0">
+                <a:solidFill>
+                  <a:srgbClr val="D4D4D4"/>
+                </a:solidFill>
+                <a:effectLst/>
+                <a:latin typeface=" Cascadia Code PL"/>
+              </a:rPr>
+              <a:t>};</a:t>
+            </a:r>
+          </a:p>
+          <a:p>
+            <a:endParaRPr lang="LID4096" sz="3200" dirty="0"/>
           </a:p>
         </p:txBody>
       </p:sp>
     </p:spTree>
     <p:extLst>
       <p:ext uri="{BB962C8B-B14F-4D97-AF65-F5344CB8AC3E}">
-        <p14:creationId xmlns:p14="http://schemas.microsoft.com/office/powerpoint/2010/main" val="2466892665"/>
+        <p14:creationId xmlns:p14="http://schemas.microsoft.com/office/powerpoint/2010/main" val="2679602709"/>
       </p:ext>
     </p:extLst>
   </p:cSld>
@@ -24505,10 +22738,10 @@
       </p:grpSpPr>
       <p:sp>
         <p:nvSpPr>
-          <p:cNvPr id="4" name="Title 3">
+          <p:cNvPr id="2" name="Title 1">
             <a:extLst>
               <a:ext uri="{FF2B5EF4-FFF2-40B4-BE49-F238E27FC236}">
-                <a16:creationId xmlns:a16="http://schemas.microsoft.com/office/drawing/2014/main" id="{CAF75441-047F-413A-9DE7-BA59FCB95C77}"/>
+                <a16:creationId xmlns:a16="http://schemas.microsoft.com/office/drawing/2014/main" id="{E110ED43-9514-4468-B298-66B2CC314908}"/>
               </a:ext>
             </a:extLst>
           </p:cNvPr>
@@ -24525,35 +22758,1181 @@
           <a:lstStyle/>
           <a:p>
             <a:r>
-              <a:rPr lang="en-US" dirty="0"/>
-              <a:t>LINQ demo</a:t>
+              <a:rPr lang="da-DK" dirty="0"/>
+              <a:t>Extension methods 1/2</a:t>
             </a:r>
             <a:endParaRPr lang="LID4096" dirty="0"/>
+          </a:p>
+        </p:txBody>
+      </p:sp>
+      <p:sp>
+        <p:nvSpPr>
+          <p:cNvPr id="3" name="Text Placeholder 2">
+            <a:extLst>
+              <a:ext uri="{FF2B5EF4-FFF2-40B4-BE49-F238E27FC236}">
+                <a16:creationId xmlns:a16="http://schemas.microsoft.com/office/drawing/2014/main" id="{170F43C1-9E00-4F8E-85FA-EC2886EAB80C}"/>
+              </a:ext>
+            </a:extLst>
+          </p:cNvPr>
+          <p:cNvSpPr>
+            <a:spLocks noGrp="1"/>
+          </p:cNvSpPr>
+          <p:nvPr>
+            <p:ph type="body" sz="quarter" idx="10"/>
+          </p:nvPr>
+        </p:nvSpPr>
+        <p:spPr>
+          <a:xfrm>
+            <a:off x="588263" y="1436688"/>
+            <a:ext cx="11018520" cy="4739759"/>
+          </a:xfrm>
+        </p:spPr>
+        <p:txBody>
+          <a:bodyPr/>
+          <a:lstStyle/>
+          <a:p>
+            <a:r>
+              <a:rPr lang="da-DK" sz="2000" b="0" dirty="0">
+                <a:solidFill>
+                  <a:srgbClr val="569CD6"/>
+                </a:solidFill>
+                <a:effectLst/>
+                <a:latin typeface=" Cascadia Code PL"/>
+              </a:rPr>
+              <a:t>var</a:t>
+            </a:r>
+            <a:r>
+              <a:rPr lang="da-DK" sz="2000" b="0" dirty="0">
+                <a:solidFill>
+                  <a:srgbClr val="D4D4D4"/>
+                </a:solidFill>
+                <a:effectLst/>
+                <a:latin typeface=" Cascadia Code PL"/>
+              </a:rPr>
+              <a:t> </a:t>
+            </a:r>
+            <a:r>
+              <a:rPr lang="da-DK" sz="2000" b="0" dirty="0">
+                <a:solidFill>
+                  <a:srgbClr val="9CDCFE"/>
+                </a:solidFill>
+                <a:effectLst/>
+                <a:latin typeface=" Cascadia Code PL"/>
+              </a:rPr>
+              <a:t>count</a:t>
+            </a:r>
+            <a:r>
+              <a:rPr lang="da-DK" sz="2000" b="0" dirty="0">
+                <a:solidFill>
+                  <a:srgbClr val="D4D4D4"/>
+                </a:solidFill>
+                <a:effectLst/>
+                <a:latin typeface=" Cascadia Code PL"/>
+              </a:rPr>
+              <a:t> = </a:t>
+            </a:r>
+            <a:r>
+              <a:rPr lang="da-DK" sz="2000" b="0" dirty="0">
+                <a:solidFill>
+                  <a:srgbClr val="9CDCFE"/>
+                </a:solidFill>
+                <a:effectLst/>
+                <a:latin typeface=" Cascadia Code PL"/>
+              </a:rPr>
+              <a:t>cities</a:t>
+            </a:r>
+            <a:r>
+              <a:rPr lang="da-DK" sz="2000" b="0" dirty="0">
+                <a:solidFill>
+                  <a:srgbClr val="D4D4D4"/>
+                </a:solidFill>
+                <a:effectLst/>
+                <a:latin typeface=" Cascadia Code PL"/>
+              </a:rPr>
+              <a:t>.</a:t>
+            </a:r>
+            <a:r>
+              <a:rPr lang="da-DK" sz="2000" b="0" dirty="0">
+                <a:solidFill>
+                  <a:srgbClr val="DCDCAA"/>
+                </a:solidFill>
+                <a:effectLst/>
+                <a:latin typeface=" Cascadia Code PL"/>
+              </a:rPr>
+              <a:t>Count</a:t>
+            </a:r>
+            <a:r>
+              <a:rPr lang="da-DK" sz="2000" b="0" dirty="0">
+                <a:solidFill>
+                  <a:srgbClr val="D4D4D4"/>
+                </a:solidFill>
+                <a:effectLst/>
+                <a:latin typeface=" Cascadia Code PL"/>
+              </a:rPr>
+              <a:t>();</a:t>
+            </a:r>
+          </a:p>
+          <a:p>
+            <a:endParaRPr lang="da-DK" sz="2000" b="0" dirty="0">
+              <a:solidFill>
+                <a:srgbClr val="569CD6"/>
+              </a:solidFill>
+              <a:effectLst/>
+              <a:latin typeface=" Cascadia Code PL"/>
+            </a:endParaRPr>
+          </a:p>
+          <a:p>
+            <a:r>
+              <a:rPr lang="da-DK" sz="2000" b="0" dirty="0">
+                <a:solidFill>
+                  <a:srgbClr val="569CD6"/>
+                </a:solidFill>
+                <a:effectLst/>
+                <a:latin typeface=" Cascadia Code PL"/>
+              </a:rPr>
+              <a:t>var</a:t>
+            </a:r>
+            <a:r>
+              <a:rPr lang="da-DK" sz="2000" b="0" dirty="0">
+                <a:solidFill>
+                  <a:srgbClr val="D4D4D4"/>
+                </a:solidFill>
+                <a:effectLst/>
+                <a:latin typeface=" Cascadia Code PL"/>
+              </a:rPr>
+              <a:t> </a:t>
+            </a:r>
+            <a:r>
+              <a:rPr lang="da-DK" sz="2000" b="0" dirty="0">
+                <a:solidFill>
+                  <a:srgbClr val="9CDCFE"/>
+                </a:solidFill>
+                <a:effectLst/>
+                <a:latin typeface=" Cascadia Code PL"/>
+              </a:rPr>
+              <a:t>sorted</a:t>
+            </a:r>
+            <a:r>
+              <a:rPr lang="da-DK" sz="2000" b="0" dirty="0">
+                <a:solidFill>
+                  <a:srgbClr val="D4D4D4"/>
+                </a:solidFill>
+                <a:effectLst/>
+                <a:latin typeface=" Cascadia Code PL"/>
+              </a:rPr>
+              <a:t> = </a:t>
+            </a:r>
+            <a:r>
+              <a:rPr lang="da-DK" sz="2000" b="0" dirty="0">
+                <a:solidFill>
+                  <a:srgbClr val="9CDCFE"/>
+                </a:solidFill>
+                <a:effectLst/>
+                <a:latin typeface=" Cascadia Code PL"/>
+              </a:rPr>
+              <a:t>cities</a:t>
+            </a:r>
+            <a:r>
+              <a:rPr lang="da-DK" sz="2000" b="0" dirty="0">
+                <a:solidFill>
+                  <a:srgbClr val="D4D4D4"/>
+                </a:solidFill>
+                <a:effectLst/>
+                <a:latin typeface=" Cascadia Code PL"/>
+              </a:rPr>
+              <a:t>.</a:t>
+            </a:r>
+            <a:r>
+              <a:rPr lang="da-DK" sz="2000" b="0" dirty="0">
+                <a:solidFill>
+                  <a:srgbClr val="DCDCAA"/>
+                </a:solidFill>
+                <a:effectLst/>
+                <a:latin typeface=" Cascadia Code PL"/>
+              </a:rPr>
+              <a:t>OrderBy</a:t>
+            </a:r>
+            <a:r>
+              <a:rPr lang="da-DK" sz="2000" b="0" dirty="0">
+                <a:solidFill>
+                  <a:srgbClr val="D4D4D4"/>
+                </a:solidFill>
+                <a:effectLst/>
+                <a:latin typeface=" Cascadia Code PL"/>
+              </a:rPr>
+              <a:t>(</a:t>
+            </a:r>
+            <a:r>
+              <a:rPr lang="da-DK" sz="2000" b="0" dirty="0">
+                <a:solidFill>
+                  <a:srgbClr val="9CDCFE"/>
+                </a:solidFill>
+                <a:effectLst/>
+                <a:latin typeface=" Cascadia Code PL"/>
+              </a:rPr>
+              <a:t>c</a:t>
+            </a:r>
+            <a:r>
+              <a:rPr lang="da-DK" sz="2000" b="0" dirty="0">
+                <a:solidFill>
+                  <a:srgbClr val="D4D4D4"/>
+                </a:solidFill>
+                <a:effectLst/>
+                <a:latin typeface=" Cascadia Code PL"/>
+              </a:rPr>
+              <a:t> =&gt; </a:t>
+            </a:r>
+            <a:r>
+              <a:rPr lang="da-DK" sz="2000" b="0" dirty="0">
+                <a:solidFill>
+                  <a:srgbClr val="9CDCFE"/>
+                </a:solidFill>
+                <a:effectLst/>
+                <a:latin typeface=" Cascadia Code PL"/>
+              </a:rPr>
+              <a:t>c</a:t>
+            </a:r>
+            <a:r>
+              <a:rPr lang="da-DK" sz="2000" b="0" dirty="0">
+                <a:solidFill>
+                  <a:srgbClr val="D4D4D4"/>
+                </a:solidFill>
+                <a:effectLst/>
+                <a:latin typeface=" Cascadia Code PL"/>
+              </a:rPr>
+              <a:t>.</a:t>
+            </a:r>
+            <a:r>
+              <a:rPr lang="da-DK" sz="2000" b="0" dirty="0">
+                <a:solidFill>
+                  <a:srgbClr val="9CDCFE"/>
+                </a:solidFill>
+                <a:effectLst/>
+                <a:latin typeface=" Cascadia Code PL"/>
+              </a:rPr>
+              <a:t>Name</a:t>
+            </a:r>
+            <a:r>
+              <a:rPr lang="da-DK" sz="2000" b="0" dirty="0">
+                <a:solidFill>
+                  <a:srgbClr val="D4D4D4"/>
+                </a:solidFill>
+                <a:effectLst/>
+                <a:latin typeface=" Cascadia Code PL"/>
+              </a:rPr>
+              <a:t>);</a:t>
+            </a:r>
+          </a:p>
+          <a:p>
+            <a:endParaRPr lang="da-DK" sz="2000" b="0" dirty="0">
+              <a:solidFill>
+                <a:srgbClr val="569CD6"/>
+              </a:solidFill>
+              <a:effectLst/>
+              <a:latin typeface=" Cascadia Code PL"/>
+            </a:endParaRPr>
+          </a:p>
+          <a:p>
+            <a:r>
+              <a:rPr lang="da-DK" sz="2000" b="0" dirty="0">
+                <a:solidFill>
+                  <a:srgbClr val="569CD6"/>
+                </a:solidFill>
+                <a:effectLst/>
+                <a:latin typeface=" Cascadia Code PL"/>
+              </a:rPr>
+              <a:t>var</a:t>
+            </a:r>
+            <a:r>
+              <a:rPr lang="da-DK" sz="2000" b="0" dirty="0">
+                <a:solidFill>
+                  <a:srgbClr val="D4D4D4"/>
+                </a:solidFill>
+                <a:effectLst/>
+                <a:latin typeface=" Cascadia Code PL"/>
+              </a:rPr>
+              <a:t> </a:t>
+            </a:r>
+            <a:r>
+              <a:rPr lang="da-DK" sz="2000" b="0" dirty="0">
+                <a:solidFill>
+                  <a:srgbClr val="9CDCFE"/>
+                </a:solidFill>
+                <a:effectLst/>
+                <a:latin typeface=" Cascadia Code PL"/>
+              </a:rPr>
+              <a:t>filtered</a:t>
+            </a:r>
+            <a:r>
+              <a:rPr lang="da-DK" sz="2000" b="0" dirty="0">
+                <a:solidFill>
+                  <a:srgbClr val="D4D4D4"/>
+                </a:solidFill>
+                <a:effectLst/>
+                <a:latin typeface=" Cascadia Code PL"/>
+              </a:rPr>
+              <a:t> = </a:t>
+            </a:r>
+            <a:r>
+              <a:rPr lang="da-DK" sz="2000" b="0" dirty="0">
+                <a:solidFill>
+                  <a:srgbClr val="9CDCFE"/>
+                </a:solidFill>
+                <a:effectLst/>
+                <a:latin typeface=" Cascadia Code PL"/>
+              </a:rPr>
+              <a:t>cities</a:t>
+            </a:r>
+            <a:r>
+              <a:rPr lang="da-DK" sz="2000" b="0" dirty="0">
+                <a:solidFill>
+                  <a:srgbClr val="D4D4D4"/>
+                </a:solidFill>
+                <a:effectLst/>
+                <a:latin typeface=" Cascadia Code PL"/>
+              </a:rPr>
+              <a:t>.</a:t>
+            </a:r>
+            <a:r>
+              <a:rPr lang="da-DK" sz="2000" b="0" dirty="0">
+                <a:solidFill>
+                  <a:srgbClr val="DCDCAA"/>
+                </a:solidFill>
+                <a:effectLst/>
+                <a:latin typeface=" Cascadia Code PL"/>
+              </a:rPr>
+              <a:t>Where</a:t>
+            </a:r>
+            <a:r>
+              <a:rPr lang="da-DK" sz="2000" b="0" dirty="0">
+                <a:solidFill>
+                  <a:srgbClr val="D4D4D4"/>
+                </a:solidFill>
+                <a:effectLst/>
+                <a:latin typeface=" Cascadia Code PL"/>
+              </a:rPr>
+              <a:t>(</a:t>
+            </a:r>
+            <a:r>
+              <a:rPr lang="da-DK" sz="2000" b="0" dirty="0">
+                <a:solidFill>
+                  <a:srgbClr val="9CDCFE"/>
+                </a:solidFill>
+                <a:effectLst/>
+                <a:latin typeface=" Cascadia Code PL"/>
+              </a:rPr>
+              <a:t>c</a:t>
+            </a:r>
+            <a:r>
+              <a:rPr lang="da-DK" sz="2000" b="0" dirty="0">
+                <a:solidFill>
+                  <a:srgbClr val="D4D4D4"/>
+                </a:solidFill>
+                <a:effectLst/>
+                <a:latin typeface=" Cascadia Code PL"/>
+              </a:rPr>
+              <a:t> =&gt; </a:t>
+            </a:r>
+            <a:r>
+              <a:rPr lang="da-DK" sz="2000" b="0" dirty="0">
+                <a:solidFill>
+                  <a:srgbClr val="9CDCFE"/>
+                </a:solidFill>
+                <a:effectLst/>
+                <a:latin typeface=" Cascadia Code PL"/>
+              </a:rPr>
+              <a:t>c</a:t>
+            </a:r>
+            <a:r>
+              <a:rPr lang="da-DK" sz="2000" b="0" dirty="0">
+                <a:solidFill>
+                  <a:srgbClr val="D4D4D4"/>
+                </a:solidFill>
+                <a:effectLst/>
+                <a:latin typeface=" Cascadia Code PL"/>
+              </a:rPr>
+              <a:t>.</a:t>
+            </a:r>
+            <a:r>
+              <a:rPr lang="da-DK" sz="2000" b="0" dirty="0">
+                <a:solidFill>
+                  <a:srgbClr val="9CDCFE"/>
+                </a:solidFill>
+                <a:effectLst/>
+                <a:latin typeface=" Cascadia Code PL"/>
+              </a:rPr>
+              <a:t>Name</a:t>
+            </a:r>
+            <a:r>
+              <a:rPr lang="da-DK" sz="2000" b="0" dirty="0">
+                <a:solidFill>
+                  <a:srgbClr val="D4D4D4"/>
+                </a:solidFill>
+                <a:effectLst/>
+                <a:latin typeface=" Cascadia Code PL"/>
+              </a:rPr>
+              <a:t>.</a:t>
+            </a:r>
+            <a:r>
+              <a:rPr lang="da-DK" sz="2000" b="0" dirty="0">
+                <a:solidFill>
+                  <a:srgbClr val="DCDCAA"/>
+                </a:solidFill>
+                <a:effectLst/>
+                <a:latin typeface=" Cascadia Code PL"/>
+              </a:rPr>
+              <a:t>Contains</a:t>
+            </a:r>
+            <a:r>
+              <a:rPr lang="da-DK" sz="2000" b="0" dirty="0">
+                <a:solidFill>
+                  <a:srgbClr val="D4D4D4"/>
+                </a:solidFill>
+                <a:effectLst/>
+                <a:latin typeface=" Cascadia Code PL"/>
+              </a:rPr>
+              <a:t>(</a:t>
+            </a:r>
+            <a:r>
+              <a:rPr lang="da-DK" sz="2000" b="0" dirty="0">
+                <a:solidFill>
+                  <a:srgbClr val="CE9178"/>
+                </a:solidFill>
+                <a:effectLst/>
+                <a:latin typeface=" Cascadia Code PL"/>
+              </a:rPr>
+              <a:t>"i"</a:t>
+            </a:r>
+            <a:r>
+              <a:rPr lang="da-DK" sz="2000" b="0" dirty="0">
+                <a:solidFill>
+                  <a:srgbClr val="D4D4D4"/>
+                </a:solidFill>
+                <a:effectLst/>
+                <a:latin typeface=" Cascadia Code PL"/>
+              </a:rPr>
+              <a:t>));</a:t>
+            </a:r>
+          </a:p>
+          <a:p>
+            <a:endParaRPr lang="da-DK" sz="2000" b="0" dirty="0">
+              <a:solidFill>
+                <a:srgbClr val="569CD6"/>
+              </a:solidFill>
+              <a:effectLst/>
+              <a:latin typeface=" Cascadia Code PL"/>
+            </a:endParaRPr>
+          </a:p>
+          <a:p>
+            <a:r>
+              <a:rPr lang="da-DK" sz="2000" b="0" dirty="0">
+                <a:solidFill>
+                  <a:srgbClr val="569CD6"/>
+                </a:solidFill>
+                <a:effectLst/>
+                <a:latin typeface=" Cascadia Code PL"/>
+              </a:rPr>
+              <a:t>var</a:t>
+            </a:r>
+            <a:r>
+              <a:rPr lang="da-DK" sz="2000" b="0" dirty="0">
+                <a:solidFill>
+                  <a:srgbClr val="D4D4D4"/>
+                </a:solidFill>
+                <a:effectLst/>
+                <a:latin typeface=" Cascadia Code PL"/>
+              </a:rPr>
+              <a:t> </a:t>
+            </a:r>
+            <a:r>
+              <a:rPr lang="da-DK" sz="2000" b="0" dirty="0">
+                <a:solidFill>
+                  <a:srgbClr val="9CDCFE"/>
+                </a:solidFill>
+                <a:effectLst/>
+                <a:latin typeface=" Cascadia Code PL"/>
+              </a:rPr>
+              <a:t>pick</a:t>
+            </a:r>
+            <a:r>
+              <a:rPr lang="da-DK" sz="2000" b="0" dirty="0">
+                <a:solidFill>
+                  <a:srgbClr val="D4D4D4"/>
+                </a:solidFill>
+                <a:effectLst/>
+                <a:latin typeface=" Cascadia Code PL"/>
+              </a:rPr>
+              <a:t> = </a:t>
+            </a:r>
+            <a:r>
+              <a:rPr lang="da-DK" sz="2000" b="0" dirty="0">
+                <a:solidFill>
+                  <a:srgbClr val="9CDCFE"/>
+                </a:solidFill>
+                <a:effectLst/>
+                <a:latin typeface=" Cascadia Code PL"/>
+              </a:rPr>
+              <a:t>cities</a:t>
+            </a:r>
+            <a:r>
+              <a:rPr lang="da-DK" sz="2000" b="0" dirty="0">
+                <a:solidFill>
+                  <a:srgbClr val="D4D4D4"/>
+                </a:solidFill>
+                <a:effectLst/>
+                <a:latin typeface=" Cascadia Code PL"/>
+              </a:rPr>
+              <a:t>.</a:t>
+            </a:r>
+            <a:r>
+              <a:rPr lang="da-DK" sz="2000" b="0" dirty="0">
+                <a:solidFill>
+                  <a:srgbClr val="DCDCAA"/>
+                </a:solidFill>
+                <a:effectLst/>
+                <a:latin typeface=" Cascadia Code PL"/>
+              </a:rPr>
+              <a:t>FirstOrDefault</a:t>
+            </a:r>
+            <a:r>
+              <a:rPr lang="da-DK" sz="2000" b="0" dirty="0">
+                <a:solidFill>
+                  <a:srgbClr val="D4D4D4"/>
+                </a:solidFill>
+                <a:effectLst/>
+                <a:latin typeface=" Cascadia Code PL"/>
+              </a:rPr>
+              <a:t>(</a:t>
+            </a:r>
+            <a:r>
+              <a:rPr lang="da-DK" sz="2000" b="0" dirty="0">
+                <a:solidFill>
+                  <a:srgbClr val="9CDCFE"/>
+                </a:solidFill>
+                <a:effectLst/>
+                <a:latin typeface=" Cascadia Code PL"/>
+              </a:rPr>
+              <a:t>c</a:t>
+            </a:r>
+            <a:r>
+              <a:rPr lang="da-DK" sz="2000" b="0" dirty="0">
+                <a:solidFill>
+                  <a:srgbClr val="D4D4D4"/>
+                </a:solidFill>
+                <a:effectLst/>
+                <a:latin typeface=" Cascadia Code PL"/>
+              </a:rPr>
+              <a:t> =&gt; </a:t>
+            </a:r>
+            <a:r>
+              <a:rPr lang="da-DK" sz="2000" b="0" dirty="0">
+                <a:solidFill>
+                  <a:srgbClr val="9CDCFE"/>
+                </a:solidFill>
+                <a:effectLst/>
+                <a:latin typeface=" Cascadia Code PL"/>
+              </a:rPr>
+              <a:t>c</a:t>
+            </a:r>
+            <a:r>
+              <a:rPr lang="da-DK" sz="2000" b="0" dirty="0">
+                <a:solidFill>
+                  <a:srgbClr val="D4D4D4"/>
+                </a:solidFill>
+                <a:effectLst/>
+                <a:latin typeface=" Cascadia Code PL"/>
+              </a:rPr>
+              <a:t>.</a:t>
+            </a:r>
+            <a:r>
+              <a:rPr lang="da-DK" sz="2000" b="0" dirty="0">
+                <a:solidFill>
+                  <a:srgbClr val="9CDCFE"/>
+                </a:solidFill>
+                <a:effectLst/>
+                <a:latin typeface=" Cascadia Code PL"/>
+              </a:rPr>
+              <a:t>Id</a:t>
+            </a:r>
+            <a:r>
+              <a:rPr lang="da-DK" sz="2000" b="0" dirty="0">
+                <a:solidFill>
+                  <a:srgbClr val="D4D4D4"/>
+                </a:solidFill>
+                <a:effectLst/>
+                <a:latin typeface=" Cascadia Code PL"/>
+              </a:rPr>
+              <a:t> == </a:t>
+            </a:r>
+            <a:r>
+              <a:rPr lang="da-DK" sz="2000" b="0" dirty="0">
+                <a:solidFill>
+                  <a:srgbClr val="B5CEA8"/>
+                </a:solidFill>
+                <a:effectLst/>
+                <a:latin typeface=" Cascadia Code PL"/>
+              </a:rPr>
+              <a:t>2</a:t>
+            </a:r>
+            <a:r>
+              <a:rPr lang="da-DK" sz="2000" b="0" dirty="0">
+                <a:solidFill>
+                  <a:srgbClr val="D4D4D4"/>
+                </a:solidFill>
+                <a:effectLst/>
+                <a:latin typeface=" Cascadia Code PL"/>
+              </a:rPr>
+              <a:t>);</a:t>
+            </a:r>
+          </a:p>
+          <a:p>
+            <a:endParaRPr lang="da-DK" sz="2000" b="0" dirty="0">
+              <a:solidFill>
+                <a:srgbClr val="569CD6"/>
+              </a:solidFill>
+              <a:effectLst/>
+              <a:latin typeface=" Cascadia Code PL"/>
+            </a:endParaRPr>
+          </a:p>
+          <a:p>
+            <a:r>
+              <a:rPr lang="da-DK" sz="2000" b="0" dirty="0">
+                <a:solidFill>
+                  <a:srgbClr val="569CD6"/>
+                </a:solidFill>
+                <a:effectLst/>
+                <a:latin typeface=" Cascadia Code PL"/>
+              </a:rPr>
+              <a:t>var</a:t>
+            </a:r>
+            <a:r>
+              <a:rPr lang="da-DK" sz="2000" b="0" dirty="0">
+                <a:solidFill>
+                  <a:srgbClr val="D4D4D4"/>
+                </a:solidFill>
+                <a:effectLst/>
+                <a:latin typeface=" Cascadia Code PL"/>
+              </a:rPr>
+              <a:t> </a:t>
+            </a:r>
+            <a:r>
+              <a:rPr lang="da-DK" sz="2000" b="0" dirty="0">
+                <a:solidFill>
+                  <a:srgbClr val="9CDCFE"/>
+                </a:solidFill>
+                <a:effectLst/>
+                <a:latin typeface=" Cascadia Code PL"/>
+              </a:rPr>
+              <a:t>all</a:t>
+            </a:r>
+            <a:r>
+              <a:rPr lang="da-DK" sz="2000" b="0" dirty="0">
+                <a:solidFill>
+                  <a:srgbClr val="D4D4D4"/>
+                </a:solidFill>
+                <a:effectLst/>
+                <a:latin typeface=" Cascadia Code PL"/>
+              </a:rPr>
+              <a:t> = </a:t>
+            </a:r>
+            <a:r>
+              <a:rPr lang="da-DK" sz="2000" b="0" dirty="0">
+                <a:solidFill>
+                  <a:srgbClr val="9CDCFE"/>
+                </a:solidFill>
+                <a:effectLst/>
+                <a:latin typeface=" Cascadia Code PL"/>
+              </a:rPr>
+              <a:t>cities</a:t>
+            </a:r>
+            <a:r>
+              <a:rPr lang="da-DK" sz="2000" b="0" dirty="0">
+                <a:solidFill>
+                  <a:srgbClr val="D4D4D4"/>
+                </a:solidFill>
+                <a:effectLst/>
+                <a:latin typeface=" Cascadia Code PL"/>
+              </a:rPr>
+              <a:t>.</a:t>
+            </a:r>
+            <a:r>
+              <a:rPr lang="da-DK" sz="2000" b="0" dirty="0">
+                <a:solidFill>
+                  <a:srgbClr val="DCDCAA"/>
+                </a:solidFill>
+                <a:effectLst/>
+                <a:latin typeface=" Cascadia Code PL"/>
+              </a:rPr>
+              <a:t>All</a:t>
+            </a:r>
+            <a:r>
+              <a:rPr lang="da-DK" sz="2000" b="0" dirty="0">
+                <a:solidFill>
+                  <a:srgbClr val="D4D4D4"/>
+                </a:solidFill>
+                <a:effectLst/>
+                <a:latin typeface=" Cascadia Code PL"/>
+              </a:rPr>
+              <a:t>(</a:t>
+            </a:r>
+            <a:r>
+              <a:rPr lang="da-DK" sz="2000" b="0" dirty="0">
+                <a:solidFill>
+                  <a:srgbClr val="9CDCFE"/>
+                </a:solidFill>
+                <a:effectLst/>
+                <a:latin typeface=" Cascadia Code PL"/>
+              </a:rPr>
+              <a:t>c</a:t>
+            </a:r>
+            <a:r>
+              <a:rPr lang="da-DK" sz="2000" b="0" dirty="0">
+                <a:solidFill>
+                  <a:srgbClr val="D4D4D4"/>
+                </a:solidFill>
+                <a:effectLst/>
+                <a:latin typeface=" Cascadia Code PL"/>
+              </a:rPr>
+              <a:t> =&gt; </a:t>
+            </a:r>
+            <a:r>
+              <a:rPr lang="da-DK" sz="2000" b="0" dirty="0">
+                <a:solidFill>
+                  <a:srgbClr val="9CDCFE"/>
+                </a:solidFill>
+                <a:effectLst/>
+                <a:latin typeface=" Cascadia Code PL"/>
+              </a:rPr>
+              <a:t>c</a:t>
+            </a:r>
+            <a:r>
+              <a:rPr lang="da-DK" sz="2000" b="0" dirty="0">
+                <a:solidFill>
+                  <a:srgbClr val="D4D4D4"/>
+                </a:solidFill>
+                <a:effectLst/>
+                <a:latin typeface=" Cascadia Code PL"/>
+              </a:rPr>
+              <a:t>.</a:t>
+            </a:r>
+            <a:r>
+              <a:rPr lang="da-DK" sz="2000" b="0" dirty="0">
+                <a:solidFill>
+                  <a:srgbClr val="9CDCFE"/>
+                </a:solidFill>
+                <a:effectLst/>
+                <a:latin typeface=" Cascadia Code PL"/>
+              </a:rPr>
+              <a:t>Name</a:t>
+            </a:r>
+            <a:r>
+              <a:rPr lang="da-DK" sz="2000" b="0" dirty="0">
+                <a:solidFill>
+                  <a:srgbClr val="D4D4D4"/>
+                </a:solidFill>
+                <a:effectLst/>
+                <a:latin typeface=" Cascadia Code PL"/>
+              </a:rPr>
+              <a:t>.</a:t>
+            </a:r>
+            <a:r>
+              <a:rPr lang="da-DK" sz="2000" b="0" dirty="0">
+                <a:solidFill>
+                  <a:srgbClr val="9CDCFE"/>
+                </a:solidFill>
+                <a:effectLst/>
+                <a:latin typeface=" Cascadia Code PL"/>
+              </a:rPr>
+              <a:t>Length</a:t>
+            </a:r>
+            <a:r>
+              <a:rPr lang="da-DK" sz="2000" b="0" dirty="0">
+                <a:solidFill>
+                  <a:srgbClr val="D4D4D4"/>
+                </a:solidFill>
+                <a:effectLst/>
+                <a:latin typeface=" Cascadia Code PL"/>
+              </a:rPr>
+              <a:t> &lt; </a:t>
+            </a:r>
+            <a:r>
+              <a:rPr lang="da-DK" sz="2000" b="0" dirty="0">
+                <a:solidFill>
+                  <a:srgbClr val="B5CEA8"/>
+                </a:solidFill>
+                <a:effectLst/>
+                <a:latin typeface=" Cascadia Code PL"/>
+              </a:rPr>
+              <a:t>10</a:t>
+            </a:r>
+            <a:r>
+              <a:rPr lang="da-DK" sz="2000" b="0" dirty="0">
+                <a:solidFill>
+                  <a:srgbClr val="D4D4D4"/>
+                </a:solidFill>
+                <a:effectLst/>
+                <a:latin typeface=" Cascadia Code PL"/>
+              </a:rPr>
+              <a:t>);</a:t>
+            </a:r>
+          </a:p>
+          <a:p>
+            <a:endParaRPr lang="da-DK" sz="2000" b="0" dirty="0">
+              <a:solidFill>
+                <a:srgbClr val="569CD6"/>
+              </a:solidFill>
+              <a:effectLst/>
+              <a:latin typeface=" Cascadia Code PL"/>
+            </a:endParaRPr>
+          </a:p>
+          <a:p>
+            <a:r>
+              <a:rPr lang="da-DK" sz="2000" b="0" dirty="0">
+                <a:solidFill>
+                  <a:srgbClr val="569CD6"/>
+                </a:solidFill>
+                <a:effectLst/>
+                <a:latin typeface=" Cascadia Code PL"/>
+              </a:rPr>
+              <a:t>var</a:t>
+            </a:r>
+            <a:r>
+              <a:rPr lang="da-DK" sz="2000" b="0" dirty="0">
+                <a:solidFill>
+                  <a:srgbClr val="D4D4D4"/>
+                </a:solidFill>
+                <a:effectLst/>
+                <a:latin typeface=" Cascadia Code PL"/>
+              </a:rPr>
+              <a:t> </a:t>
+            </a:r>
+            <a:r>
+              <a:rPr lang="da-DK" sz="2000" b="0" dirty="0">
+                <a:solidFill>
+                  <a:srgbClr val="9CDCFE"/>
+                </a:solidFill>
+                <a:effectLst/>
+                <a:latin typeface=" Cascadia Code PL"/>
+              </a:rPr>
+              <a:t>any</a:t>
+            </a:r>
+            <a:r>
+              <a:rPr lang="da-DK" sz="2000" b="0" dirty="0">
+                <a:solidFill>
+                  <a:srgbClr val="D4D4D4"/>
+                </a:solidFill>
+                <a:effectLst/>
+                <a:latin typeface=" Cascadia Code PL"/>
+              </a:rPr>
+              <a:t> = </a:t>
+            </a:r>
+            <a:r>
+              <a:rPr lang="da-DK" sz="2000" b="0" dirty="0">
+                <a:solidFill>
+                  <a:srgbClr val="9CDCFE"/>
+                </a:solidFill>
+                <a:effectLst/>
+                <a:latin typeface=" Cascadia Code PL"/>
+              </a:rPr>
+              <a:t>cities</a:t>
+            </a:r>
+            <a:r>
+              <a:rPr lang="da-DK" sz="2000" b="0" dirty="0">
+                <a:solidFill>
+                  <a:srgbClr val="D4D4D4"/>
+                </a:solidFill>
+                <a:effectLst/>
+                <a:latin typeface=" Cascadia Code PL"/>
+              </a:rPr>
+              <a:t>.</a:t>
+            </a:r>
+            <a:r>
+              <a:rPr lang="da-DK" sz="2000" b="0" dirty="0">
+                <a:solidFill>
+                  <a:srgbClr val="DCDCAA"/>
+                </a:solidFill>
+                <a:effectLst/>
+                <a:latin typeface=" Cascadia Code PL"/>
+              </a:rPr>
+              <a:t>Any</a:t>
+            </a:r>
+            <a:r>
+              <a:rPr lang="da-DK" sz="2000" b="0" dirty="0">
+                <a:solidFill>
+                  <a:srgbClr val="D4D4D4"/>
+                </a:solidFill>
+                <a:effectLst/>
+                <a:latin typeface=" Cascadia Code PL"/>
+              </a:rPr>
+              <a:t>(</a:t>
+            </a:r>
+            <a:r>
+              <a:rPr lang="da-DK" sz="2000" b="0" dirty="0">
+                <a:solidFill>
+                  <a:srgbClr val="9CDCFE"/>
+                </a:solidFill>
+                <a:effectLst/>
+                <a:latin typeface=" Cascadia Code PL"/>
+              </a:rPr>
+              <a:t>c</a:t>
+            </a:r>
+            <a:r>
+              <a:rPr lang="da-DK" sz="2000" b="0" dirty="0">
+                <a:solidFill>
+                  <a:srgbClr val="D4D4D4"/>
+                </a:solidFill>
+                <a:effectLst/>
+                <a:latin typeface=" Cascadia Code PL"/>
+              </a:rPr>
+              <a:t> =&gt; </a:t>
+            </a:r>
+            <a:r>
+              <a:rPr lang="da-DK" sz="2000" b="0" dirty="0">
+                <a:solidFill>
+                  <a:srgbClr val="9CDCFE"/>
+                </a:solidFill>
+                <a:effectLst/>
+                <a:latin typeface=" Cascadia Code PL"/>
+              </a:rPr>
+              <a:t>c</a:t>
+            </a:r>
+            <a:r>
+              <a:rPr lang="da-DK" sz="2000" b="0" dirty="0">
+                <a:solidFill>
+                  <a:srgbClr val="D4D4D4"/>
+                </a:solidFill>
+                <a:effectLst/>
+                <a:latin typeface=" Cascadia Code PL"/>
+              </a:rPr>
+              <a:t>.</a:t>
+            </a:r>
+            <a:r>
+              <a:rPr lang="da-DK" sz="2000" b="0" dirty="0">
+                <a:solidFill>
+                  <a:srgbClr val="9CDCFE"/>
+                </a:solidFill>
+                <a:effectLst/>
+                <a:latin typeface=" Cascadia Code PL"/>
+              </a:rPr>
+              <a:t>Name</a:t>
+            </a:r>
+            <a:r>
+              <a:rPr lang="da-DK" sz="2000" b="0" dirty="0">
+                <a:solidFill>
+                  <a:srgbClr val="D4D4D4"/>
+                </a:solidFill>
+                <a:effectLst/>
+                <a:latin typeface=" Cascadia Code PL"/>
+              </a:rPr>
+              <a:t>.</a:t>
+            </a:r>
+            <a:r>
+              <a:rPr lang="da-DK" sz="2000" b="0" dirty="0">
+                <a:solidFill>
+                  <a:srgbClr val="DCDCAA"/>
+                </a:solidFill>
+                <a:effectLst/>
+                <a:latin typeface=" Cascadia Code PL"/>
+              </a:rPr>
+              <a:t>StartsWith</a:t>
+            </a:r>
+            <a:r>
+              <a:rPr lang="da-DK" sz="2000" b="0" dirty="0">
+                <a:solidFill>
+                  <a:srgbClr val="D4D4D4"/>
+                </a:solidFill>
+                <a:effectLst/>
+                <a:latin typeface=" Cascadia Code PL"/>
+              </a:rPr>
+              <a:t>(</a:t>
+            </a:r>
+            <a:r>
+              <a:rPr lang="da-DK" sz="2000" b="0" dirty="0">
+                <a:solidFill>
+                  <a:srgbClr val="CE9178"/>
+                </a:solidFill>
+                <a:effectLst/>
+                <a:latin typeface=" Cascadia Code PL"/>
+              </a:rPr>
+              <a:t>"B"</a:t>
+            </a:r>
+            <a:r>
+              <a:rPr lang="da-DK" sz="2000" b="0" dirty="0">
+                <a:solidFill>
+                  <a:srgbClr val="D4D4D4"/>
+                </a:solidFill>
+                <a:effectLst/>
+                <a:latin typeface=" Cascadia Code PL"/>
+              </a:rPr>
+              <a:t>));</a:t>
+            </a:r>
+          </a:p>
+          <a:p>
+            <a:endParaRPr lang="da-DK" sz="2000" b="0" dirty="0">
+              <a:solidFill>
+                <a:srgbClr val="569CD6"/>
+              </a:solidFill>
+              <a:effectLst/>
+              <a:latin typeface=" Cascadia Code PL"/>
+            </a:endParaRPr>
+          </a:p>
+          <a:p>
+            <a:r>
+              <a:rPr lang="da-DK" sz="2000" b="0" dirty="0">
+                <a:solidFill>
+                  <a:srgbClr val="569CD6"/>
+                </a:solidFill>
+                <a:effectLst/>
+                <a:latin typeface=" Cascadia Code PL"/>
+              </a:rPr>
+              <a:t>var</a:t>
+            </a:r>
+            <a:r>
+              <a:rPr lang="da-DK" sz="2000" b="0" dirty="0">
+                <a:solidFill>
+                  <a:srgbClr val="D4D4D4"/>
+                </a:solidFill>
+                <a:effectLst/>
+                <a:latin typeface=" Cascadia Code PL"/>
+              </a:rPr>
+              <a:t> </a:t>
+            </a:r>
+            <a:r>
+              <a:rPr lang="da-DK" sz="2000" b="0" dirty="0">
+                <a:solidFill>
+                  <a:srgbClr val="9CDCFE"/>
+                </a:solidFill>
+                <a:effectLst/>
+                <a:latin typeface=" Cascadia Code PL"/>
+              </a:rPr>
+              <a:t>select</a:t>
+            </a:r>
+            <a:r>
+              <a:rPr lang="da-DK" sz="2000" b="0" dirty="0">
+                <a:solidFill>
+                  <a:srgbClr val="D4D4D4"/>
+                </a:solidFill>
+                <a:effectLst/>
+                <a:latin typeface=" Cascadia Code PL"/>
+              </a:rPr>
+              <a:t> = </a:t>
+            </a:r>
+            <a:r>
+              <a:rPr lang="da-DK" sz="2000" b="0" dirty="0">
+                <a:solidFill>
+                  <a:srgbClr val="9CDCFE"/>
+                </a:solidFill>
+                <a:effectLst/>
+                <a:latin typeface=" Cascadia Code PL"/>
+              </a:rPr>
+              <a:t>cities</a:t>
+            </a:r>
+            <a:r>
+              <a:rPr lang="da-DK" sz="2000" b="0" dirty="0">
+                <a:solidFill>
+                  <a:srgbClr val="D4D4D4"/>
+                </a:solidFill>
+                <a:effectLst/>
+                <a:latin typeface=" Cascadia Code PL"/>
+              </a:rPr>
+              <a:t>.</a:t>
+            </a:r>
+            <a:r>
+              <a:rPr lang="da-DK" sz="2000" b="0" dirty="0">
+                <a:solidFill>
+                  <a:srgbClr val="DCDCAA"/>
+                </a:solidFill>
+                <a:effectLst/>
+                <a:latin typeface=" Cascadia Code PL"/>
+              </a:rPr>
+              <a:t>Select</a:t>
+            </a:r>
+            <a:r>
+              <a:rPr lang="da-DK" sz="2000" b="0" dirty="0">
+                <a:solidFill>
+                  <a:srgbClr val="D4D4D4"/>
+                </a:solidFill>
+                <a:effectLst/>
+                <a:latin typeface=" Cascadia Code PL"/>
+              </a:rPr>
+              <a:t>(</a:t>
+            </a:r>
+            <a:r>
+              <a:rPr lang="da-DK" sz="2000" b="0" dirty="0">
+                <a:solidFill>
+                  <a:srgbClr val="9CDCFE"/>
+                </a:solidFill>
+                <a:effectLst/>
+                <a:latin typeface=" Cascadia Code PL"/>
+              </a:rPr>
+              <a:t>c</a:t>
+            </a:r>
+            <a:r>
+              <a:rPr lang="da-DK" sz="2000" b="0" dirty="0">
+                <a:solidFill>
+                  <a:srgbClr val="D4D4D4"/>
+                </a:solidFill>
+                <a:effectLst/>
+                <a:latin typeface=" Cascadia Code PL"/>
+              </a:rPr>
+              <a:t> =&gt; </a:t>
+            </a:r>
+            <a:r>
+              <a:rPr lang="da-DK" sz="2000" b="0" dirty="0">
+                <a:solidFill>
+                  <a:srgbClr val="9CDCFE"/>
+                </a:solidFill>
+                <a:effectLst/>
+                <a:latin typeface=" Cascadia Code PL"/>
+              </a:rPr>
+              <a:t>c</a:t>
+            </a:r>
+            <a:r>
+              <a:rPr lang="da-DK" sz="2000" b="0" dirty="0">
+                <a:solidFill>
+                  <a:srgbClr val="D4D4D4"/>
+                </a:solidFill>
+                <a:effectLst/>
+                <a:latin typeface=" Cascadia Code PL"/>
+              </a:rPr>
+              <a:t>.</a:t>
+            </a:r>
+            <a:r>
+              <a:rPr lang="da-DK" sz="2000" b="0" dirty="0">
+                <a:solidFill>
+                  <a:srgbClr val="9CDCFE"/>
+                </a:solidFill>
+                <a:effectLst/>
+                <a:latin typeface=" Cascadia Code PL"/>
+              </a:rPr>
+              <a:t>Name</a:t>
+            </a:r>
+            <a:r>
+              <a:rPr lang="da-DK" sz="2000" b="0" dirty="0">
+                <a:solidFill>
+                  <a:srgbClr val="D4D4D4"/>
+                </a:solidFill>
+                <a:effectLst/>
+                <a:latin typeface=" Cascadia Code PL"/>
+              </a:rPr>
+              <a:t>);</a:t>
+            </a:r>
           </a:p>
         </p:txBody>
       </p:sp>
     </p:spTree>
     <p:extLst>
       <p:ext uri="{BB962C8B-B14F-4D97-AF65-F5344CB8AC3E}">
-        <p14:creationId xmlns:p14="http://schemas.microsoft.com/office/powerpoint/2010/main" val="1738179064"/>
+        <p14:creationId xmlns:p14="http://schemas.microsoft.com/office/powerpoint/2010/main" val="4265748151"/>
       </p:ext>
     </p:extLst>
   </p:cSld>
   <p:clrMapOvr>
     <a:masterClrMapping/>
   </p:clrMapOvr>
-  <mc:AlternateContent xmlns:mc="http://schemas.openxmlformats.org/markup-compatibility/2006" xmlns:p14="http://schemas.microsoft.com/office/powerpoint/2010/main">
-    <mc:Choice Requires="p14">
-      <p:transition spd="med" p14:dur="700">
-        <p:fade/>
-      </p:transition>
-    </mc:Choice>
-    <mc:Fallback xmlns="">
-      <p:transition spd="med">
-        <p:fade/>
-      </p:transition>
-    </mc:Fallback>
-  </mc:AlternateContent>
+  <p:transition>
+    <p:fade/>
+  </p:transition>
 </p:sld>
 </file>
 
@@ -24579,7 +23958,7 @@
           <p:cNvPr id="2" name="Title 1">
             <a:extLst>
               <a:ext uri="{FF2B5EF4-FFF2-40B4-BE49-F238E27FC236}">
-                <a16:creationId xmlns:a16="http://schemas.microsoft.com/office/drawing/2014/main" id="{47DC5D4F-BE06-4205-9DDF-71B281E86E78}"/>
+                <a16:creationId xmlns:a16="http://schemas.microsoft.com/office/drawing/2014/main" id="{6428BDAE-8492-42EC-A155-83C6E28C6931}"/>
               </a:ext>
             </a:extLst>
           </p:cNvPr>
@@ -24596,35 +23975,601 @@
           <a:lstStyle/>
           <a:p>
             <a:r>
-              <a:rPr lang="en-US" dirty="0"/>
-              <a:t>Extension methods</a:t>
+              <a:rPr lang="da-DK" dirty="0"/>
+              <a:t>Extension methods 2/2</a:t>
             </a:r>
             <a:endParaRPr lang="LID4096" dirty="0"/>
+          </a:p>
+        </p:txBody>
+      </p:sp>
+      <p:sp>
+        <p:nvSpPr>
+          <p:cNvPr id="3" name="Text Placeholder 2">
+            <a:extLst>
+              <a:ext uri="{FF2B5EF4-FFF2-40B4-BE49-F238E27FC236}">
+                <a16:creationId xmlns:a16="http://schemas.microsoft.com/office/drawing/2014/main" id="{E3704F21-D137-4380-B6DD-FB15E28FFE75}"/>
+              </a:ext>
+            </a:extLst>
+          </p:cNvPr>
+          <p:cNvSpPr>
+            <a:spLocks noGrp="1"/>
+          </p:cNvSpPr>
+          <p:nvPr>
+            <p:ph type="body" sz="quarter" idx="10"/>
+          </p:nvPr>
+        </p:nvSpPr>
+        <p:spPr>
+          <a:xfrm>
+            <a:off x="588263" y="1436688"/>
+            <a:ext cx="11018520" cy="4358116"/>
+          </a:xfrm>
+        </p:spPr>
+        <p:txBody>
+          <a:bodyPr/>
+          <a:lstStyle/>
+          <a:p>
+            <a:endParaRPr lang="da-DK" sz="2400" b="0" dirty="0">
+              <a:solidFill>
+                <a:srgbClr val="569CD6"/>
+              </a:solidFill>
+              <a:effectLst/>
+              <a:latin typeface=" Cascadia Code PL"/>
+            </a:endParaRPr>
+          </a:p>
+          <a:p>
+            <a:r>
+              <a:rPr lang="da-DK" sz="2400" b="0" dirty="0">
+                <a:solidFill>
+                  <a:srgbClr val="569CD6"/>
+                </a:solidFill>
+                <a:effectLst/>
+                <a:latin typeface=" Cascadia Code PL"/>
+              </a:rPr>
+              <a:t>public</a:t>
+            </a:r>
+            <a:r>
+              <a:rPr lang="da-DK" sz="2400" b="0" dirty="0">
+                <a:solidFill>
+                  <a:srgbClr val="D4D4D4"/>
+                </a:solidFill>
+                <a:effectLst/>
+                <a:latin typeface=" Cascadia Code PL"/>
+              </a:rPr>
+              <a:t> </a:t>
+            </a:r>
+            <a:r>
+              <a:rPr lang="da-DK" sz="2400" b="0" dirty="0">
+                <a:solidFill>
+                  <a:srgbClr val="569CD6"/>
+                </a:solidFill>
+                <a:effectLst/>
+                <a:latin typeface=" Cascadia Code PL"/>
+              </a:rPr>
+              <a:t>static</a:t>
+            </a:r>
+            <a:r>
+              <a:rPr lang="da-DK" sz="2400" b="0" dirty="0">
+                <a:solidFill>
+                  <a:srgbClr val="D4D4D4"/>
+                </a:solidFill>
+                <a:effectLst/>
+                <a:latin typeface=" Cascadia Code PL"/>
+              </a:rPr>
+              <a:t> </a:t>
+            </a:r>
+            <a:r>
+              <a:rPr lang="da-DK" sz="2400" b="0" dirty="0">
+                <a:solidFill>
+                  <a:srgbClr val="569CD6"/>
+                </a:solidFill>
+                <a:effectLst/>
+                <a:latin typeface=" Cascadia Code PL"/>
+              </a:rPr>
+              <a:t>class</a:t>
+            </a:r>
+            <a:r>
+              <a:rPr lang="da-DK" sz="2400" b="0" dirty="0">
+                <a:solidFill>
+                  <a:srgbClr val="D4D4D4"/>
+                </a:solidFill>
+                <a:effectLst/>
+                <a:latin typeface=" Cascadia Code PL"/>
+              </a:rPr>
+              <a:t> </a:t>
+            </a:r>
+            <a:r>
+              <a:rPr lang="da-DK" sz="2400" b="0" dirty="0">
+                <a:solidFill>
+                  <a:srgbClr val="4EC9B0"/>
+                </a:solidFill>
+                <a:effectLst/>
+                <a:latin typeface=" Cascadia Code PL"/>
+              </a:rPr>
+              <a:t>Extensions</a:t>
+            </a:r>
+            <a:endParaRPr lang="da-DK" sz="2400" b="0" dirty="0">
+              <a:solidFill>
+                <a:srgbClr val="D4D4D4"/>
+              </a:solidFill>
+              <a:effectLst/>
+              <a:latin typeface=" Cascadia Code PL"/>
+            </a:endParaRPr>
+          </a:p>
+          <a:p>
+            <a:r>
+              <a:rPr lang="da-DK" sz="2400" b="0" dirty="0">
+                <a:solidFill>
+                  <a:srgbClr val="D4D4D4"/>
+                </a:solidFill>
+                <a:effectLst/>
+                <a:latin typeface=" Cascadia Code PL"/>
+              </a:rPr>
+              <a:t>{</a:t>
+            </a:r>
+          </a:p>
+          <a:p>
+            <a:r>
+              <a:rPr lang="da-DK" sz="2400" b="0" dirty="0">
+                <a:solidFill>
+                  <a:srgbClr val="D4D4D4"/>
+                </a:solidFill>
+                <a:effectLst/>
+                <a:latin typeface=" Cascadia Code PL"/>
+              </a:rPr>
+              <a:t>    </a:t>
+            </a:r>
+            <a:r>
+              <a:rPr lang="da-DK" sz="2400" b="0" dirty="0">
+                <a:solidFill>
+                  <a:srgbClr val="569CD6"/>
+                </a:solidFill>
+                <a:effectLst/>
+                <a:latin typeface=" Cascadia Code PL"/>
+              </a:rPr>
+              <a:t>public</a:t>
+            </a:r>
+            <a:r>
+              <a:rPr lang="da-DK" sz="2400" b="0" dirty="0">
+                <a:solidFill>
+                  <a:srgbClr val="D4D4D4"/>
+                </a:solidFill>
+                <a:effectLst/>
+                <a:latin typeface=" Cascadia Code PL"/>
+              </a:rPr>
+              <a:t> </a:t>
+            </a:r>
+            <a:r>
+              <a:rPr lang="da-DK" sz="2400" b="0" dirty="0">
+                <a:solidFill>
+                  <a:srgbClr val="569CD6"/>
+                </a:solidFill>
+                <a:effectLst/>
+                <a:latin typeface=" Cascadia Code PL"/>
+              </a:rPr>
+              <a:t>static</a:t>
+            </a:r>
+            <a:r>
+              <a:rPr lang="da-DK" sz="2400" b="0" dirty="0">
+                <a:solidFill>
+                  <a:srgbClr val="D4D4D4"/>
+                </a:solidFill>
+                <a:effectLst/>
+                <a:latin typeface=" Cascadia Code PL"/>
+              </a:rPr>
+              <a:t> </a:t>
+            </a:r>
+            <a:r>
+              <a:rPr lang="da-DK" sz="2400" b="0" dirty="0">
+                <a:solidFill>
+                  <a:srgbClr val="569CD6"/>
+                </a:solidFill>
+                <a:effectLst/>
+                <a:latin typeface=" Cascadia Code PL"/>
+              </a:rPr>
+              <a:t>int</a:t>
+            </a:r>
+            <a:r>
+              <a:rPr lang="da-DK" sz="2400" b="0" dirty="0">
+                <a:solidFill>
+                  <a:srgbClr val="D4D4D4"/>
+                </a:solidFill>
+                <a:effectLst/>
+                <a:latin typeface=" Cascadia Code PL"/>
+              </a:rPr>
+              <a:t> </a:t>
+            </a:r>
+            <a:r>
+              <a:rPr lang="da-DK" sz="2400" b="0" dirty="0">
+                <a:solidFill>
+                  <a:srgbClr val="DCDCAA"/>
+                </a:solidFill>
+                <a:effectLst/>
+                <a:latin typeface=" Cascadia Code PL"/>
+              </a:rPr>
+              <a:t>WordCount</a:t>
+            </a:r>
+            <a:r>
+              <a:rPr lang="da-DK" sz="2400" b="0" dirty="0">
+                <a:solidFill>
+                  <a:srgbClr val="D4D4D4"/>
+                </a:solidFill>
+                <a:effectLst/>
+                <a:latin typeface=" Cascadia Code PL"/>
+              </a:rPr>
+              <a:t>(</a:t>
+            </a:r>
+            <a:r>
+              <a:rPr lang="da-DK" sz="2400" b="0" dirty="0">
+                <a:solidFill>
+                  <a:srgbClr val="569CD6"/>
+                </a:solidFill>
+                <a:effectLst/>
+                <a:latin typeface=" Cascadia Code PL"/>
+              </a:rPr>
+              <a:t>this</a:t>
+            </a:r>
+            <a:r>
+              <a:rPr lang="da-DK" sz="2400" b="0" dirty="0">
+                <a:solidFill>
+                  <a:srgbClr val="D4D4D4"/>
+                </a:solidFill>
+                <a:effectLst/>
+                <a:latin typeface=" Cascadia Code PL"/>
+              </a:rPr>
+              <a:t> </a:t>
+            </a:r>
+            <a:r>
+              <a:rPr lang="da-DK" sz="2400" b="0" dirty="0">
+                <a:solidFill>
+                  <a:srgbClr val="569CD6"/>
+                </a:solidFill>
+                <a:effectLst/>
+                <a:latin typeface=" Cascadia Code PL"/>
+              </a:rPr>
+              <a:t>string</a:t>
+            </a:r>
+            <a:r>
+              <a:rPr lang="da-DK" sz="2400" b="0" dirty="0">
+                <a:solidFill>
+                  <a:srgbClr val="D4D4D4"/>
+                </a:solidFill>
+                <a:effectLst/>
+                <a:latin typeface=" Cascadia Code PL"/>
+              </a:rPr>
+              <a:t> </a:t>
+            </a:r>
+            <a:r>
+              <a:rPr lang="da-DK" sz="2400" b="0" dirty="0">
+                <a:solidFill>
+                  <a:srgbClr val="9CDCFE"/>
+                </a:solidFill>
+                <a:effectLst/>
+                <a:latin typeface=" Cascadia Code PL"/>
+              </a:rPr>
+              <a:t>str</a:t>
+            </a:r>
+            <a:r>
+              <a:rPr lang="da-DK" sz="2400" b="0" dirty="0">
+                <a:solidFill>
+                  <a:srgbClr val="D4D4D4"/>
+                </a:solidFill>
+                <a:effectLst/>
+                <a:latin typeface=" Cascadia Code PL"/>
+              </a:rPr>
+              <a:t>)</a:t>
+            </a:r>
+          </a:p>
+          <a:p>
+            <a:r>
+              <a:rPr lang="da-DK" sz="2400" b="0" dirty="0">
+                <a:solidFill>
+                  <a:srgbClr val="D4D4D4"/>
+                </a:solidFill>
+                <a:effectLst/>
+                <a:latin typeface=" Cascadia Code PL"/>
+              </a:rPr>
+              <a:t>    {</a:t>
+            </a:r>
+          </a:p>
+          <a:p>
+            <a:r>
+              <a:rPr lang="da-DK" sz="2400" b="0" dirty="0">
+                <a:solidFill>
+                  <a:srgbClr val="D4D4D4"/>
+                </a:solidFill>
+                <a:effectLst/>
+                <a:latin typeface=" Cascadia Code PL"/>
+              </a:rPr>
+              <a:t>        </a:t>
+            </a:r>
+            <a:r>
+              <a:rPr lang="da-DK" sz="2400" b="0" dirty="0">
+                <a:solidFill>
+                  <a:srgbClr val="C586C0"/>
+                </a:solidFill>
+                <a:effectLst/>
+                <a:latin typeface=" Cascadia Code PL"/>
+              </a:rPr>
+              <a:t>return</a:t>
+            </a:r>
+            <a:r>
+              <a:rPr lang="da-DK" sz="2400" b="0" dirty="0">
+                <a:solidFill>
+                  <a:srgbClr val="D4D4D4"/>
+                </a:solidFill>
+                <a:effectLst/>
+                <a:latin typeface=" Cascadia Code PL"/>
+              </a:rPr>
+              <a:t> </a:t>
+            </a:r>
+            <a:r>
+              <a:rPr lang="da-DK" sz="2400" b="0" dirty="0">
+                <a:solidFill>
+                  <a:srgbClr val="9CDCFE"/>
+                </a:solidFill>
+                <a:effectLst/>
+                <a:latin typeface=" Cascadia Code PL"/>
+              </a:rPr>
+              <a:t>str</a:t>
+            </a:r>
+            <a:r>
+              <a:rPr lang="da-DK" sz="2400" b="0" dirty="0">
+                <a:solidFill>
+                  <a:srgbClr val="D4D4D4"/>
+                </a:solidFill>
+                <a:effectLst/>
+                <a:latin typeface=" Cascadia Code PL"/>
+              </a:rPr>
+              <a:t>.</a:t>
+            </a:r>
+            <a:r>
+              <a:rPr lang="da-DK" sz="2400" b="0" dirty="0">
+                <a:solidFill>
+                  <a:srgbClr val="DCDCAA"/>
+                </a:solidFill>
+                <a:effectLst/>
+                <a:latin typeface=" Cascadia Code PL"/>
+              </a:rPr>
+              <a:t>Split</a:t>
+            </a:r>
+            <a:r>
+              <a:rPr lang="da-DK" sz="2400" b="0" dirty="0">
+                <a:solidFill>
+                  <a:srgbClr val="D4D4D4"/>
+                </a:solidFill>
+                <a:effectLst/>
+                <a:latin typeface=" Cascadia Code PL"/>
+              </a:rPr>
+              <a:t>(</a:t>
+            </a:r>
+          </a:p>
+          <a:p>
+            <a:r>
+              <a:rPr lang="da-DK" sz="2400" b="0" dirty="0">
+                <a:solidFill>
+                  <a:srgbClr val="D4D4D4"/>
+                </a:solidFill>
+                <a:effectLst/>
+                <a:latin typeface=" Cascadia Code PL"/>
+              </a:rPr>
+              <a:t>            </a:t>
+            </a:r>
+            <a:r>
+              <a:rPr lang="da-DK" sz="2400" b="0" dirty="0">
+                <a:solidFill>
+                  <a:srgbClr val="569CD6"/>
+                </a:solidFill>
+                <a:effectLst/>
+                <a:latin typeface=" Cascadia Code PL"/>
+              </a:rPr>
+              <a:t>new</a:t>
+            </a:r>
+            <a:r>
+              <a:rPr lang="da-DK" sz="2400" b="0" dirty="0">
+                <a:solidFill>
+                  <a:srgbClr val="D4D4D4"/>
+                </a:solidFill>
+                <a:effectLst/>
+                <a:latin typeface=" Cascadia Code PL"/>
+              </a:rPr>
+              <a:t> </a:t>
+            </a:r>
+            <a:r>
+              <a:rPr lang="da-DK" sz="2400" b="0" dirty="0">
+                <a:solidFill>
+                  <a:srgbClr val="569CD6"/>
+                </a:solidFill>
+                <a:effectLst/>
+                <a:latin typeface=" Cascadia Code PL"/>
+              </a:rPr>
+              <a:t>char</a:t>
+            </a:r>
+            <a:r>
+              <a:rPr lang="da-DK" sz="2400" b="0" dirty="0">
+                <a:solidFill>
+                  <a:srgbClr val="D4D4D4"/>
+                </a:solidFill>
+                <a:effectLst/>
+                <a:latin typeface=" Cascadia Code PL"/>
+              </a:rPr>
+              <a:t>[] { </a:t>
+            </a:r>
+            <a:r>
+              <a:rPr lang="da-DK" sz="2400" b="0" dirty="0">
+                <a:solidFill>
+                  <a:srgbClr val="CE9178"/>
+                </a:solidFill>
+                <a:effectLst/>
+                <a:latin typeface=" Cascadia Code PL"/>
+              </a:rPr>
+              <a:t>' '</a:t>
+            </a:r>
+            <a:r>
+              <a:rPr lang="da-DK" sz="2400" b="0" dirty="0">
+                <a:solidFill>
+                  <a:srgbClr val="D4D4D4"/>
+                </a:solidFill>
+                <a:effectLst/>
+                <a:latin typeface=" Cascadia Code PL"/>
+              </a:rPr>
+              <a:t>, </a:t>
+            </a:r>
+            <a:r>
+              <a:rPr lang="da-DK" sz="2400" b="0" dirty="0">
+                <a:solidFill>
+                  <a:srgbClr val="CE9178"/>
+                </a:solidFill>
+                <a:effectLst/>
+                <a:latin typeface=" Cascadia Code PL"/>
+              </a:rPr>
+              <a:t>'.'</a:t>
+            </a:r>
+            <a:r>
+              <a:rPr lang="da-DK" sz="2400" b="0" dirty="0">
+                <a:solidFill>
+                  <a:srgbClr val="D4D4D4"/>
+                </a:solidFill>
+                <a:effectLst/>
+                <a:latin typeface=" Cascadia Code PL"/>
+              </a:rPr>
+              <a:t>, </a:t>
+            </a:r>
+            <a:r>
+              <a:rPr lang="da-DK" sz="2400" b="0" dirty="0">
+                <a:solidFill>
+                  <a:srgbClr val="CE9178"/>
+                </a:solidFill>
+                <a:effectLst/>
+                <a:latin typeface=" Cascadia Code PL"/>
+              </a:rPr>
+              <a:t>'?'</a:t>
+            </a:r>
+            <a:r>
+              <a:rPr lang="da-DK" sz="2400" b="0" dirty="0">
+                <a:solidFill>
+                  <a:srgbClr val="D4D4D4"/>
+                </a:solidFill>
+                <a:effectLst/>
+                <a:latin typeface=" Cascadia Code PL"/>
+              </a:rPr>
+              <a:t> }, </a:t>
+            </a:r>
+          </a:p>
+          <a:p>
+            <a:r>
+              <a:rPr lang="da-DK" sz="2400" b="0" dirty="0">
+                <a:solidFill>
+                  <a:srgbClr val="D4D4D4"/>
+                </a:solidFill>
+                <a:effectLst/>
+                <a:latin typeface=" Cascadia Code PL"/>
+              </a:rPr>
+              <a:t>            </a:t>
+            </a:r>
+            <a:r>
+              <a:rPr lang="da-DK" sz="2400" b="0" dirty="0">
+                <a:solidFill>
+                  <a:srgbClr val="4EC9B0"/>
+                </a:solidFill>
+                <a:effectLst/>
+                <a:latin typeface=" Cascadia Code PL"/>
+              </a:rPr>
+              <a:t>StringSplitOptions</a:t>
+            </a:r>
+            <a:r>
+              <a:rPr lang="da-DK" sz="2400" b="0" dirty="0">
+                <a:solidFill>
+                  <a:srgbClr val="D4D4D4"/>
+                </a:solidFill>
+                <a:effectLst/>
+                <a:latin typeface=" Cascadia Code PL"/>
+              </a:rPr>
+              <a:t>.</a:t>
+            </a:r>
+            <a:r>
+              <a:rPr lang="da-DK" sz="2400" b="0" dirty="0">
+                <a:solidFill>
+                  <a:srgbClr val="4FC1FF"/>
+                </a:solidFill>
+                <a:effectLst/>
+                <a:latin typeface=" Cascadia Code PL"/>
+              </a:rPr>
+              <a:t>RemoveEmptyEntries</a:t>
+            </a:r>
+            <a:r>
+              <a:rPr lang="da-DK" sz="2400" b="0" dirty="0">
+                <a:solidFill>
+                  <a:srgbClr val="D4D4D4"/>
+                </a:solidFill>
+                <a:effectLst/>
+                <a:latin typeface=" Cascadia Code PL"/>
+              </a:rPr>
+              <a:t>).</a:t>
+            </a:r>
+            <a:r>
+              <a:rPr lang="da-DK" sz="2400" b="0" dirty="0">
+                <a:solidFill>
+                  <a:srgbClr val="9CDCFE"/>
+                </a:solidFill>
+                <a:effectLst/>
+                <a:latin typeface=" Cascadia Code PL"/>
+              </a:rPr>
+              <a:t>Length</a:t>
+            </a:r>
+            <a:r>
+              <a:rPr lang="da-DK" sz="2400" b="0" dirty="0">
+                <a:solidFill>
+                  <a:srgbClr val="D4D4D4"/>
+                </a:solidFill>
+                <a:effectLst/>
+                <a:latin typeface=" Cascadia Code PL"/>
+              </a:rPr>
+              <a:t>;</a:t>
+            </a:r>
+          </a:p>
+          <a:p>
+            <a:r>
+              <a:rPr lang="da-DK" sz="2400" b="0" dirty="0">
+                <a:solidFill>
+                  <a:srgbClr val="D4D4D4"/>
+                </a:solidFill>
+                <a:effectLst/>
+                <a:latin typeface=" Cascadia Code PL"/>
+              </a:rPr>
+              <a:t>    }</a:t>
+            </a:r>
+          </a:p>
+          <a:p>
+            <a:r>
+              <a:rPr lang="da-DK" sz="2400" b="0" dirty="0">
+                <a:solidFill>
+                  <a:srgbClr val="D4D4D4"/>
+                </a:solidFill>
+                <a:effectLst/>
+                <a:latin typeface=" Cascadia Code PL"/>
+              </a:rPr>
+              <a:t>}</a:t>
+            </a:r>
+            <a:endParaRPr lang="LID4096" sz="3600" dirty="0">
+              <a:latin typeface="Cascadia Code" panose="020B0609020000020004" pitchFamily="49" charset="0"/>
+              <a:cs typeface="Cascadia Code" panose="020B0609020000020004" pitchFamily="49" charset="0"/>
+            </a:endParaRPr>
           </a:p>
         </p:txBody>
       </p:sp>
     </p:spTree>
     <p:extLst>
       <p:ext uri="{BB962C8B-B14F-4D97-AF65-F5344CB8AC3E}">
-        <p14:creationId xmlns:p14="http://schemas.microsoft.com/office/powerpoint/2010/main" val="864682972"/>
+        <p14:creationId xmlns:p14="http://schemas.microsoft.com/office/powerpoint/2010/main" val="710744184"/>
       </p:ext>
     </p:extLst>
   </p:cSld>
   <p:clrMapOvr>
     <a:masterClrMapping/>
   </p:clrMapOvr>
-  <mc:AlternateContent xmlns:mc="http://schemas.openxmlformats.org/markup-compatibility/2006" xmlns:p14="http://schemas.microsoft.com/office/powerpoint/2010/main">
-    <mc:Choice Requires="p14">
-      <p:transition spd="med" p14:dur="700">
-        <p:fade/>
-      </p:transition>
-    </mc:Choice>
-    <mc:Fallback xmlns="">
-      <p:transition spd="med">
-        <p:fade/>
-      </p:transition>
-    </mc:Fallback>
-  </mc:AlternateContent>
+  <p:transition>
+    <p:fade/>
+  </p:transition>
 </p:sld>
 </file>
 
@@ -24790,6 +24735,85 @@
       </p:grpSpPr>
       <p:sp>
         <p:nvSpPr>
+          <p:cNvPr id="4" name="Title 3">
+            <a:extLst>
+              <a:ext uri="{FF2B5EF4-FFF2-40B4-BE49-F238E27FC236}">
+                <a16:creationId xmlns:a16="http://schemas.microsoft.com/office/drawing/2014/main" id="{98D9D239-887C-49FA-A821-A61A859CC476}"/>
+              </a:ext>
+            </a:extLst>
+          </p:cNvPr>
+          <p:cNvSpPr>
+            <a:spLocks noGrp="1"/>
+          </p:cNvSpPr>
+          <p:nvPr>
+            <p:ph type="title"/>
+          </p:nvPr>
+        </p:nvSpPr>
+        <p:spPr/>
+        <p:txBody>
+          <a:bodyPr/>
+          <a:lstStyle/>
+          <a:p>
+            <a:r>
+              <a:rPr lang="en-US" dirty="0"/>
+              <a:t>LINQ – Language </a:t>
+            </a:r>
+            <a:r>
+              <a:rPr lang="en-US" dirty="0" err="1"/>
+              <a:t>INtegrated</a:t>
+            </a:r>
+            <a:r>
+              <a:rPr lang="en-US" dirty="0"/>
+              <a:t> Query</a:t>
+            </a:r>
+            <a:endParaRPr lang="LID4096" dirty="0"/>
+          </a:p>
+        </p:txBody>
+      </p:sp>
+    </p:spTree>
+    <p:extLst>
+      <p:ext uri="{BB962C8B-B14F-4D97-AF65-F5344CB8AC3E}">
+        <p14:creationId xmlns:p14="http://schemas.microsoft.com/office/powerpoint/2010/main" val="1268705434"/>
+      </p:ext>
+    </p:extLst>
+  </p:cSld>
+  <p:clrMapOvr>
+    <a:masterClrMapping/>
+  </p:clrMapOvr>
+  <mc:AlternateContent xmlns:mc="http://schemas.openxmlformats.org/markup-compatibility/2006">
+    <mc:Choice xmlns:p14="http://schemas.microsoft.com/office/powerpoint/2010/main" Requires="p14">
+      <p:transition spd="med" p14:dur="700">
+        <p:fade/>
+      </p:transition>
+    </mc:Choice>
+    <mc:Fallback>
+      <p:transition spd="med">
+        <p:fade/>
+      </p:transition>
+    </mc:Fallback>
+  </mc:AlternateContent>
+</p:sld>
+</file>
+
+<file path=ppt/slides/slide21.xml><?xml version="1.0" encoding="utf-8"?>
+<p:sld xmlns:a="http://schemas.openxmlformats.org/drawingml/2006/main" xmlns:r="http://schemas.openxmlformats.org/officeDocument/2006/relationships" xmlns:p="http://schemas.openxmlformats.org/presentationml/2006/main">
+  <p:cSld>
+    <p:spTree>
+      <p:nvGrpSpPr>
+        <p:cNvPr id="1" name=""/>
+        <p:cNvGrpSpPr/>
+        <p:nvPr/>
+      </p:nvGrpSpPr>
+      <p:grpSpPr>
+        <a:xfrm>
+          <a:off x="0" y="0"/>
+          <a:ext cx="0" cy="0"/>
+          <a:chOff x="0" y="0"/>
+          <a:chExt cx="0" cy="0"/>
+        </a:xfrm>
+      </p:grpSpPr>
+      <p:sp>
+        <p:nvSpPr>
           <p:cNvPr id="2" name="Title 1">
             <a:extLst>
               <a:ext uri="{FF2B5EF4-FFF2-40B4-BE49-F238E27FC236}">
@@ -24811,7 +24835,565 @@
           <a:p>
             <a:r>
               <a:rPr lang="en-US" dirty="0"/>
-              <a:t>Extension Methods</a:t>
+              <a:t>LINQ</a:t>
+            </a:r>
+            <a:endParaRPr lang="LID4096" dirty="0"/>
+          </a:p>
+        </p:txBody>
+      </p:sp>
+      <p:sp>
+        <p:nvSpPr>
+          <p:cNvPr id="3" name="Text Placeholder 2">
+            <a:extLst>
+              <a:ext uri="{FF2B5EF4-FFF2-40B4-BE49-F238E27FC236}">
+                <a16:creationId xmlns:a16="http://schemas.microsoft.com/office/drawing/2014/main" id="{EEA7FA73-6402-4B52-A041-A628085E981A}"/>
+              </a:ext>
+            </a:extLst>
+          </p:cNvPr>
+          <p:cNvSpPr>
+            <a:spLocks noGrp="1"/>
+          </p:cNvSpPr>
+          <p:nvPr>
+            <p:ph type="body" sz="quarter" idx="10"/>
+          </p:nvPr>
+        </p:nvSpPr>
+        <p:spPr>
+          <a:xfrm>
+            <a:off x="588263" y="1436688"/>
+            <a:ext cx="11018520" cy="3447098"/>
+          </a:xfrm>
+        </p:spPr>
+        <p:txBody>
+          <a:bodyPr/>
+          <a:lstStyle/>
+          <a:p>
+            <a:endParaRPr lang="en-US" sz="3200" b="0" dirty="0">
+              <a:solidFill>
+                <a:srgbClr val="569CD6"/>
+              </a:solidFill>
+              <a:effectLst/>
+              <a:latin typeface=" Cascadia Code PL"/>
+            </a:endParaRPr>
+          </a:p>
+          <a:p>
+            <a:endParaRPr lang="en-US" sz="3200" dirty="0">
+              <a:solidFill>
+                <a:srgbClr val="569CD6"/>
+              </a:solidFill>
+              <a:latin typeface=" Cascadia Code PL"/>
+            </a:endParaRPr>
+          </a:p>
+          <a:p>
+            <a:r>
+              <a:rPr lang="en-US" sz="3200" b="0" dirty="0">
+                <a:solidFill>
+                  <a:srgbClr val="569CD6"/>
+                </a:solidFill>
+                <a:effectLst/>
+                <a:latin typeface=" Cascadia Code PL"/>
+              </a:rPr>
+              <a:t>var</a:t>
+            </a:r>
+            <a:r>
+              <a:rPr lang="en-US" sz="3200" b="0" dirty="0">
+                <a:solidFill>
+                  <a:srgbClr val="D4D4D4"/>
+                </a:solidFill>
+                <a:effectLst/>
+                <a:latin typeface=" Cascadia Code PL"/>
+              </a:rPr>
+              <a:t> </a:t>
+            </a:r>
+            <a:r>
+              <a:rPr lang="en-US" sz="3200" b="0" dirty="0">
+                <a:solidFill>
+                  <a:srgbClr val="9CDCFE"/>
+                </a:solidFill>
+                <a:effectLst/>
+                <a:latin typeface=" Cascadia Code PL"/>
+              </a:rPr>
+              <a:t>sorted</a:t>
+            </a:r>
+            <a:r>
+              <a:rPr lang="en-US" sz="3200" b="0" dirty="0">
+                <a:solidFill>
+                  <a:srgbClr val="D4D4D4"/>
+                </a:solidFill>
+                <a:effectLst/>
+                <a:latin typeface=" Cascadia Code PL"/>
+              </a:rPr>
+              <a:t> = </a:t>
+            </a:r>
+            <a:r>
+              <a:rPr lang="en-US" sz="3200" b="0" dirty="0">
+                <a:solidFill>
+                  <a:srgbClr val="569CD6"/>
+                </a:solidFill>
+                <a:effectLst/>
+                <a:latin typeface=" Cascadia Code PL"/>
+              </a:rPr>
+              <a:t>from</a:t>
+            </a:r>
+            <a:r>
+              <a:rPr lang="en-US" sz="3200" b="0" dirty="0">
+                <a:solidFill>
+                  <a:srgbClr val="D4D4D4"/>
+                </a:solidFill>
+                <a:effectLst/>
+                <a:latin typeface=" Cascadia Code PL"/>
+              </a:rPr>
+              <a:t> </a:t>
+            </a:r>
+            <a:r>
+              <a:rPr lang="en-US" sz="3200" b="0" dirty="0">
+                <a:solidFill>
+                  <a:srgbClr val="9CDCFE"/>
+                </a:solidFill>
+                <a:effectLst/>
+                <a:latin typeface=" Cascadia Code PL"/>
+              </a:rPr>
+              <a:t>c</a:t>
+            </a:r>
+            <a:r>
+              <a:rPr lang="en-US" sz="3200" b="0" dirty="0">
+                <a:solidFill>
+                  <a:srgbClr val="D4D4D4"/>
+                </a:solidFill>
+                <a:effectLst/>
+                <a:latin typeface=" Cascadia Code PL"/>
+              </a:rPr>
+              <a:t> </a:t>
+            </a:r>
+            <a:r>
+              <a:rPr lang="en-US" sz="3200" b="0" dirty="0">
+                <a:solidFill>
+                  <a:srgbClr val="569CD6"/>
+                </a:solidFill>
+                <a:effectLst/>
+                <a:latin typeface=" Cascadia Code PL"/>
+              </a:rPr>
+              <a:t>in</a:t>
+            </a:r>
+            <a:r>
+              <a:rPr lang="en-US" sz="3200" b="0" dirty="0">
+                <a:solidFill>
+                  <a:srgbClr val="D4D4D4"/>
+                </a:solidFill>
+                <a:effectLst/>
+                <a:latin typeface=" Cascadia Code PL"/>
+              </a:rPr>
+              <a:t> </a:t>
+            </a:r>
+            <a:r>
+              <a:rPr lang="en-US" sz="3200" b="0" dirty="0">
+                <a:solidFill>
+                  <a:srgbClr val="9CDCFE"/>
+                </a:solidFill>
+                <a:effectLst/>
+                <a:latin typeface=" Cascadia Code PL"/>
+              </a:rPr>
+              <a:t>cities</a:t>
+            </a:r>
+            <a:endParaRPr lang="en-US" sz="3200" b="0" dirty="0">
+              <a:solidFill>
+                <a:srgbClr val="D4D4D4"/>
+              </a:solidFill>
+              <a:effectLst/>
+              <a:latin typeface=" Cascadia Code PL"/>
+            </a:endParaRPr>
+          </a:p>
+          <a:p>
+            <a:r>
+              <a:rPr lang="en-US" sz="3200" b="0" dirty="0">
+                <a:solidFill>
+                  <a:srgbClr val="D4D4D4"/>
+                </a:solidFill>
+                <a:effectLst/>
+                <a:latin typeface=" Cascadia Code PL"/>
+              </a:rPr>
+              <a:t>             </a:t>
+            </a:r>
+            <a:r>
+              <a:rPr lang="en-US" sz="3200" b="0" dirty="0">
+                <a:solidFill>
+                  <a:srgbClr val="569CD6"/>
+                </a:solidFill>
+                <a:effectLst/>
+                <a:latin typeface=" Cascadia Code PL"/>
+              </a:rPr>
+              <a:t>where</a:t>
+            </a:r>
+            <a:r>
+              <a:rPr lang="en-US" sz="3200" b="0" dirty="0">
+                <a:solidFill>
+                  <a:srgbClr val="D4D4D4"/>
+                </a:solidFill>
+                <a:effectLst/>
+                <a:latin typeface=" Cascadia Code PL"/>
+              </a:rPr>
+              <a:t> </a:t>
+            </a:r>
+            <a:r>
+              <a:rPr lang="en-US" sz="3200" b="0" dirty="0" err="1">
+                <a:solidFill>
+                  <a:srgbClr val="9CDCFE"/>
+                </a:solidFill>
+                <a:effectLst/>
+                <a:latin typeface=" Cascadia Code PL"/>
+              </a:rPr>
+              <a:t>c</a:t>
+            </a:r>
+            <a:r>
+              <a:rPr lang="en-US" sz="3200" b="0" dirty="0" err="1">
+                <a:solidFill>
+                  <a:srgbClr val="D4D4D4"/>
+                </a:solidFill>
+                <a:effectLst/>
+                <a:latin typeface=" Cascadia Code PL"/>
+              </a:rPr>
+              <a:t>.</a:t>
+            </a:r>
+            <a:r>
+              <a:rPr lang="en-US" sz="3200" b="0" dirty="0" err="1">
+                <a:solidFill>
+                  <a:srgbClr val="9CDCFE"/>
+                </a:solidFill>
+                <a:effectLst/>
+                <a:latin typeface=" Cascadia Code PL"/>
+              </a:rPr>
+              <a:t>Name</a:t>
+            </a:r>
+            <a:r>
+              <a:rPr lang="en-US" sz="3200" b="0" dirty="0" err="1">
+                <a:solidFill>
+                  <a:srgbClr val="D4D4D4"/>
+                </a:solidFill>
+                <a:effectLst/>
+                <a:latin typeface=" Cascadia Code PL"/>
+              </a:rPr>
+              <a:t>.</a:t>
+            </a:r>
+            <a:r>
+              <a:rPr lang="en-US" sz="3200" b="0" dirty="0" err="1">
+                <a:solidFill>
+                  <a:srgbClr val="9CDCFE"/>
+                </a:solidFill>
+                <a:effectLst/>
+                <a:latin typeface=" Cascadia Code PL"/>
+              </a:rPr>
+              <a:t>Contains</a:t>
+            </a:r>
+            <a:r>
+              <a:rPr lang="en-US" sz="3200" b="0" dirty="0">
+                <a:solidFill>
+                  <a:srgbClr val="D4D4D4"/>
+                </a:solidFill>
+                <a:effectLst/>
+                <a:latin typeface=" Cascadia Code PL"/>
+              </a:rPr>
+              <a:t>(</a:t>
+            </a:r>
+            <a:r>
+              <a:rPr lang="en-US" sz="3200" b="0" dirty="0">
+                <a:solidFill>
+                  <a:srgbClr val="CE9178"/>
+                </a:solidFill>
+                <a:effectLst/>
+                <a:latin typeface=" Cascadia Code PL"/>
+              </a:rPr>
+              <a:t>"</a:t>
+            </a:r>
+            <a:r>
+              <a:rPr lang="en-US" sz="3200" b="0" dirty="0" err="1">
+                <a:solidFill>
+                  <a:srgbClr val="CE9178"/>
+                </a:solidFill>
+                <a:effectLst/>
+                <a:latin typeface=" Cascadia Code PL"/>
+              </a:rPr>
+              <a:t>i</a:t>
+            </a:r>
+            <a:r>
+              <a:rPr lang="en-US" sz="3200" b="0" dirty="0">
+                <a:solidFill>
+                  <a:srgbClr val="CE9178"/>
+                </a:solidFill>
+                <a:effectLst/>
+                <a:latin typeface=" Cascadia Code PL"/>
+              </a:rPr>
+              <a:t>"</a:t>
+            </a:r>
+            <a:r>
+              <a:rPr lang="en-US" sz="3200" b="0" dirty="0">
+                <a:solidFill>
+                  <a:srgbClr val="D4D4D4"/>
+                </a:solidFill>
+                <a:effectLst/>
+                <a:latin typeface=" Cascadia Code PL"/>
+              </a:rPr>
+              <a:t>)</a:t>
+            </a:r>
+          </a:p>
+          <a:p>
+            <a:r>
+              <a:rPr lang="en-US" sz="3200" b="0" dirty="0">
+                <a:solidFill>
+                  <a:srgbClr val="D4D4D4"/>
+                </a:solidFill>
+                <a:effectLst/>
+                <a:latin typeface=" Cascadia Code PL"/>
+              </a:rPr>
+              <a:t>             </a:t>
+            </a:r>
+            <a:r>
+              <a:rPr lang="en-US" sz="3200" b="0" dirty="0" err="1">
+                <a:solidFill>
+                  <a:srgbClr val="569CD6"/>
+                </a:solidFill>
+                <a:effectLst/>
+                <a:latin typeface=" Cascadia Code PL"/>
+              </a:rPr>
+              <a:t>orderby</a:t>
+            </a:r>
+            <a:r>
+              <a:rPr lang="en-US" sz="3200" b="0" dirty="0">
+                <a:solidFill>
+                  <a:srgbClr val="D4D4D4"/>
+                </a:solidFill>
+                <a:effectLst/>
+                <a:latin typeface=" Cascadia Code PL"/>
+              </a:rPr>
+              <a:t> </a:t>
+            </a:r>
+            <a:r>
+              <a:rPr lang="en-US" sz="3200" b="0" dirty="0" err="1">
+                <a:solidFill>
+                  <a:srgbClr val="9CDCFE"/>
+                </a:solidFill>
+                <a:effectLst/>
+                <a:latin typeface=" Cascadia Code PL"/>
+              </a:rPr>
+              <a:t>c</a:t>
+            </a:r>
+            <a:r>
+              <a:rPr lang="en-US" sz="3200" b="0" dirty="0" err="1">
+                <a:solidFill>
+                  <a:srgbClr val="D4D4D4"/>
+                </a:solidFill>
+                <a:effectLst/>
+                <a:latin typeface=" Cascadia Code PL"/>
+              </a:rPr>
+              <a:t>.</a:t>
+            </a:r>
+            <a:r>
+              <a:rPr lang="en-US" sz="3200" b="0" dirty="0" err="1">
+                <a:solidFill>
+                  <a:srgbClr val="9CDCFE"/>
+                </a:solidFill>
+                <a:effectLst/>
+                <a:latin typeface=" Cascadia Code PL"/>
+              </a:rPr>
+              <a:t>Name</a:t>
+            </a:r>
+            <a:r>
+              <a:rPr lang="en-US" sz="3200" b="0" dirty="0">
+                <a:solidFill>
+                  <a:srgbClr val="D4D4D4"/>
+                </a:solidFill>
+                <a:effectLst/>
+                <a:latin typeface=" Cascadia Code PL"/>
+              </a:rPr>
+              <a:t> </a:t>
+            </a:r>
+            <a:r>
+              <a:rPr lang="en-US" sz="3200" b="0" dirty="0">
+                <a:solidFill>
+                  <a:srgbClr val="569CD6"/>
+                </a:solidFill>
+                <a:effectLst/>
+                <a:latin typeface=" Cascadia Code PL"/>
+              </a:rPr>
+              <a:t>descending</a:t>
+            </a:r>
+            <a:endParaRPr lang="en-US" sz="3200" b="0" dirty="0">
+              <a:solidFill>
+                <a:srgbClr val="D4D4D4"/>
+              </a:solidFill>
+              <a:effectLst/>
+              <a:latin typeface=" Cascadia Code PL"/>
+            </a:endParaRPr>
+          </a:p>
+          <a:p>
+            <a:r>
+              <a:rPr lang="en-US" sz="3200" b="0" dirty="0">
+                <a:solidFill>
+                  <a:srgbClr val="D4D4D4"/>
+                </a:solidFill>
+                <a:effectLst/>
+                <a:latin typeface=" Cascadia Code PL"/>
+              </a:rPr>
+              <a:t>             </a:t>
+            </a:r>
+            <a:r>
+              <a:rPr lang="en-US" sz="3200" b="0" dirty="0">
+                <a:solidFill>
+                  <a:srgbClr val="569CD6"/>
+                </a:solidFill>
+                <a:effectLst/>
+                <a:latin typeface=" Cascadia Code PL"/>
+              </a:rPr>
+              <a:t>select</a:t>
+            </a:r>
+            <a:r>
+              <a:rPr lang="en-US" sz="3200" b="0" dirty="0">
+                <a:solidFill>
+                  <a:srgbClr val="D4D4D4"/>
+                </a:solidFill>
+                <a:effectLst/>
+                <a:latin typeface=" Cascadia Code PL"/>
+              </a:rPr>
+              <a:t> </a:t>
+            </a:r>
+            <a:r>
+              <a:rPr lang="en-US" sz="3200" b="0" dirty="0">
+                <a:solidFill>
+                  <a:srgbClr val="569CD6"/>
+                </a:solidFill>
+                <a:effectLst/>
+                <a:latin typeface=" Cascadia Code PL"/>
+              </a:rPr>
+              <a:t>new</a:t>
+            </a:r>
+            <a:r>
+              <a:rPr lang="en-US" sz="3200" b="0" dirty="0">
+                <a:solidFill>
+                  <a:srgbClr val="D4D4D4"/>
+                </a:solidFill>
+                <a:effectLst/>
+                <a:latin typeface=" Cascadia Code PL"/>
+              </a:rPr>
+              <a:t> { </a:t>
+            </a:r>
+            <a:r>
+              <a:rPr lang="en-US" sz="3200" b="0" dirty="0">
+                <a:solidFill>
+                  <a:srgbClr val="9CDCFE"/>
+                </a:solidFill>
+                <a:effectLst/>
+                <a:latin typeface=" Cascadia Code PL"/>
+              </a:rPr>
+              <a:t>Name</a:t>
+            </a:r>
+            <a:r>
+              <a:rPr lang="en-US" sz="3200" b="0" dirty="0">
+                <a:solidFill>
+                  <a:srgbClr val="D4D4D4"/>
+                </a:solidFill>
+                <a:effectLst/>
+                <a:latin typeface=" Cascadia Code PL"/>
+              </a:rPr>
+              <a:t> = </a:t>
+            </a:r>
+            <a:r>
+              <a:rPr lang="en-US" sz="3200" b="0" dirty="0" err="1">
+                <a:solidFill>
+                  <a:srgbClr val="9CDCFE"/>
+                </a:solidFill>
+                <a:effectLst/>
+                <a:latin typeface=" Cascadia Code PL"/>
+              </a:rPr>
+              <a:t>c</a:t>
+            </a:r>
+            <a:r>
+              <a:rPr lang="en-US" sz="3200" b="0" dirty="0" err="1">
+                <a:solidFill>
+                  <a:srgbClr val="D4D4D4"/>
+                </a:solidFill>
+                <a:effectLst/>
+                <a:latin typeface=" Cascadia Code PL"/>
+              </a:rPr>
+              <a:t>.</a:t>
+            </a:r>
+            <a:r>
+              <a:rPr lang="en-US" sz="3200" b="0" dirty="0" err="1">
+                <a:solidFill>
+                  <a:srgbClr val="9CDCFE"/>
+                </a:solidFill>
+                <a:effectLst/>
+                <a:latin typeface=" Cascadia Code PL"/>
+              </a:rPr>
+              <a:t>Name</a:t>
+            </a:r>
+            <a:r>
+              <a:rPr lang="en-US" sz="3200" b="0" dirty="0">
+                <a:solidFill>
+                  <a:srgbClr val="D4D4D4"/>
+                </a:solidFill>
+                <a:effectLst/>
+                <a:latin typeface=" Cascadia Code PL"/>
+              </a:rPr>
+              <a:t> };</a:t>
+            </a:r>
+          </a:p>
+        </p:txBody>
+      </p:sp>
+    </p:spTree>
+    <p:extLst>
+      <p:ext uri="{BB962C8B-B14F-4D97-AF65-F5344CB8AC3E}">
+        <p14:creationId xmlns:p14="http://schemas.microsoft.com/office/powerpoint/2010/main" val="2466892665"/>
+      </p:ext>
+    </p:extLst>
+  </p:cSld>
+  <p:clrMapOvr>
+    <a:masterClrMapping/>
+  </p:clrMapOvr>
+  <p:transition>
+    <p:fade/>
+  </p:transition>
+</p:sld>
+</file>
+
+<file path=ppt/slides/slide22.xml><?xml version="1.0" encoding="utf-8"?>
+<p:sld xmlns:a="http://schemas.openxmlformats.org/drawingml/2006/main" xmlns:r="http://schemas.openxmlformats.org/officeDocument/2006/relationships" xmlns:p="http://schemas.openxmlformats.org/presentationml/2006/main">
+  <p:cSld>
+    <p:spTree>
+      <p:nvGrpSpPr>
+        <p:cNvPr id="1" name=""/>
+        <p:cNvGrpSpPr/>
+        <p:nvPr/>
+      </p:nvGrpSpPr>
+      <p:grpSpPr>
+        <a:xfrm>
+          <a:off x="0" y="0"/>
+          <a:ext cx="0" cy="0"/>
+          <a:chOff x="0" y="0"/>
+          <a:chExt cx="0" cy="0"/>
+        </a:xfrm>
+      </p:grpSpPr>
+      <p:sp>
+        <p:nvSpPr>
+          <p:cNvPr id="2" name="Title 1">
+            <a:extLst>
+              <a:ext uri="{FF2B5EF4-FFF2-40B4-BE49-F238E27FC236}">
+                <a16:creationId xmlns:a16="http://schemas.microsoft.com/office/drawing/2014/main" id="{C1D5BCB6-8654-42B2-B5CC-52CC7F1BAB6A}"/>
+              </a:ext>
+            </a:extLst>
+          </p:cNvPr>
+          <p:cNvSpPr>
+            <a:spLocks noGrp="1"/>
+          </p:cNvSpPr>
+          <p:nvPr>
+            <p:ph type="title"/>
+          </p:nvPr>
+        </p:nvSpPr>
+        <p:spPr/>
+        <p:txBody>
+          <a:bodyPr/>
+          <a:lstStyle/>
+          <a:p>
+            <a:r>
+              <a:rPr lang="en-US" dirty="0"/>
+              <a:t>Extension Methods Version</a:t>
             </a:r>
             <a:endParaRPr lang="LID4096" dirty="0"/>
           </a:p>
@@ -25289,6 +25871,77 @@
   <p:transition>
     <p:fade/>
   </p:transition>
+</p:sld>
+</file>
+
+<file path=ppt/slides/slide23.xml><?xml version="1.0" encoding="utf-8"?>
+<p:sld xmlns:a="http://schemas.openxmlformats.org/drawingml/2006/main" xmlns:r="http://schemas.openxmlformats.org/officeDocument/2006/relationships" xmlns:p="http://schemas.openxmlformats.org/presentationml/2006/main">
+  <p:cSld>
+    <p:spTree>
+      <p:nvGrpSpPr>
+        <p:cNvPr id="1" name=""/>
+        <p:cNvGrpSpPr/>
+        <p:nvPr/>
+      </p:nvGrpSpPr>
+      <p:grpSpPr>
+        <a:xfrm>
+          <a:off x="0" y="0"/>
+          <a:ext cx="0" cy="0"/>
+          <a:chOff x="0" y="0"/>
+          <a:chExt cx="0" cy="0"/>
+        </a:xfrm>
+      </p:grpSpPr>
+      <p:sp>
+        <p:nvSpPr>
+          <p:cNvPr id="4" name="Title 3">
+            <a:extLst>
+              <a:ext uri="{FF2B5EF4-FFF2-40B4-BE49-F238E27FC236}">
+                <a16:creationId xmlns:a16="http://schemas.microsoft.com/office/drawing/2014/main" id="{CAF75441-047F-413A-9DE7-BA59FCB95C77}"/>
+              </a:ext>
+            </a:extLst>
+          </p:cNvPr>
+          <p:cNvSpPr>
+            <a:spLocks noGrp="1"/>
+          </p:cNvSpPr>
+          <p:nvPr>
+            <p:ph type="title"/>
+          </p:nvPr>
+        </p:nvSpPr>
+        <p:spPr/>
+        <p:txBody>
+          <a:bodyPr/>
+          <a:lstStyle/>
+          <a:p>
+            <a:r>
+              <a:rPr lang="en-US" dirty="0"/>
+              <a:t>LINQ demo</a:t>
+            </a:r>
+            <a:endParaRPr lang="LID4096" dirty="0"/>
+          </a:p>
+        </p:txBody>
+      </p:sp>
+    </p:spTree>
+    <p:extLst>
+      <p:ext uri="{BB962C8B-B14F-4D97-AF65-F5344CB8AC3E}">
+        <p14:creationId xmlns:p14="http://schemas.microsoft.com/office/powerpoint/2010/main" val="1738179064"/>
+      </p:ext>
+    </p:extLst>
+  </p:cSld>
+  <p:clrMapOvr>
+    <a:masterClrMapping/>
+  </p:clrMapOvr>
+  <mc:AlternateContent xmlns:mc="http://schemas.openxmlformats.org/markup-compatibility/2006" xmlns:p14="http://schemas.microsoft.com/office/powerpoint/2010/main">
+    <mc:Choice Requires="p14">
+      <p:transition spd="med" p14:dur="700">
+        <p:fade/>
+      </p:transition>
+    </mc:Choice>
+    <mc:Fallback xmlns="">
+      <p:transition spd="med">
+        <p:fade/>
+      </p:transition>
+    </mc:Fallback>
+  </mc:AlternateContent>
 </p:sld>
 </file>
 
@@ -29275,6 +29928,15 @@
 </file>
 
 <file path=customXml/item1.xml><?xml version="1.0" encoding="utf-8"?>
+<?mso-contentType ?>
+<FormTemplates xmlns="http://schemas.microsoft.com/sharepoint/v3/contenttype/forms">
+  <Display>DocumentLibraryForm</Display>
+  <Edit>DocumentLibraryForm</Edit>
+  <New>DocumentLibraryForm</New>
+</FormTemplates>
+</file>
+
+<file path=customXml/item2.xml><?xml version="1.0" encoding="utf-8"?>
 <ct:contentTypeSchema xmlns:ct="http://schemas.microsoft.com/office/2006/metadata/contentType" xmlns:ma="http://schemas.microsoft.com/office/2006/metadata/properties/metaAttributes" ct:_="" ma:_="" ma:contentTypeName="Document" ma:contentTypeID="0x010100BD9FAF4CD5AD2F4B99B5B2414089ABF7" ma:contentTypeVersion="14" ma:contentTypeDescription="Create a new document." ma:contentTypeScope="" ma:versionID="15419eb272c8997d22174cab72b81ac5">
   <xsd:schema xmlns:xsd="http://www.w3.org/2001/XMLSchema" xmlns:xs="http://www.w3.org/2001/XMLSchema" xmlns:p="http://schemas.microsoft.com/office/2006/metadata/properties" xmlns:ns2="dcf5ddc1-fb1d-440f-849a-6450bddbaed7" xmlns:ns3="965de625-df5b-42e9-a277-2113da4f1195" targetNamespace="http://schemas.microsoft.com/office/2006/metadata/properties" ma:root="true" ma:fieldsID="366f960d0717a06e650b8dd07cd5f805" ns2:_="" ns3:_="">
     <xsd:import namespace="dcf5ddc1-fb1d-440f-849a-6450bddbaed7"/>
@@ -29505,15 +30167,6 @@
 </ct:contentTypeSchema>
 </file>
 
-<file path=customXml/item2.xml><?xml version="1.0" encoding="utf-8"?>
-<?mso-contentType ?>
-<FormTemplates xmlns="http://schemas.microsoft.com/sharepoint/v3/contenttype/forms">
-  <Display>DocumentLibraryForm</Display>
-  <Edit>DocumentLibraryForm</Edit>
-  <New>DocumentLibraryForm</New>
-</FormTemplates>
-</file>
-
 <file path=customXml/item3.xml><?xml version="1.0" encoding="utf-8"?>
 <p:properties xmlns:p="http://schemas.microsoft.com/office/2006/metadata/properties" xmlns:xsi="http://www.w3.org/2001/XMLSchema-instance" xmlns:pc="http://schemas.microsoft.com/office/infopath/2007/PartnerControls">
   <documentManagement>
@@ -29523,6 +30176,14 @@
 </file>
 
 <file path=customXml/itemProps1.xml><?xml version="1.0" encoding="utf-8"?>
+<ds:datastoreItem xmlns:ds="http://schemas.openxmlformats.org/officeDocument/2006/customXml" ds:itemID="{758FDAC0-319D-4A54-8D8E-1D42CB1F8004}">
+  <ds:schemaRefs>
+    <ds:schemaRef ds:uri="http://schemas.microsoft.com/sharepoint/v3/contenttype/forms"/>
+  </ds:schemaRefs>
+</ds:datastoreItem>
+</file>
+
+<file path=customXml/itemProps2.xml><?xml version="1.0" encoding="utf-8"?>
 <ds:datastoreItem xmlns:ds="http://schemas.openxmlformats.org/officeDocument/2006/customXml" ds:itemID="{B28DDFE8-80D6-4A60-B5D6-41E509D3A2B4}">
   <ds:schemaRefs>
     <ds:schemaRef ds:uri="http://schemas.microsoft.com/office/2006/metadata/contentType"/>
@@ -29541,29 +30202,19 @@
 </ds:datastoreItem>
 </file>
 
-<file path=customXml/itemProps2.xml><?xml version="1.0" encoding="utf-8"?>
-<ds:datastoreItem xmlns:ds="http://schemas.openxmlformats.org/officeDocument/2006/customXml" ds:itemID="{758FDAC0-319D-4A54-8D8E-1D42CB1F8004}">
-  <ds:schemaRefs>
-    <ds:schemaRef ds:uri="http://schemas.microsoft.com/sharepoint/v3/contenttype/forms"/>
-  </ds:schemaRefs>
-</ds:datastoreItem>
-</file>
-
 <file path=customXml/itemProps3.xml><?xml version="1.0" encoding="utf-8"?>
 <ds:datastoreItem xmlns:ds="http://schemas.openxmlformats.org/officeDocument/2006/customXml" ds:itemID="{F990F116-B58F-4255-B05B-DA3808E0E5C6}">
   <ds:schemaRefs>
+    <ds:schemaRef ds:uri="http://schemas.microsoft.com/office/2006/documentManagement/types"/>
+    <ds:schemaRef ds:uri="dcf5ddc1-fb1d-440f-849a-6450bddbaed7"/>
+    <ds:schemaRef ds:uri="http://purl.org/dc/dcmitype/"/>
+    <ds:schemaRef ds:uri="http://purl.org/dc/terms/"/>
     <ds:schemaRef ds:uri="http://purl.org/dc/elements/1.1/"/>
+    <ds:schemaRef ds:uri="965de625-df5b-42e9-a277-2113da4f1195"/>
+    <ds:schemaRef ds:uri="http://www.w3.org/XML/1998/namespace"/>
+    <ds:schemaRef ds:uri="http://schemas.microsoft.com/office/infopath/2007/PartnerControls"/>
+    <ds:schemaRef ds:uri="http://schemas.openxmlformats.org/package/2006/metadata/core-properties"/>
     <ds:schemaRef ds:uri="http://schemas.microsoft.com/office/2006/metadata/properties"/>
-    <ds:schemaRef ds:uri="e4aa919a-b200-49cb-beca-4c7e0810321e"/>
-    <ds:schemaRef ds:uri="06670dda-0291-4061-b6e0-f6c0cb392c51"/>
-    <ds:schemaRef ds:uri="http://schemas.microsoft.com/office/2006/documentManagement/types"/>
-    <ds:schemaRef ds:uri="http://schemas.microsoft.com/office/infopath/2007/PartnerControls"/>
-    <ds:schemaRef ds:uri="http://purl.org/dc/dcmitype/"/>
-    <ds:schemaRef ds:uri="http://schemas.microsoft.com/sharepoint/v3"/>
-    <ds:schemaRef ds:uri="http://schemas.openxmlformats.org/package/2006/metadata/core-properties"/>
-    <ds:schemaRef ds:uri="http://www.w3.org/XML/1998/namespace"/>
-    <ds:schemaRef ds:uri="http://purl.org/dc/terms/"/>
-    <ds:schemaRef ds:uri="965de625-df5b-42e9-a277-2113da4f1195"/>
   </ds:schemaRefs>
 </ds:datastoreItem>
 </file>